--- a/Image colorization and Inpainting/Image inpainting and colourization.pptx
+++ b/Image colorization and Inpainting/Image inpainting and colourization.pptx
@@ -16,12 +16,20 @@
     <p:sldId id="263" r:id="rId10"/>
     <p:sldId id="264" r:id="rId11"/>
     <p:sldId id="266" r:id="rId12"/>
-    <p:sldId id="273" r:id="rId13"/>
-    <p:sldId id="272" r:id="rId14"/>
-    <p:sldId id="271" r:id="rId15"/>
-    <p:sldId id="268" r:id="rId16"/>
-    <p:sldId id="267" r:id="rId17"/>
-    <p:sldId id="269" r:id="rId18"/>
+    <p:sldId id="274" r:id="rId13"/>
+    <p:sldId id="275" r:id="rId14"/>
+    <p:sldId id="276" r:id="rId15"/>
+    <p:sldId id="277" r:id="rId16"/>
+    <p:sldId id="273" r:id="rId17"/>
+    <p:sldId id="281" r:id="rId18"/>
+    <p:sldId id="272" r:id="rId19"/>
+    <p:sldId id="271" r:id="rId20"/>
+    <p:sldId id="268" r:id="rId21"/>
+    <p:sldId id="278" r:id="rId22"/>
+    <p:sldId id="279" r:id="rId23"/>
+    <p:sldId id="280" r:id="rId24"/>
+    <p:sldId id="267" r:id="rId25"/>
+    <p:sldId id="269" r:id="rId26"/>
   </p:sldIdLst>
   <p:sldSz cx="12192000" cy="6858000"/>
   <p:notesSz cx="6858000" cy="9144000"/>
@@ -472,7 +480,7 @@
           <a:p>
             <a:fld id="{C764DE79-268F-4C1A-8933-263129D2AF90}" type="datetimeFigureOut">
               <a:rPr lang="en-US" dirty="0"/>
-              <a:t>6/27/2022</a:t>
+              <a:t>6/28/2022</a:t>
             </a:fld>
             <a:endParaRPr lang="en-US" dirty="0"/>
           </a:p>
@@ -640,7 +648,7 @@
           <a:p>
             <a:fld id="{C764DE79-268F-4C1A-8933-263129D2AF90}" type="datetimeFigureOut">
               <a:rPr lang="en-US" dirty="0"/>
-              <a:t>6/27/2022</a:t>
+              <a:t>6/28/2022</a:t>
             </a:fld>
             <a:endParaRPr lang="en-US" dirty="0"/>
           </a:p>
@@ -818,7 +826,7 @@
           <a:p>
             <a:fld id="{C764DE79-268F-4C1A-8933-263129D2AF90}" type="datetimeFigureOut">
               <a:rPr lang="en-US" dirty="0"/>
-              <a:t>6/27/2022</a:t>
+              <a:t>6/28/2022</a:t>
             </a:fld>
             <a:endParaRPr lang="en-US" dirty="0"/>
           </a:p>
@@ -986,7 +994,7 @@
           <a:p>
             <a:fld id="{C764DE79-268F-4C1A-8933-263129D2AF90}" type="datetimeFigureOut">
               <a:rPr lang="en-US" dirty="0"/>
-              <a:t>6/27/2022</a:t>
+              <a:t>6/28/2022</a:t>
             </a:fld>
             <a:endParaRPr lang="en-US" dirty="0"/>
           </a:p>
@@ -1231,7 +1239,7 @@
           <a:p>
             <a:fld id="{C764DE79-268F-4C1A-8933-263129D2AF90}" type="datetimeFigureOut">
               <a:rPr lang="en-US" dirty="0"/>
-              <a:t>6/27/2022</a:t>
+              <a:t>6/28/2022</a:t>
             </a:fld>
             <a:endParaRPr lang="en-US" dirty="0"/>
           </a:p>
@@ -1460,7 +1468,7 @@
           <a:p>
             <a:fld id="{C764DE79-268F-4C1A-8933-263129D2AF90}" type="datetimeFigureOut">
               <a:rPr lang="en-US" dirty="0"/>
-              <a:t>6/27/2022</a:t>
+              <a:t>6/28/2022</a:t>
             </a:fld>
             <a:endParaRPr lang="en-US" dirty="0"/>
           </a:p>
@@ -1824,7 +1832,7 @@
           <a:p>
             <a:fld id="{C764DE79-268F-4C1A-8933-263129D2AF90}" type="datetimeFigureOut">
               <a:rPr lang="en-US" dirty="0"/>
-              <a:t>6/27/2022</a:t>
+              <a:t>6/28/2022</a:t>
             </a:fld>
             <a:endParaRPr lang="en-US" dirty="0"/>
           </a:p>
@@ -1941,7 +1949,7 @@
           <a:p>
             <a:fld id="{C764DE79-268F-4C1A-8933-263129D2AF90}" type="datetimeFigureOut">
               <a:rPr lang="en-US" dirty="0"/>
-              <a:t>6/27/2022</a:t>
+              <a:t>6/28/2022</a:t>
             </a:fld>
             <a:endParaRPr lang="en-US" dirty="0"/>
           </a:p>
@@ -2036,7 +2044,7 @@
           <a:p>
             <a:fld id="{C764DE79-268F-4C1A-8933-263129D2AF90}" type="datetimeFigureOut">
               <a:rPr lang="en-US" dirty="0"/>
-              <a:t>6/27/2022</a:t>
+              <a:t>6/28/2022</a:t>
             </a:fld>
             <a:endParaRPr lang="en-US" dirty="0"/>
           </a:p>
@@ -2311,7 +2319,7 @@
           <a:p>
             <a:fld id="{C764DE79-268F-4C1A-8933-263129D2AF90}" type="datetimeFigureOut">
               <a:rPr lang="en-US" dirty="0"/>
-              <a:t>6/27/2022</a:t>
+              <a:t>6/28/2022</a:t>
             </a:fld>
             <a:endParaRPr lang="en-US" dirty="0"/>
           </a:p>
@@ -2563,7 +2571,7 @@
           <a:p>
             <a:fld id="{C764DE79-268F-4C1A-8933-263129D2AF90}" type="datetimeFigureOut">
               <a:rPr lang="en-US" dirty="0"/>
-              <a:t>6/27/2022</a:t>
+              <a:t>6/28/2022</a:t>
             </a:fld>
             <a:endParaRPr lang="en-US" dirty="0"/>
           </a:p>
@@ -2774,7 +2782,7 @@
           <a:p>
             <a:fld id="{C764DE79-268F-4C1A-8933-263129D2AF90}" type="datetimeFigureOut">
               <a:rPr lang="en-US" dirty="0"/>
-              <a:t>6/27/2022</a:t>
+              <a:t>6/28/2022</a:t>
             </a:fld>
             <a:endParaRPr lang="en-US" dirty="0"/>
           </a:p>
@@ -3505,69 +3513,6 @@
       </p:grpSpPr>
       <p:sp>
         <p:nvSpPr>
-          <p:cNvPr id="8" name="Rectangle 7">
-            <a:extLst>
-              <a:ext uri="{FF2B5EF4-FFF2-40B4-BE49-F238E27FC236}">
-                <a16:creationId xmlns:a16="http://schemas.microsoft.com/office/drawing/2014/main" id="{2B566528-1B12-4246-9431-5C2D7D081168}"/>
-              </a:ext>
-              <a:ext uri="{C183D7F6-B498-43B3-948B-1728B52AA6E4}">
-                <adec:decorative xmlns:adec="http://schemas.microsoft.com/office/drawing/2017/decorative" val="1"/>
-              </a:ext>
-            </a:extLst>
-          </p:cNvPr>
-          <p:cNvSpPr>
-            <a:spLocks noGrp="1" noRot="1" noChangeAspect="1" noMove="1" noResize="1" noEditPoints="1" noAdjustHandles="1" noChangeArrowheads="1" noChangeShapeType="1" noTextEdit="1"/>
-          </p:cNvSpPr>
-          <p:nvPr>
-            <p:extLst>
-              <p:ext uri="{386F3935-93C4-4BCD-93E2-E3B085C9AB24}">
-                <p16:designElem xmlns:p16="http://schemas.microsoft.com/office/powerpoint/2015/main" val="1"/>
-              </p:ext>
-            </p:extLst>
-          </p:nvPr>
-        </p:nvSpPr>
-        <p:spPr>
-          <a:xfrm>
-            <a:off x="0" y="0"/>
-            <a:ext cx="12192000" cy="6858000"/>
-          </a:xfrm>
-          <a:prstGeom prst="rect">
-            <a:avLst/>
-          </a:prstGeom>
-          <a:solidFill>
-            <a:schemeClr val="bg1"/>
-          </a:solidFill>
-          <a:ln>
-            <a:noFill/>
-          </a:ln>
-        </p:spPr>
-        <p:style>
-          <a:lnRef idx="2">
-            <a:schemeClr val="accent1">
-              <a:shade val="50000"/>
-            </a:schemeClr>
-          </a:lnRef>
-          <a:fillRef idx="1">
-            <a:schemeClr val="accent1"/>
-          </a:fillRef>
-          <a:effectRef idx="0">
-            <a:schemeClr val="accent1"/>
-          </a:effectRef>
-          <a:fontRef idx="minor">
-            <a:schemeClr val="lt1"/>
-          </a:fontRef>
-        </p:style>
-        <p:txBody>
-          <a:bodyPr rtlCol="0" anchor="ctr"/>
-          <a:lstStyle/>
-          <a:p>
-            <a:pPr algn="ctr"/>
-            <a:endParaRPr lang="en-US" dirty="0"/>
-          </a:p>
-        </p:txBody>
-      </p:sp>
-      <p:sp>
-        <p:nvSpPr>
           <p:cNvPr id="3" name="Content Placeholder 2">
             <a:extLst>
               <a:ext uri="{FF2B5EF4-FFF2-40B4-BE49-F238E27FC236}">
@@ -3616,274 +3561,48 @@
           </a:p>
         </p:txBody>
       </p:sp>
-      <p:sp>
-        <p:nvSpPr>
-          <p:cNvPr id="10" name="Rectangle 9">
+      <p:pic>
+        <p:nvPicPr>
+          <p:cNvPr id="9" name="Picture 8">
             <a:extLst>
               <a:ext uri="{FF2B5EF4-FFF2-40B4-BE49-F238E27FC236}">
-                <a16:creationId xmlns:a16="http://schemas.microsoft.com/office/drawing/2014/main" id="{2E80C965-DB6D-4F81-9E9E-B027384D0BD6}"/>
-              </a:ext>
-              <a:ext uri="{C183D7F6-B498-43B3-948B-1728B52AA6E4}">
-                <adec:decorative xmlns:adec="http://schemas.microsoft.com/office/drawing/2017/decorative" val="1"/>
+                <a16:creationId xmlns:a16="http://schemas.microsoft.com/office/drawing/2014/main" id="{AA3DAB34-2059-4D41-BCD2-0C72002A0CAD}"/>
               </a:ext>
             </a:extLst>
           </p:cNvPr>
-          <p:cNvSpPr>
-            <a:spLocks noGrp="1" noRot="1" noChangeAspect="1" noMove="1" noResize="1" noEditPoints="1" noAdjustHandles="1" noChangeArrowheads="1" noChangeShapeType="1" noTextEdit="1"/>
-          </p:cNvSpPr>
-          <p:nvPr>
-            <p:extLst>
-              <p:ext uri="{386F3935-93C4-4BCD-93E2-E3B085C9AB24}">
-                <p16:designElem xmlns:p16="http://schemas.microsoft.com/office/powerpoint/2015/main" val="1"/>
-              </p:ext>
-            </p:extLst>
-          </p:nvPr>
-        </p:nvSpPr>
-        <p:spPr>
-          <a:xfrm rot="2700000">
-            <a:off x="11052629" y="2120024"/>
-            <a:ext cx="645368" cy="645368"/>
+          <p:cNvPicPr/>
+          <p:nvPr/>
+        </p:nvPicPr>
+        <p:blipFill rotWithShape="1">
+          <a:blip r:embed="rId2">
+            <a:extLst>
+              <a:ext uri="{28A0092B-C50C-407E-A947-70E740481C1C}">
+                <a14:useLocalDpi xmlns:a14="http://schemas.microsoft.com/office/drawing/2010/main" val="0"/>
+              </a:ext>
+            </a:extLst>
+          </a:blip>
+          <a:srcRect l="8323" t="17798" r="18279" b="24355"/>
+          <a:stretch/>
+        </p:blipFill>
+        <p:spPr bwMode="auto">
+          <a:xfrm>
+            <a:off x="1171977" y="1467398"/>
+            <a:ext cx="9386649" cy="4397499"/>
           </a:xfrm>
           <a:prstGeom prst="rect">
             <a:avLst/>
           </a:prstGeom>
-          <a:solidFill>
-            <a:schemeClr val="accent4">
-              <a:alpha val="30000"/>
-            </a:schemeClr>
-          </a:solidFill>
+          <a:noFill/>
           <a:ln>
             <a:noFill/>
           </a:ln>
+          <a:extLst>
+            <a:ext uri="{53640926-AAD7-44D8-BBD7-CCE9431645EC}">
+              <a14:shadowObscured xmlns:a14="http://schemas.microsoft.com/office/drawing/2010/main"/>
+            </a:ext>
+          </a:extLst>
         </p:spPr>
-        <p:style>
-          <a:lnRef idx="2">
-            <a:schemeClr val="accent1">
-              <a:shade val="50000"/>
-            </a:schemeClr>
-          </a:lnRef>
-          <a:fillRef idx="1">
-            <a:schemeClr val="accent1"/>
-          </a:fillRef>
-          <a:effectRef idx="0">
-            <a:schemeClr val="accent1"/>
-          </a:effectRef>
-          <a:fontRef idx="minor">
-            <a:schemeClr val="lt1"/>
-          </a:fontRef>
-        </p:style>
-        <p:txBody>
-          <a:bodyPr rtlCol="0" anchor="ctr"/>
-          <a:lstStyle/>
-          <a:p>
-            <a:pPr algn="ctr"/>
-            <a:endParaRPr lang="en-US"/>
-          </a:p>
-        </p:txBody>
-      </p:sp>
-      <p:sp>
-        <p:nvSpPr>
-          <p:cNvPr id="12" name="Isosceles Triangle 11">
-            <a:extLst>
-              <a:ext uri="{FF2B5EF4-FFF2-40B4-BE49-F238E27FC236}">
-                <a16:creationId xmlns:a16="http://schemas.microsoft.com/office/drawing/2014/main" id="{A580F890-B085-4E95-96AA-55AEBEC5CE6E}"/>
-              </a:ext>
-              <a:ext uri="{C183D7F6-B498-43B3-948B-1728B52AA6E4}">
-                <adec:decorative xmlns:adec="http://schemas.microsoft.com/office/drawing/2017/decorative" val="1"/>
-              </a:ext>
-            </a:extLst>
-          </p:cNvPr>
-          <p:cNvSpPr>
-            <a:spLocks noGrp="1" noRot="1" noChangeAspect="1" noMove="1" noResize="1" noEditPoints="1" noAdjustHandles="1" noChangeArrowheads="1" noChangeShapeType="1" noTextEdit="1"/>
-          </p:cNvSpPr>
-          <p:nvPr>
-            <p:extLst>
-              <p:ext uri="{386F3935-93C4-4BCD-93E2-E3B085C9AB24}">
-                <p16:designElem xmlns:p16="http://schemas.microsoft.com/office/powerpoint/2015/main" val="1"/>
-              </p:ext>
-            </p:extLst>
-          </p:nvPr>
-        </p:nvSpPr>
-        <p:spPr>
-          <a:xfrm rot="16200000">
-            <a:off x="10289068" y="1343027"/>
-            <a:ext cx="2532832" cy="1273032"/>
-          </a:xfrm>
-          <a:prstGeom prst="triangle">
-            <a:avLst>
-              <a:gd name="adj" fmla="val 50000"/>
-            </a:avLst>
-          </a:prstGeom>
-          <a:solidFill>
-            <a:schemeClr val="accent4">
-              <a:alpha val="30000"/>
-            </a:schemeClr>
-          </a:solidFill>
-          <a:ln>
-            <a:noFill/>
-          </a:ln>
-        </p:spPr>
-        <p:style>
-          <a:lnRef idx="2">
-            <a:schemeClr val="accent1">
-              <a:shade val="50000"/>
-            </a:schemeClr>
-          </a:lnRef>
-          <a:fillRef idx="1">
-            <a:schemeClr val="accent1"/>
-          </a:fillRef>
-          <a:effectRef idx="0">
-            <a:schemeClr val="accent1"/>
-          </a:effectRef>
-          <a:fontRef idx="minor">
-            <a:schemeClr val="lt1"/>
-          </a:fontRef>
-        </p:style>
-        <p:txBody>
-          <a:bodyPr rtlCol="0" anchor="ctr"/>
-          <a:lstStyle/>
-          <a:p>
-            <a:pPr algn="ctr"/>
-            <a:endParaRPr lang="en-US"/>
-          </a:p>
-        </p:txBody>
-      </p:sp>
-      <p:sp>
-        <p:nvSpPr>
-          <p:cNvPr id="14" name="Isosceles Triangle 13">
-            <a:extLst>
-              <a:ext uri="{FF2B5EF4-FFF2-40B4-BE49-F238E27FC236}">
-                <a16:creationId xmlns:a16="http://schemas.microsoft.com/office/drawing/2014/main" id="{D3F51FEB-38FB-4F6C-9F7B-2F2AFAB65463}"/>
-              </a:ext>
-              <a:ext uri="{C183D7F6-B498-43B3-948B-1728B52AA6E4}">
-                <adec:decorative xmlns:adec="http://schemas.microsoft.com/office/drawing/2017/decorative" val="1"/>
-              </a:ext>
-            </a:extLst>
-          </p:cNvPr>
-          <p:cNvSpPr>
-            <a:spLocks noGrp="1" noRot="1" noChangeAspect="1" noMove="1" noResize="1" noEditPoints="1" noAdjustHandles="1" noChangeArrowheads="1" noChangeShapeType="1" noTextEdit="1"/>
-          </p:cNvSpPr>
-          <p:nvPr>
-            <p:extLst>
-              <p:ext uri="{386F3935-93C4-4BCD-93E2-E3B085C9AB24}">
-                <p16:designElem xmlns:p16="http://schemas.microsoft.com/office/powerpoint/2015/main" val="1"/>
-              </p:ext>
-            </p:extLst>
-          </p:nvPr>
-        </p:nvSpPr>
-        <p:spPr>
-          <a:xfrm rot="5400000">
-            <a:off x="-501760" y="5103257"/>
-            <a:ext cx="2017580" cy="1014060"/>
-          </a:xfrm>
-          <a:prstGeom prst="triangle">
-            <a:avLst>
-              <a:gd name="adj" fmla="val 50000"/>
-            </a:avLst>
-          </a:prstGeom>
-          <a:solidFill>
-            <a:schemeClr val="accent1">
-              <a:alpha val="30000"/>
-            </a:schemeClr>
-          </a:solidFill>
-          <a:ln>
-            <a:noFill/>
-          </a:ln>
-        </p:spPr>
-        <p:style>
-          <a:lnRef idx="2">
-            <a:schemeClr val="accent1">
-              <a:shade val="50000"/>
-            </a:schemeClr>
-          </a:lnRef>
-          <a:fillRef idx="1">
-            <a:schemeClr val="accent1"/>
-          </a:fillRef>
-          <a:effectRef idx="0">
-            <a:schemeClr val="accent1"/>
-          </a:effectRef>
-          <a:fontRef idx="minor">
-            <a:schemeClr val="lt1"/>
-          </a:fontRef>
-        </p:style>
-        <p:txBody>
-          <a:bodyPr wrap="square" rtlCol="0" anchor="ctr">
-            <a:noAutofit/>
-          </a:bodyPr>
-          <a:lstStyle/>
-          <a:p>
-            <a:pPr algn="ctr"/>
-            <a:endParaRPr lang="en-US"/>
-          </a:p>
-        </p:txBody>
-      </p:sp>
-      <p:sp>
-        <p:nvSpPr>
-          <p:cNvPr id="16" name="Rectangle 15">
-            <a:extLst>
-              <a:ext uri="{FF2B5EF4-FFF2-40B4-BE49-F238E27FC236}">
-                <a16:creationId xmlns:a16="http://schemas.microsoft.com/office/drawing/2014/main" id="{1E547BA6-BAE0-43BB-A7CA-60F69CE252F0}"/>
-              </a:ext>
-              <a:ext uri="{C183D7F6-B498-43B3-948B-1728B52AA6E4}">
-                <adec:decorative xmlns:adec="http://schemas.microsoft.com/office/drawing/2017/decorative" val="1"/>
-              </a:ext>
-            </a:extLst>
-          </p:cNvPr>
-          <p:cNvSpPr>
-            <a:spLocks noGrp="1" noRot="1" noChangeAspect="1" noMove="1" noResize="1" noEditPoints="1" noAdjustHandles="1" noChangeArrowheads="1" noChangeShapeType="1" noTextEdit="1"/>
-          </p:cNvSpPr>
-          <p:nvPr>
-            <p:extLst>
-              <p:ext uri="{386F3935-93C4-4BCD-93E2-E3B085C9AB24}">
-                <p16:designElem xmlns:p16="http://schemas.microsoft.com/office/powerpoint/2015/main" val="1"/>
-              </p:ext>
-            </p:extLst>
-          </p:nvPr>
-        </p:nvSpPr>
-        <p:spPr>
-          <a:xfrm rot="2700000">
-            <a:off x="427916" y="5728708"/>
-            <a:ext cx="485578" cy="485578"/>
-          </a:xfrm>
-          <a:prstGeom prst="rect">
-            <a:avLst/>
-          </a:prstGeom>
-          <a:solidFill>
-            <a:schemeClr val="accent1">
-              <a:alpha val="30000"/>
-            </a:schemeClr>
-          </a:solidFill>
-          <a:ln>
-            <a:noFill/>
-          </a:ln>
-        </p:spPr>
-        <p:style>
-          <a:lnRef idx="2">
-            <a:schemeClr val="accent1">
-              <a:shade val="50000"/>
-            </a:schemeClr>
-          </a:lnRef>
-          <a:fillRef idx="1">
-            <a:schemeClr val="accent1"/>
-          </a:fillRef>
-          <a:effectRef idx="0">
-            <a:schemeClr val="accent1"/>
-          </a:effectRef>
-          <a:fontRef idx="minor">
-            <a:schemeClr val="lt1"/>
-          </a:fontRef>
-        </p:style>
-        <p:txBody>
-          <a:bodyPr wrap="square" rtlCol="0" anchor="ctr">
-            <a:noAutofit/>
-          </a:bodyPr>
-          <a:lstStyle/>
-          <a:p>
-            <a:pPr algn="ctr"/>
-            <a:endParaRPr lang="en-US"/>
-          </a:p>
-        </p:txBody>
-      </p:sp>
+      </p:pic>
     </p:spTree>
     <p:extLst>
       <p:ext uri="{BB962C8B-B14F-4D97-AF65-F5344CB8AC3E}">
@@ -3924,69 +3643,6 @@
       </p:grpSpPr>
       <p:sp>
         <p:nvSpPr>
-          <p:cNvPr id="8" name="Rectangle 7">
-            <a:extLst>
-              <a:ext uri="{FF2B5EF4-FFF2-40B4-BE49-F238E27FC236}">
-                <a16:creationId xmlns:a16="http://schemas.microsoft.com/office/drawing/2014/main" id="{2B566528-1B12-4246-9431-5C2D7D081168}"/>
-              </a:ext>
-              <a:ext uri="{C183D7F6-B498-43B3-948B-1728B52AA6E4}">
-                <adec:decorative xmlns:adec="http://schemas.microsoft.com/office/drawing/2017/decorative" val="1"/>
-              </a:ext>
-            </a:extLst>
-          </p:cNvPr>
-          <p:cNvSpPr>
-            <a:spLocks noGrp="1" noRot="1" noChangeAspect="1" noMove="1" noResize="1" noEditPoints="1" noAdjustHandles="1" noChangeArrowheads="1" noChangeShapeType="1" noTextEdit="1"/>
-          </p:cNvSpPr>
-          <p:nvPr>
-            <p:extLst>
-              <p:ext uri="{386F3935-93C4-4BCD-93E2-E3B085C9AB24}">
-                <p16:designElem xmlns:p16="http://schemas.microsoft.com/office/powerpoint/2015/main" val="1"/>
-              </p:ext>
-            </p:extLst>
-          </p:nvPr>
-        </p:nvSpPr>
-        <p:spPr>
-          <a:xfrm>
-            <a:off x="0" y="0"/>
-            <a:ext cx="12192000" cy="6858000"/>
-          </a:xfrm>
-          <a:prstGeom prst="rect">
-            <a:avLst/>
-          </a:prstGeom>
-          <a:solidFill>
-            <a:schemeClr val="bg1"/>
-          </a:solidFill>
-          <a:ln>
-            <a:noFill/>
-          </a:ln>
-        </p:spPr>
-        <p:style>
-          <a:lnRef idx="2">
-            <a:schemeClr val="accent1">
-              <a:shade val="50000"/>
-            </a:schemeClr>
-          </a:lnRef>
-          <a:fillRef idx="1">
-            <a:schemeClr val="accent1"/>
-          </a:fillRef>
-          <a:effectRef idx="0">
-            <a:schemeClr val="accent1"/>
-          </a:effectRef>
-          <a:fontRef idx="minor">
-            <a:schemeClr val="lt1"/>
-          </a:fontRef>
-        </p:style>
-        <p:txBody>
-          <a:bodyPr rtlCol="0" anchor="ctr"/>
-          <a:lstStyle/>
-          <a:p>
-            <a:pPr algn="ctr"/>
-            <a:endParaRPr lang="en-US" dirty="0"/>
-          </a:p>
-        </p:txBody>
-      </p:sp>
-      <p:sp>
-        <p:nvSpPr>
           <p:cNvPr id="2" name="Title 1">
             <a:extLst>
               <a:ext uri="{FF2B5EF4-FFF2-40B4-BE49-F238E27FC236}">
@@ -4023,274 +3679,6 @@
             <a:endParaRPr lang="en-US" sz="3600" b="1" dirty="0">
               <a:latin typeface="Times New Roman"/>
             </a:endParaRPr>
-          </a:p>
-        </p:txBody>
-      </p:sp>
-      <p:sp>
-        <p:nvSpPr>
-          <p:cNvPr id="10" name="Rectangle 9">
-            <a:extLst>
-              <a:ext uri="{FF2B5EF4-FFF2-40B4-BE49-F238E27FC236}">
-                <a16:creationId xmlns:a16="http://schemas.microsoft.com/office/drawing/2014/main" id="{2E80C965-DB6D-4F81-9E9E-B027384D0BD6}"/>
-              </a:ext>
-              <a:ext uri="{C183D7F6-B498-43B3-948B-1728B52AA6E4}">
-                <adec:decorative xmlns:adec="http://schemas.microsoft.com/office/drawing/2017/decorative" val="1"/>
-              </a:ext>
-            </a:extLst>
-          </p:cNvPr>
-          <p:cNvSpPr>
-            <a:spLocks noGrp="1" noRot="1" noChangeAspect="1" noMove="1" noResize="1" noEditPoints="1" noAdjustHandles="1" noChangeArrowheads="1" noChangeShapeType="1" noTextEdit="1"/>
-          </p:cNvSpPr>
-          <p:nvPr>
-            <p:extLst>
-              <p:ext uri="{386F3935-93C4-4BCD-93E2-E3B085C9AB24}">
-                <p16:designElem xmlns:p16="http://schemas.microsoft.com/office/powerpoint/2015/main" val="1"/>
-              </p:ext>
-            </p:extLst>
-          </p:nvPr>
-        </p:nvSpPr>
-        <p:spPr>
-          <a:xfrm rot="2700000">
-            <a:off x="11052629" y="2120024"/>
-            <a:ext cx="645368" cy="645368"/>
-          </a:xfrm>
-          <a:prstGeom prst="rect">
-            <a:avLst/>
-          </a:prstGeom>
-          <a:solidFill>
-            <a:schemeClr val="accent4">
-              <a:alpha val="30000"/>
-            </a:schemeClr>
-          </a:solidFill>
-          <a:ln>
-            <a:noFill/>
-          </a:ln>
-        </p:spPr>
-        <p:style>
-          <a:lnRef idx="2">
-            <a:schemeClr val="accent1">
-              <a:shade val="50000"/>
-            </a:schemeClr>
-          </a:lnRef>
-          <a:fillRef idx="1">
-            <a:schemeClr val="accent1"/>
-          </a:fillRef>
-          <a:effectRef idx="0">
-            <a:schemeClr val="accent1"/>
-          </a:effectRef>
-          <a:fontRef idx="minor">
-            <a:schemeClr val="lt1"/>
-          </a:fontRef>
-        </p:style>
-        <p:txBody>
-          <a:bodyPr rtlCol="0" anchor="ctr"/>
-          <a:lstStyle/>
-          <a:p>
-            <a:pPr algn="ctr"/>
-            <a:endParaRPr lang="en-US"/>
-          </a:p>
-        </p:txBody>
-      </p:sp>
-      <p:sp>
-        <p:nvSpPr>
-          <p:cNvPr id="12" name="Isosceles Triangle 11">
-            <a:extLst>
-              <a:ext uri="{FF2B5EF4-FFF2-40B4-BE49-F238E27FC236}">
-                <a16:creationId xmlns:a16="http://schemas.microsoft.com/office/drawing/2014/main" id="{A580F890-B085-4E95-96AA-55AEBEC5CE6E}"/>
-              </a:ext>
-              <a:ext uri="{C183D7F6-B498-43B3-948B-1728B52AA6E4}">
-                <adec:decorative xmlns:adec="http://schemas.microsoft.com/office/drawing/2017/decorative" val="1"/>
-              </a:ext>
-            </a:extLst>
-          </p:cNvPr>
-          <p:cNvSpPr>
-            <a:spLocks noGrp="1" noRot="1" noChangeAspect="1" noMove="1" noResize="1" noEditPoints="1" noAdjustHandles="1" noChangeArrowheads="1" noChangeShapeType="1" noTextEdit="1"/>
-          </p:cNvSpPr>
-          <p:nvPr>
-            <p:extLst>
-              <p:ext uri="{386F3935-93C4-4BCD-93E2-E3B085C9AB24}">
-                <p16:designElem xmlns:p16="http://schemas.microsoft.com/office/powerpoint/2015/main" val="1"/>
-              </p:ext>
-            </p:extLst>
-          </p:nvPr>
-        </p:nvSpPr>
-        <p:spPr>
-          <a:xfrm rot="16200000">
-            <a:off x="10289068" y="1343027"/>
-            <a:ext cx="2532832" cy="1273032"/>
-          </a:xfrm>
-          <a:prstGeom prst="triangle">
-            <a:avLst>
-              <a:gd name="adj" fmla="val 50000"/>
-            </a:avLst>
-          </a:prstGeom>
-          <a:solidFill>
-            <a:schemeClr val="accent4">
-              <a:alpha val="30000"/>
-            </a:schemeClr>
-          </a:solidFill>
-          <a:ln>
-            <a:noFill/>
-          </a:ln>
-        </p:spPr>
-        <p:style>
-          <a:lnRef idx="2">
-            <a:schemeClr val="accent1">
-              <a:shade val="50000"/>
-            </a:schemeClr>
-          </a:lnRef>
-          <a:fillRef idx="1">
-            <a:schemeClr val="accent1"/>
-          </a:fillRef>
-          <a:effectRef idx="0">
-            <a:schemeClr val="accent1"/>
-          </a:effectRef>
-          <a:fontRef idx="minor">
-            <a:schemeClr val="lt1"/>
-          </a:fontRef>
-        </p:style>
-        <p:txBody>
-          <a:bodyPr rtlCol="0" anchor="ctr"/>
-          <a:lstStyle/>
-          <a:p>
-            <a:pPr algn="ctr"/>
-            <a:endParaRPr lang="en-US"/>
-          </a:p>
-        </p:txBody>
-      </p:sp>
-      <p:sp>
-        <p:nvSpPr>
-          <p:cNvPr id="14" name="Isosceles Triangle 13">
-            <a:extLst>
-              <a:ext uri="{FF2B5EF4-FFF2-40B4-BE49-F238E27FC236}">
-                <a16:creationId xmlns:a16="http://schemas.microsoft.com/office/drawing/2014/main" id="{D3F51FEB-38FB-4F6C-9F7B-2F2AFAB65463}"/>
-              </a:ext>
-              <a:ext uri="{C183D7F6-B498-43B3-948B-1728B52AA6E4}">
-                <adec:decorative xmlns:adec="http://schemas.microsoft.com/office/drawing/2017/decorative" val="1"/>
-              </a:ext>
-            </a:extLst>
-          </p:cNvPr>
-          <p:cNvSpPr>
-            <a:spLocks noGrp="1" noRot="1" noChangeAspect="1" noMove="1" noResize="1" noEditPoints="1" noAdjustHandles="1" noChangeArrowheads="1" noChangeShapeType="1" noTextEdit="1"/>
-          </p:cNvSpPr>
-          <p:nvPr>
-            <p:extLst>
-              <p:ext uri="{386F3935-93C4-4BCD-93E2-E3B085C9AB24}">
-                <p16:designElem xmlns:p16="http://schemas.microsoft.com/office/powerpoint/2015/main" val="1"/>
-              </p:ext>
-            </p:extLst>
-          </p:nvPr>
-        </p:nvSpPr>
-        <p:spPr>
-          <a:xfrm rot="5400000">
-            <a:off x="-501760" y="5103257"/>
-            <a:ext cx="2017580" cy="1014060"/>
-          </a:xfrm>
-          <a:prstGeom prst="triangle">
-            <a:avLst>
-              <a:gd name="adj" fmla="val 50000"/>
-            </a:avLst>
-          </a:prstGeom>
-          <a:solidFill>
-            <a:schemeClr val="accent1">
-              <a:alpha val="30000"/>
-            </a:schemeClr>
-          </a:solidFill>
-          <a:ln>
-            <a:noFill/>
-          </a:ln>
-        </p:spPr>
-        <p:style>
-          <a:lnRef idx="2">
-            <a:schemeClr val="accent1">
-              <a:shade val="50000"/>
-            </a:schemeClr>
-          </a:lnRef>
-          <a:fillRef idx="1">
-            <a:schemeClr val="accent1"/>
-          </a:fillRef>
-          <a:effectRef idx="0">
-            <a:schemeClr val="accent1"/>
-          </a:effectRef>
-          <a:fontRef idx="minor">
-            <a:schemeClr val="lt1"/>
-          </a:fontRef>
-        </p:style>
-        <p:txBody>
-          <a:bodyPr wrap="square" rtlCol="0" anchor="ctr">
-            <a:noAutofit/>
-          </a:bodyPr>
-          <a:lstStyle/>
-          <a:p>
-            <a:pPr algn="ctr"/>
-            <a:endParaRPr lang="en-US"/>
-          </a:p>
-        </p:txBody>
-      </p:sp>
-      <p:sp>
-        <p:nvSpPr>
-          <p:cNvPr id="16" name="Rectangle 15">
-            <a:extLst>
-              <a:ext uri="{FF2B5EF4-FFF2-40B4-BE49-F238E27FC236}">
-                <a16:creationId xmlns:a16="http://schemas.microsoft.com/office/drawing/2014/main" id="{1E547BA6-BAE0-43BB-A7CA-60F69CE252F0}"/>
-              </a:ext>
-              <a:ext uri="{C183D7F6-B498-43B3-948B-1728B52AA6E4}">
-                <adec:decorative xmlns:adec="http://schemas.microsoft.com/office/drawing/2017/decorative" val="1"/>
-              </a:ext>
-            </a:extLst>
-          </p:cNvPr>
-          <p:cNvSpPr>
-            <a:spLocks noGrp="1" noRot="1" noChangeAspect="1" noMove="1" noResize="1" noEditPoints="1" noAdjustHandles="1" noChangeArrowheads="1" noChangeShapeType="1" noTextEdit="1"/>
-          </p:cNvSpPr>
-          <p:nvPr>
-            <p:extLst>
-              <p:ext uri="{386F3935-93C4-4BCD-93E2-E3B085C9AB24}">
-                <p16:designElem xmlns:p16="http://schemas.microsoft.com/office/powerpoint/2015/main" val="1"/>
-              </p:ext>
-            </p:extLst>
-          </p:nvPr>
-        </p:nvSpPr>
-        <p:spPr>
-          <a:xfrm rot="2700000">
-            <a:off x="427916" y="5728708"/>
-            <a:ext cx="485578" cy="485578"/>
-          </a:xfrm>
-          <a:prstGeom prst="rect">
-            <a:avLst/>
-          </a:prstGeom>
-          <a:solidFill>
-            <a:schemeClr val="accent1">
-              <a:alpha val="30000"/>
-            </a:schemeClr>
-          </a:solidFill>
-          <a:ln>
-            <a:noFill/>
-          </a:ln>
-        </p:spPr>
-        <p:style>
-          <a:lnRef idx="2">
-            <a:schemeClr val="accent1">
-              <a:shade val="50000"/>
-            </a:schemeClr>
-          </a:lnRef>
-          <a:fillRef idx="1">
-            <a:schemeClr val="accent1"/>
-          </a:fillRef>
-          <a:effectRef idx="0">
-            <a:schemeClr val="accent1"/>
-          </a:effectRef>
-          <a:fontRef idx="minor">
-            <a:schemeClr val="lt1"/>
-          </a:fontRef>
-        </p:style>
-        <p:txBody>
-          <a:bodyPr wrap="square" rtlCol="0" anchor="ctr">
-            <a:noAutofit/>
-          </a:bodyPr>
-          <a:lstStyle/>
-          <a:p>
-            <a:pPr algn="ctr"/>
-            <a:endParaRPr lang="en-US"/>
           </a:p>
         </p:txBody>
       </p:sp>
@@ -4317,8 +3705,8 @@
         </p:blipFill>
         <p:spPr>
           <a:xfrm>
-            <a:off x="609123" y="1457471"/>
-            <a:ext cx="10223971" cy="3627523"/>
+            <a:off x="733619" y="1457471"/>
+            <a:ext cx="10189627" cy="3627523"/>
           </a:xfrm>
           <a:prstGeom prst="rect">
             <a:avLst/>
@@ -4392,10 +3780,10 @@
       </p:grpSpPr>
       <p:sp>
         <p:nvSpPr>
-          <p:cNvPr id="4" name="Title 1">
+          <p:cNvPr id="2" name="Title 1">
             <a:extLst>
               <a:ext uri="{FF2B5EF4-FFF2-40B4-BE49-F238E27FC236}">
-                <a16:creationId xmlns:a16="http://schemas.microsoft.com/office/drawing/2014/main" id="{5FE16E45-F6CD-4222-900F-B2AF5F5E1F1E}"/>
+                <a16:creationId xmlns:a16="http://schemas.microsoft.com/office/drawing/2014/main" id="{E716C059-7BB9-4F20-8652-855907127993}"/>
               </a:ext>
             </a:extLst>
           </p:cNvPr>
@@ -4406,12 +3794,7 @@
             <p:ph type="title"/>
           </p:nvPr>
         </p:nvSpPr>
-        <p:spPr>
-          <a:xfrm>
-            <a:off x="838200" y="365125"/>
-            <a:ext cx="10515600" cy="948520"/>
-          </a:xfrm>
-        </p:spPr>
+        <p:spPr/>
         <p:txBody>
           <a:bodyPr>
             <a:normAutofit/>
@@ -4423,17 +3806,17 @@
                 <a:latin typeface="Times New Roman" panose="02020603050405020304" pitchFamily="18" charset="0"/>
                 <a:cs typeface="Times New Roman" panose="02020603050405020304" pitchFamily="18" charset="0"/>
               </a:rPr>
-              <a:t>Image Colorization</a:t>
-            </a:r>
-          </a:p>
-        </p:txBody>
-      </p:sp>
-      <p:sp>
-        <p:nvSpPr>
-          <p:cNvPr id="5" name="Content Placeholder 2">
+              <a:t>Image Inpainting</a:t>
+            </a:r>
+          </a:p>
+        </p:txBody>
+      </p:sp>
+      <p:sp>
+        <p:nvSpPr>
+          <p:cNvPr id="3" name="Content Placeholder 2">
             <a:extLst>
               <a:ext uri="{FF2B5EF4-FFF2-40B4-BE49-F238E27FC236}">
-                <a16:creationId xmlns:a16="http://schemas.microsoft.com/office/drawing/2014/main" id="{E20353C8-D6BE-4BC2-A084-F94679981506}"/>
+                <a16:creationId xmlns:a16="http://schemas.microsoft.com/office/drawing/2014/main" id="{316A7301-A418-4888-B9F1-3EDEE44CC637}"/>
               </a:ext>
             </a:extLst>
           </p:cNvPr>
@@ -4446,105 +3829,98 @@
         </p:nvSpPr>
         <p:spPr>
           <a:xfrm>
-            <a:off x="838200" y="1519707"/>
-            <a:ext cx="10515600" cy="4657256"/>
+            <a:off x="838200" y="1690688"/>
+            <a:ext cx="10515600" cy="4486275"/>
           </a:xfrm>
         </p:spPr>
         <p:txBody>
-          <a:bodyPr/>
-          <a:lstStyle/>
-          <a:p>
-            <a:pPr algn="just">
+          <a:bodyPr>
+            <a:noAutofit/>
+          </a:bodyPr>
+          <a:lstStyle/>
+          <a:p>
+            <a:pPr marL="342900" indent="-342900" algn="just">
               <a:lnSpc>
                 <a:spcPct val="150000"/>
               </a:lnSpc>
               <a:spcBef>
                 <a:spcPts val="0"/>
               </a:spcBef>
-              <a:spcAft>
-                <a:spcPts val="600"/>
-              </a:spcAft>
-            </a:pPr>
-            <a:r>
-              <a:rPr lang="en-US" dirty="0">
+            </a:pPr>
+            <a:r>
+              <a:rPr lang="en-US" sz="2400" dirty="0">
                 <a:latin typeface="Times New Roman" panose="02020603050405020304" pitchFamily="18" charset="0"/>
                 <a:cs typeface="Times New Roman" panose="02020603050405020304" pitchFamily="18" charset="0"/>
               </a:rPr>
-              <a:t>Conditional GAN</a:t>
-            </a:r>
-          </a:p>
-          <a:p>
-            <a:pPr algn="just">
+              <a:t>The main objective is to implement the Deep Conditional GAN on image inpainting.</a:t>
+            </a:r>
+          </a:p>
+          <a:p>
+            <a:pPr marL="342900" indent="-342900" algn="just">
               <a:lnSpc>
                 <a:spcPct val="150000"/>
               </a:lnSpc>
               <a:spcBef>
                 <a:spcPts val="0"/>
               </a:spcBef>
-              <a:spcAft>
-                <a:spcPts val="600"/>
-              </a:spcAft>
-            </a:pPr>
-            <a:r>
-              <a:rPr lang="en-US" dirty="0">
+            </a:pPr>
+            <a:r>
+              <a:rPr lang="en-US" sz="2400" dirty="0">
                 <a:latin typeface="Times New Roman" panose="02020603050405020304" pitchFamily="18" charset="0"/>
                 <a:cs typeface="Times New Roman" panose="02020603050405020304" pitchFamily="18" charset="0"/>
               </a:rPr>
-              <a:t>Generative models composed of two opposing parts - a generator and a discriminator</a:t>
-            </a:r>
-          </a:p>
-          <a:p>
-            <a:pPr algn="just">
+              <a:t>GAN incorporates two neural networks:</a:t>
+            </a:r>
+          </a:p>
+          <a:p>
+            <a:pPr marL="800100" lvl="1" indent="-342900" algn="just">
               <a:lnSpc>
                 <a:spcPct val="150000"/>
               </a:lnSpc>
               <a:spcBef>
                 <a:spcPts val="0"/>
               </a:spcBef>
-              <a:spcAft>
-                <a:spcPts val="600"/>
-              </a:spcAft>
             </a:pPr>
             <a:r>
               <a:rPr lang="en-US" dirty="0">
                 <a:latin typeface="Times New Roman" panose="02020603050405020304" pitchFamily="18" charset="0"/>
                 <a:cs typeface="Times New Roman" panose="02020603050405020304" pitchFamily="18" charset="0"/>
               </a:rPr>
-              <a:t>Generator to be used is U-Net. Skip connections are also added.</a:t>
-            </a:r>
-          </a:p>
-          <a:p>
-            <a:pPr algn="just">
+              <a:t>A generator – it takes in the incomplete image as the input and generates a fake full image with the missing segment filled.</a:t>
+            </a:r>
+          </a:p>
+          <a:p>
+            <a:pPr marL="800100" lvl="1" indent="-342900" algn="just">
               <a:lnSpc>
                 <a:spcPct val="150000"/>
               </a:lnSpc>
               <a:spcBef>
                 <a:spcPts val="0"/>
               </a:spcBef>
-              <a:spcAft>
-                <a:spcPts val="600"/>
-              </a:spcAft>
             </a:pPr>
             <a:r>
               <a:rPr lang="en-US" dirty="0">
                 <a:latin typeface="Times New Roman" panose="02020603050405020304" pitchFamily="18" charset="0"/>
                 <a:cs typeface="Times New Roman" panose="02020603050405020304" pitchFamily="18" charset="0"/>
               </a:rPr>
-              <a:t>Discriminator to be used is </a:t>
-            </a:r>
-            <a:r>
-              <a:rPr lang="en-US" dirty="0" err="1">
+              <a:t>A discriminator – it tries to distinguish generated images from original full images.</a:t>
+            </a:r>
+          </a:p>
+          <a:p>
+            <a:pPr marL="342900" indent="-342900" algn="just">
+              <a:lnSpc>
+                <a:spcPct val="150000"/>
+              </a:lnSpc>
+              <a:spcBef>
+                <a:spcPts val="0"/>
+              </a:spcBef>
+            </a:pPr>
+            <a:r>
+              <a:rPr lang="en-US" sz="2400" dirty="0">
                 <a:latin typeface="Times New Roman" panose="02020603050405020304" pitchFamily="18" charset="0"/>
                 <a:cs typeface="Times New Roman" panose="02020603050405020304" pitchFamily="18" charset="0"/>
               </a:rPr>
-              <a:t>PatchGAN</a:t>
-            </a:r>
-            <a:r>
-              <a:rPr lang="en-US" dirty="0">
-                <a:latin typeface="Times New Roman" panose="02020603050405020304" pitchFamily="18" charset="0"/>
-                <a:cs typeface="Times New Roman" panose="02020603050405020304" pitchFamily="18" charset="0"/>
-              </a:rPr>
-              <a:t>. Dropout layers are added.</a:t>
+              <a:t>They will operate on min-max algorithm which have some loss function.</a:t>
             </a:r>
           </a:p>
         </p:txBody>
@@ -4552,7 +3928,7 @@
     </p:spTree>
     <p:extLst>
       <p:ext uri="{BB962C8B-B14F-4D97-AF65-F5344CB8AC3E}">
-        <p14:creationId xmlns:p14="http://schemas.microsoft.com/office/powerpoint/2010/main" val="3122373103"/>
+        <p14:creationId xmlns:p14="http://schemas.microsoft.com/office/powerpoint/2010/main" val="1420314107"/>
       </p:ext>
     </p:extLst>
   </p:cSld>
@@ -4579,151 +3955,59 @@
           <a:chExt cx="0" cy="0"/>
         </a:xfrm>
       </p:grpSpPr>
-      <p:sp>
-        <p:nvSpPr>
-          <p:cNvPr id="4" name="Title 1">
+      <p:pic>
+        <p:nvPicPr>
+          <p:cNvPr id="4" name="Picture 2">
             <a:extLst>
               <a:ext uri="{FF2B5EF4-FFF2-40B4-BE49-F238E27FC236}">
-                <a16:creationId xmlns:a16="http://schemas.microsoft.com/office/drawing/2014/main" id="{2442D4A7-CAFE-44D1-A26B-CCC3A12C2B96}"/>
+                <a16:creationId xmlns:a16="http://schemas.microsoft.com/office/drawing/2014/main" id="{E17C4363-D8AD-4D76-9647-AF86BADD816B}"/>
               </a:ext>
             </a:extLst>
           </p:cNvPr>
-          <p:cNvSpPr>
-            <a:spLocks noGrp="1"/>
-          </p:cNvSpPr>
-          <p:nvPr>
-            <p:ph type="title"/>
-          </p:nvPr>
-        </p:nvSpPr>
-        <p:spPr>
-          <a:xfrm>
-            <a:off x="838200" y="365125"/>
-            <a:ext cx="10515600" cy="897005"/>
-          </a:xfrm>
-        </p:spPr>
-        <p:txBody>
-          <a:bodyPr>
-            <a:normAutofit/>
-          </a:bodyPr>
-          <a:lstStyle/>
-          <a:p>
-            <a:r>
-              <a:rPr lang="en-US" sz="2800" b="1" dirty="0">
-                <a:latin typeface="Times New Roman" panose="02020603050405020304" pitchFamily="18" charset="0"/>
-                <a:cs typeface="Times New Roman" panose="02020603050405020304" pitchFamily="18" charset="0"/>
-              </a:rPr>
-              <a:t>Color space</a:t>
-            </a:r>
-          </a:p>
-        </p:txBody>
-      </p:sp>
-      <p:sp>
-        <p:nvSpPr>
-          <p:cNvPr id="5" name="Content Placeholder 2">
+          <p:cNvPicPr>
+            <a:picLocks noGrp="1" noChangeAspect="1" noChangeArrowheads="1"/>
+          </p:cNvPicPr>
+          <p:nvPr>
+            <p:ph idx="1"/>
+          </p:nvPr>
+        </p:nvPicPr>
+        <p:blipFill>
+          <a:blip r:embed="rId2">
             <a:extLst>
-              <a:ext uri="{FF2B5EF4-FFF2-40B4-BE49-F238E27FC236}">
-                <a16:creationId xmlns:a16="http://schemas.microsoft.com/office/drawing/2014/main" id="{62AFA86A-E672-4E8F-A96C-198BD455D8D4}"/>
+              <a:ext uri="{28A0092B-C50C-407E-A947-70E740481C1C}">
+                <a14:useLocalDpi xmlns:a14="http://schemas.microsoft.com/office/drawing/2010/main" val="0"/>
               </a:ext>
             </a:extLst>
-          </p:cNvPr>
-          <p:cNvSpPr>
-            <a:spLocks noGrp="1"/>
-          </p:cNvSpPr>
-          <p:nvPr>
-            <p:ph idx="1"/>
-          </p:nvPr>
-        </p:nvSpPr>
-        <p:spPr>
+          </a:blip>
+          <a:srcRect/>
+          <a:stretch>
+            <a:fillRect/>
+          </a:stretch>
+        </p:blipFill>
+        <p:spPr bwMode="auto">
           <a:xfrm>
-            <a:off x="838200" y="1584101"/>
-            <a:ext cx="10515600" cy="4592862"/>
+            <a:off x="537124" y="856343"/>
+            <a:ext cx="10816676" cy="5643289"/>
           </a:xfrm>
+          <a:prstGeom prst="rect">
+            <a:avLst/>
+          </a:prstGeom>
+          <a:noFill/>
+          <a:extLst>
+            <a:ext uri="{909E8E84-426E-40DD-AFC4-6F175D3DCCD1}">
+              <a14:hiddenFill xmlns:a14="http://schemas.microsoft.com/office/drawing/2010/main">
+                <a:solidFill>
+                  <a:srgbClr val="FFFFFF"/>
+                </a:solidFill>
+              </a14:hiddenFill>
+            </a:ext>
+          </a:extLst>
         </p:spPr>
-        <p:txBody>
-          <a:bodyPr>
-            <a:normAutofit/>
-          </a:bodyPr>
-          <a:lstStyle/>
-          <a:p>
-            <a:pPr algn="just">
-              <a:lnSpc>
-                <a:spcPct val="150000"/>
-              </a:lnSpc>
-              <a:spcBef>
-                <a:spcPts val="0"/>
-              </a:spcBef>
-              <a:spcAft>
-                <a:spcPts val="600"/>
-              </a:spcAft>
-            </a:pPr>
-            <a:r>
-              <a:rPr lang="en-US" sz="2400" dirty="0">
-                <a:latin typeface="Times New Roman" panose="02020603050405020304" pitchFamily="18" charset="0"/>
-                <a:cs typeface="Times New Roman" panose="02020603050405020304" pitchFamily="18" charset="0"/>
-              </a:rPr>
-              <a:t>CIELAB (</a:t>
-            </a:r>
-            <a:r>
-              <a:rPr lang="en-US" sz="2400" dirty="0" err="1">
-                <a:latin typeface="Times New Roman" panose="02020603050405020304" pitchFamily="18" charset="0"/>
-                <a:cs typeface="Times New Roman" panose="02020603050405020304" pitchFamily="18" charset="0"/>
-              </a:rPr>
-              <a:t>L,a,b</a:t>
-            </a:r>
-            <a:r>
-              <a:rPr lang="en-US" sz="2400" dirty="0">
-                <a:latin typeface="Times New Roman" panose="02020603050405020304" pitchFamily="18" charset="0"/>
-                <a:cs typeface="Times New Roman" panose="02020603050405020304" pitchFamily="18" charset="0"/>
-              </a:rPr>
-              <a:t>) - to describe all visible colors</a:t>
-            </a:r>
-          </a:p>
-          <a:p>
-            <a:pPr algn="just">
-              <a:lnSpc>
-                <a:spcPct val="150000"/>
-              </a:lnSpc>
-              <a:spcBef>
-                <a:spcPts val="0"/>
-              </a:spcBef>
-              <a:spcAft>
-                <a:spcPts val="600"/>
-              </a:spcAft>
-            </a:pPr>
-            <a:r>
-              <a:rPr lang="en-US" sz="2400" dirty="0">
-                <a:latin typeface="Times New Roman" panose="02020603050405020304" pitchFamily="18" charset="0"/>
-                <a:cs typeface="Times New Roman" panose="02020603050405020304" pitchFamily="18" charset="0"/>
-              </a:rPr>
-              <a:t>The L component stands for perceptual lightness with range [0, 100], meaning that it is the grayscale element. </a:t>
-            </a:r>
-          </a:p>
-          <a:p>
-            <a:pPr algn="just">
-              <a:lnSpc>
-                <a:spcPct val="150000"/>
-              </a:lnSpc>
-              <a:spcBef>
-                <a:spcPts val="0"/>
-              </a:spcBef>
-              <a:spcAft>
-                <a:spcPts val="600"/>
-              </a:spcAft>
-            </a:pPr>
-            <a:r>
-              <a:rPr lang="en-US" sz="2400" dirty="0">
-                <a:latin typeface="Times New Roman" panose="02020603050405020304" pitchFamily="18" charset="0"/>
-                <a:cs typeface="Times New Roman" panose="02020603050405020304" pitchFamily="18" charset="0"/>
-              </a:rPr>
-              <a:t>The A component represents the color position between red and green, while the B component represents the color position between blue and yellow; both components have ranges [−128, 127]. </a:t>
-            </a:r>
-          </a:p>
-        </p:txBody>
-      </p:sp>
+      </p:pic>
     </p:spTree>
     <p:extLst>
       <p:ext uri="{BB962C8B-B14F-4D97-AF65-F5344CB8AC3E}">
-        <p14:creationId xmlns:p14="http://schemas.microsoft.com/office/powerpoint/2010/main" val="515991382"/>
+        <p14:creationId xmlns:p14="http://schemas.microsoft.com/office/powerpoint/2010/main" val="2297917981"/>
       </p:ext>
     </p:extLst>
   </p:cSld>
@@ -4750,6 +4034,682 @@
           <a:chExt cx="0" cy="0"/>
         </a:xfrm>
       </p:grpSpPr>
+      <p:pic>
+        <p:nvPicPr>
+          <p:cNvPr id="4" name="Content Placeholder 4">
+            <a:extLst>
+              <a:ext uri="{FF2B5EF4-FFF2-40B4-BE49-F238E27FC236}">
+                <a16:creationId xmlns:a16="http://schemas.microsoft.com/office/drawing/2014/main" id="{3144C277-753B-48EA-AD28-1713D61CC3C6}"/>
+              </a:ext>
+            </a:extLst>
+          </p:cNvPr>
+          <p:cNvPicPr>
+            <a:picLocks noGrp="1" noChangeAspect="1"/>
+          </p:cNvPicPr>
+          <p:nvPr>
+            <p:ph idx="1"/>
+          </p:nvPr>
+        </p:nvPicPr>
+        <p:blipFill>
+          <a:blip r:embed="rId2"/>
+          <a:stretch>
+            <a:fillRect/>
+          </a:stretch>
+        </p:blipFill>
+        <p:spPr>
+          <a:xfrm>
+            <a:off x="729226" y="885372"/>
+            <a:ext cx="10733547" cy="5669839"/>
+          </a:xfrm>
+          <a:prstGeom prst="rect">
+            <a:avLst/>
+          </a:prstGeom>
+        </p:spPr>
+      </p:pic>
+    </p:spTree>
+    <p:extLst>
+      <p:ext uri="{BB962C8B-B14F-4D97-AF65-F5344CB8AC3E}">
+        <p14:creationId xmlns:p14="http://schemas.microsoft.com/office/powerpoint/2010/main" val="475854137"/>
+      </p:ext>
+    </p:extLst>
+  </p:cSld>
+  <p:clrMapOvr>
+    <a:masterClrMapping/>
+  </p:clrMapOvr>
+</p:sld>
+</file>
+
+<file path=ppt/slides/slide15.xml><?xml version="1.0" encoding="utf-8"?>
+<p:sld xmlns:a="http://schemas.openxmlformats.org/drawingml/2006/main" xmlns:r="http://schemas.openxmlformats.org/officeDocument/2006/relationships" xmlns:p="http://schemas.openxmlformats.org/presentationml/2006/main">
+  <p:cSld>
+    <p:spTree>
+      <p:nvGrpSpPr>
+        <p:cNvPr id="1" name=""/>
+        <p:cNvGrpSpPr/>
+        <p:nvPr/>
+      </p:nvGrpSpPr>
+      <p:grpSpPr>
+        <a:xfrm>
+          <a:off x="0" y="0"/>
+          <a:ext cx="0" cy="0"/>
+          <a:chOff x="0" y="0"/>
+          <a:chExt cx="0" cy="0"/>
+        </a:xfrm>
+      </p:grpSpPr>
+      <p:sp>
+        <p:nvSpPr>
+          <p:cNvPr id="3" name="Content Placeholder 2">
+            <a:extLst>
+              <a:ext uri="{FF2B5EF4-FFF2-40B4-BE49-F238E27FC236}">
+                <a16:creationId xmlns:a16="http://schemas.microsoft.com/office/drawing/2014/main" id="{443F62A7-E79F-4F79-B300-8D118D0A6D87}"/>
+              </a:ext>
+            </a:extLst>
+          </p:cNvPr>
+          <p:cNvSpPr>
+            <a:spLocks noGrp="1"/>
+          </p:cNvSpPr>
+          <p:nvPr>
+            <p:ph idx="1"/>
+          </p:nvPr>
+        </p:nvSpPr>
+        <p:spPr>
+          <a:xfrm>
+            <a:off x="838200" y="1339403"/>
+            <a:ext cx="10515600" cy="4837560"/>
+          </a:xfrm>
+        </p:spPr>
+        <p:txBody>
+          <a:bodyPr>
+            <a:normAutofit fontScale="92500"/>
+          </a:bodyPr>
+          <a:lstStyle/>
+          <a:p>
+            <a:pPr algn="just">
+              <a:lnSpc>
+                <a:spcPct val="150000"/>
+              </a:lnSpc>
+              <a:spcBef>
+                <a:spcPts val="0"/>
+              </a:spcBef>
+              <a:spcAft>
+                <a:spcPts val="600"/>
+              </a:spcAft>
+            </a:pPr>
+            <a:r>
+              <a:rPr lang="en-US" sz="2600" dirty="0">
+                <a:latin typeface="Times New Roman" panose="02020603050405020304" pitchFamily="18" charset="0"/>
+                <a:cs typeface="Times New Roman" panose="02020603050405020304" pitchFamily="18" charset="0"/>
+              </a:rPr>
+              <a:t>The encoding layers consist of different functions like </a:t>
+            </a:r>
+            <a:r>
+              <a:rPr lang="en-US" sz="2600" dirty="0" err="1">
+                <a:latin typeface="Times New Roman" panose="02020603050405020304" pitchFamily="18" charset="0"/>
+                <a:cs typeface="Times New Roman" panose="02020603050405020304" pitchFamily="18" charset="0"/>
+              </a:rPr>
+              <a:t>ReLU</a:t>
+            </a:r>
+            <a:r>
+              <a:rPr lang="en-US" sz="2600" dirty="0">
+                <a:latin typeface="Times New Roman" panose="02020603050405020304" pitchFamily="18" charset="0"/>
+                <a:cs typeface="Times New Roman" panose="02020603050405020304" pitchFamily="18" charset="0"/>
+              </a:rPr>
+              <a:t> activation function.</a:t>
+            </a:r>
+          </a:p>
+          <a:p>
+            <a:pPr algn="just">
+              <a:lnSpc>
+                <a:spcPct val="150000"/>
+              </a:lnSpc>
+              <a:spcBef>
+                <a:spcPts val="0"/>
+              </a:spcBef>
+              <a:spcAft>
+                <a:spcPts val="600"/>
+              </a:spcAft>
+            </a:pPr>
+            <a:r>
+              <a:rPr lang="en-US" sz="2600" dirty="0">
+                <a:latin typeface="Times New Roman" panose="02020603050405020304" pitchFamily="18" charset="0"/>
+                <a:cs typeface="Times New Roman" panose="02020603050405020304" pitchFamily="18" charset="0"/>
+              </a:rPr>
+              <a:t>For our project, we will be using </a:t>
+            </a:r>
+            <a:r>
+              <a:rPr lang="en-US" sz="2600" dirty="0" err="1">
+                <a:latin typeface="Times New Roman" panose="02020603050405020304" pitchFamily="18" charset="0"/>
+                <a:cs typeface="Times New Roman" panose="02020603050405020304" pitchFamily="18" charset="0"/>
+              </a:rPr>
+              <a:t>LeakyReLU</a:t>
+            </a:r>
+            <a:r>
+              <a:rPr lang="en-US" sz="2600" dirty="0">
+                <a:latin typeface="Times New Roman" panose="02020603050405020304" pitchFamily="18" charset="0"/>
+                <a:cs typeface="Times New Roman" panose="02020603050405020304" pitchFamily="18" charset="0"/>
+              </a:rPr>
+              <a:t> – it has small slope for negative values instead of a flat slope.</a:t>
+            </a:r>
+          </a:p>
+          <a:p>
+            <a:pPr algn="just">
+              <a:lnSpc>
+                <a:spcPct val="150000"/>
+              </a:lnSpc>
+              <a:spcBef>
+                <a:spcPts val="0"/>
+              </a:spcBef>
+              <a:spcAft>
+                <a:spcPts val="600"/>
+              </a:spcAft>
+            </a:pPr>
+            <a:endParaRPr lang="en-US" sz="2600" dirty="0">
+              <a:latin typeface="Times New Roman" panose="02020603050405020304" pitchFamily="18" charset="0"/>
+              <a:cs typeface="Times New Roman" panose="02020603050405020304" pitchFamily="18" charset="0"/>
+            </a:endParaRPr>
+          </a:p>
+          <a:p>
+            <a:pPr algn="just">
+              <a:lnSpc>
+                <a:spcPct val="150000"/>
+              </a:lnSpc>
+              <a:spcBef>
+                <a:spcPts val="0"/>
+              </a:spcBef>
+              <a:spcAft>
+                <a:spcPts val="600"/>
+              </a:spcAft>
+            </a:pPr>
+            <a:r>
+              <a:rPr lang="en-US" sz="2600" dirty="0">
+                <a:latin typeface="Times New Roman" panose="02020603050405020304" pitchFamily="18" charset="0"/>
+                <a:cs typeface="Times New Roman" panose="02020603050405020304" pitchFamily="18" charset="0"/>
+              </a:rPr>
+              <a:t>Dataset</a:t>
+            </a:r>
+          </a:p>
+          <a:p>
+            <a:pPr lvl="1" algn="just">
+              <a:lnSpc>
+                <a:spcPct val="150000"/>
+              </a:lnSpc>
+              <a:spcBef>
+                <a:spcPts val="0"/>
+              </a:spcBef>
+              <a:spcAft>
+                <a:spcPts val="600"/>
+              </a:spcAft>
+              <a:buFont typeface="Wingdings" panose="05000000000000000000" pitchFamily="2" charset="2"/>
+              <a:buChar char="Ø"/>
+            </a:pPr>
+            <a:r>
+              <a:rPr lang="en-US" sz="2600" dirty="0">
+                <a:latin typeface="Times New Roman" panose="02020603050405020304" pitchFamily="18" charset="0"/>
+                <a:cs typeface="Times New Roman" panose="02020603050405020304" pitchFamily="18" charset="0"/>
+              </a:rPr>
+              <a:t>We will be using dataset by MIT Computer Science and Artificial Intelligence Laboratory. </a:t>
+            </a:r>
+          </a:p>
+          <a:p>
+            <a:endParaRPr lang="en-US" dirty="0"/>
+          </a:p>
+        </p:txBody>
+      </p:sp>
+    </p:spTree>
+    <p:extLst>
+      <p:ext uri="{BB962C8B-B14F-4D97-AF65-F5344CB8AC3E}">
+        <p14:creationId xmlns:p14="http://schemas.microsoft.com/office/powerpoint/2010/main" val="29284733"/>
+      </p:ext>
+    </p:extLst>
+  </p:cSld>
+  <p:clrMapOvr>
+    <a:masterClrMapping/>
+  </p:clrMapOvr>
+</p:sld>
+</file>
+
+<file path=ppt/slides/slide16.xml><?xml version="1.0" encoding="utf-8"?>
+<p:sld xmlns:a="http://schemas.openxmlformats.org/drawingml/2006/main" xmlns:r="http://schemas.openxmlformats.org/officeDocument/2006/relationships" xmlns:p="http://schemas.openxmlformats.org/presentationml/2006/main">
+  <p:cSld>
+    <p:spTree>
+      <p:nvGrpSpPr>
+        <p:cNvPr id="1" name=""/>
+        <p:cNvGrpSpPr/>
+        <p:nvPr/>
+      </p:nvGrpSpPr>
+      <p:grpSpPr>
+        <a:xfrm>
+          <a:off x="0" y="0"/>
+          <a:ext cx="0" cy="0"/>
+          <a:chOff x="0" y="0"/>
+          <a:chExt cx="0" cy="0"/>
+        </a:xfrm>
+      </p:grpSpPr>
+      <p:sp>
+        <p:nvSpPr>
+          <p:cNvPr id="4" name="Title 1">
+            <a:extLst>
+              <a:ext uri="{FF2B5EF4-FFF2-40B4-BE49-F238E27FC236}">
+                <a16:creationId xmlns:a16="http://schemas.microsoft.com/office/drawing/2014/main" id="{5FE16E45-F6CD-4222-900F-B2AF5F5E1F1E}"/>
+              </a:ext>
+            </a:extLst>
+          </p:cNvPr>
+          <p:cNvSpPr>
+            <a:spLocks noGrp="1"/>
+          </p:cNvSpPr>
+          <p:nvPr>
+            <p:ph type="title"/>
+          </p:nvPr>
+        </p:nvSpPr>
+        <p:spPr>
+          <a:xfrm>
+            <a:off x="838200" y="365125"/>
+            <a:ext cx="10515600" cy="948520"/>
+          </a:xfrm>
+        </p:spPr>
+        <p:txBody>
+          <a:bodyPr>
+            <a:normAutofit/>
+          </a:bodyPr>
+          <a:lstStyle/>
+          <a:p>
+            <a:r>
+              <a:rPr lang="en-US" sz="3200" b="1" dirty="0">
+                <a:latin typeface="Times New Roman" panose="02020603050405020304" pitchFamily="18" charset="0"/>
+                <a:cs typeface="Times New Roman" panose="02020603050405020304" pitchFamily="18" charset="0"/>
+              </a:rPr>
+              <a:t>Image Colorization</a:t>
+            </a:r>
+          </a:p>
+        </p:txBody>
+      </p:sp>
+      <p:sp>
+        <p:nvSpPr>
+          <p:cNvPr id="5" name="Content Placeholder 2">
+            <a:extLst>
+              <a:ext uri="{FF2B5EF4-FFF2-40B4-BE49-F238E27FC236}">
+                <a16:creationId xmlns:a16="http://schemas.microsoft.com/office/drawing/2014/main" id="{E20353C8-D6BE-4BC2-A084-F94679981506}"/>
+              </a:ext>
+            </a:extLst>
+          </p:cNvPr>
+          <p:cNvSpPr>
+            <a:spLocks noGrp="1"/>
+          </p:cNvSpPr>
+          <p:nvPr>
+            <p:ph idx="1"/>
+          </p:nvPr>
+        </p:nvSpPr>
+        <p:spPr>
+          <a:xfrm>
+            <a:off x="838200" y="1519707"/>
+            <a:ext cx="10515600" cy="4657256"/>
+          </a:xfrm>
+        </p:spPr>
+        <p:txBody>
+          <a:bodyPr/>
+          <a:lstStyle/>
+          <a:p>
+            <a:pPr algn="just">
+              <a:lnSpc>
+                <a:spcPct val="150000"/>
+              </a:lnSpc>
+              <a:spcBef>
+                <a:spcPts val="0"/>
+              </a:spcBef>
+              <a:spcAft>
+                <a:spcPts val="600"/>
+              </a:spcAft>
+            </a:pPr>
+            <a:r>
+              <a:rPr lang="en-US" dirty="0">
+                <a:latin typeface="Times New Roman" panose="02020603050405020304" pitchFamily="18" charset="0"/>
+                <a:cs typeface="Times New Roman" panose="02020603050405020304" pitchFamily="18" charset="0"/>
+              </a:rPr>
+              <a:t>Conditional GAN</a:t>
+            </a:r>
+          </a:p>
+          <a:p>
+            <a:pPr algn="just">
+              <a:lnSpc>
+                <a:spcPct val="150000"/>
+              </a:lnSpc>
+              <a:spcBef>
+                <a:spcPts val="0"/>
+              </a:spcBef>
+              <a:spcAft>
+                <a:spcPts val="600"/>
+              </a:spcAft>
+            </a:pPr>
+            <a:r>
+              <a:rPr lang="en-US" dirty="0">
+                <a:latin typeface="Times New Roman" panose="02020603050405020304" pitchFamily="18" charset="0"/>
+                <a:cs typeface="Times New Roman" panose="02020603050405020304" pitchFamily="18" charset="0"/>
+              </a:rPr>
+              <a:t>Generative models composed of two opposing parts - a generator and a discriminator</a:t>
+            </a:r>
+          </a:p>
+          <a:p>
+            <a:pPr algn="just">
+              <a:lnSpc>
+                <a:spcPct val="150000"/>
+              </a:lnSpc>
+              <a:spcBef>
+                <a:spcPts val="0"/>
+              </a:spcBef>
+              <a:spcAft>
+                <a:spcPts val="600"/>
+              </a:spcAft>
+            </a:pPr>
+            <a:r>
+              <a:rPr lang="en-US" dirty="0">
+                <a:latin typeface="Times New Roman" panose="02020603050405020304" pitchFamily="18" charset="0"/>
+                <a:cs typeface="Times New Roman" panose="02020603050405020304" pitchFamily="18" charset="0"/>
+              </a:rPr>
+              <a:t>Generator to be used is U-Net. Skip connections are also added.</a:t>
+            </a:r>
+          </a:p>
+          <a:p>
+            <a:pPr algn="just">
+              <a:lnSpc>
+                <a:spcPct val="150000"/>
+              </a:lnSpc>
+              <a:spcBef>
+                <a:spcPts val="0"/>
+              </a:spcBef>
+              <a:spcAft>
+                <a:spcPts val="600"/>
+              </a:spcAft>
+            </a:pPr>
+            <a:r>
+              <a:rPr lang="en-US" dirty="0">
+                <a:latin typeface="Times New Roman" panose="02020603050405020304" pitchFamily="18" charset="0"/>
+                <a:cs typeface="Times New Roman" panose="02020603050405020304" pitchFamily="18" charset="0"/>
+              </a:rPr>
+              <a:t>Discriminator to be used is </a:t>
+            </a:r>
+            <a:r>
+              <a:rPr lang="en-US" dirty="0" err="1">
+                <a:latin typeface="Times New Roman" panose="02020603050405020304" pitchFamily="18" charset="0"/>
+                <a:cs typeface="Times New Roman" panose="02020603050405020304" pitchFamily="18" charset="0"/>
+              </a:rPr>
+              <a:t>PatchGAN</a:t>
+            </a:r>
+            <a:r>
+              <a:rPr lang="en-US" dirty="0">
+                <a:latin typeface="Times New Roman" panose="02020603050405020304" pitchFamily="18" charset="0"/>
+                <a:cs typeface="Times New Roman" panose="02020603050405020304" pitchFamily="18" charset="0"/>
+              </a:rPr>
+              <a:t>. Dropout layers will be used.</a:t>
+            </a:r>
+          </a:p>
+        </p:txBody>
+      </p:sp>
+    </p:spTree>
+    <p:extLst>
+      <p:ext uri="{BB962C8B-B14F-4D97-AF65-F5344CB8AC3E}">
+        <p14:creationId xmlns:p14="http://schemas.microsoft.com/office/powerpoint/2010/main" val="3122373103"/>
+      </p:ext>
+    </p:extLst>
+  </p:cSld>
+  <p:clrMapOvr>
+    <a:masterClrMapping/>
+  </p:clrMapOvr>
+</p:sld>
+</file>
+
+<file path=ppt/slides/slide17.xml><?xml version="1.0" encoding="utf-8"?>
+<p:sld xmlns:a="http://schemas.openxmlformats.org/drawingml/2006/main" xmlns:r="http://schemas.openxmlformats.org/officeDocument/2006/relationships" xmlns:p="http://schemas.openxmlformats.org/presentationml/2006/main">
+  <p:cSld>
+    <p:spTree>
+      <p:nvGrpSpPr>
+        <p:cNvPr id="1" name=""/>
+        <p:cNvGrpSpPr/>
+        <p:nvPr/>
+      </p:nvGrpSpPr>
+      <p:grpSpPr>
+        <a:xfrm>
+          <a:off x="0" y="0"/>
+          <a:ext cx="0" cy="0"/>
+          <a:chOff x="0" y="0"/>
+          <a:chExt cx="0" cy="0"/>
+        </a:xfrm>
+      </p:grpSpPr>
+      <p:pic>
+        <p:nvPicPr>
+          <p:cNvPr id="5" name="Content Placeholder 4">
+            <a:extLst>
+              <a:ext uri="{FF2B5EF4-FFF2-40B4-BE49-F238E27FC236}">
+                <a16:creationId xmlns:a16="http://schemas.microsoft.com/office/drawing/2014/main" id="{2AE7DADB-18F5-4F02-9C27-B30775622CE8}"/>
+              </a:ext>
+            </a:extLst>
+          </p:cNvPr>
+          <p:cNvPicPr>
+            <a:picLocks noGrp="1" noChangeAspect="1"/>
+          </p:cNvPicPr>
+          <p:nvPr>
+            <p:ph idx="1"/>
+          </p:nvPr>
+        </p:nvPicPr>
+        <p:blipFill>
+          <a:blip r:embed="rId2">
+            <a:extLst>
+              <a:ext uri="{28A0092B-C50C-407E-A947-70E740481C1C}">
+                <a14:useLocalDpi xmlns:a14="http://schemas.microsoft.com/office/drawing/2010/main" val="0"/>
+              </a:ext>
+            </a:extLst>
+          </a:blip>
+          <a:stretch>
+            <a:fillRect/>
+          </a:stretch>
+        </p:blipFill>
+        <p:spPr>
+          <a:xfrm>
+            <a:off x="1381692" y="275721"/>
+            <a:ext cx="9428615" cy="6306558"/>
+          </a:xfrm>
+        </p:spPr>
+      </p:pic>
+    </p:spTree>
+    <p:extLst>
+      <p:ext uri="{BB962C8B-B14F-4D97-AF65-F5344CB8AC3E}">
+        <p14:creationId xmlns:p14="http://schemas.microsoft.com/office/powerpoint/2010/main" val="206162629"/>
+      </p:ext>
+    </p:extLst>
+  </p:cSld>
+  <p:clrMapOvr>
+    <a:masterClrMapping/>
+  </p:clrMapOvr>
+</p:sld>
+</file>
+
+<file path=ppt/slides/slide18.xml><?xml version="1.0" encoding="utf-8"?>
+<p:sld xmlns:a="http://schemas.openxmlformats.org/drawingml/2006/main" xmlns:r="http://schemas.openxmlformats.org/officeDocument/2006/relationships" xmlns:p="http://schemas.openxmlformats.org/presentationml/2006/main">
+  <p:cSld>
+    <p:spTree>
+      <p:nvGrpSpPr>
+        <p:cNvPr id="1" name=""/>
+        <p:cNvGrpSpPr/>
+        <p:nvPr/>
+      </p:nvGrpSpPr>
+      <p:grpSpPr>
+        <a:xfrm>
+          <a:off x="0" y="0"/>
+          <a:ext cx="0" cy="0"/>
+          <a:chOff x="0" y="0"/>
+          <a:chExt cx="0" cy="0"/>
+        </a:xfrm>
+      </p:grpSpPr>
+      <p:sp>
+        <p:nvSpPr>
+          <p:cNvPr id="4" name="Title 1">
+            <a:extLst>
+              <a:ext uri="{FF2B5EF4-FFF2-40B4-BE49-F238E27FC236}">
+                <a16:creationId xmlns:a16="http://schemas.microsoft.com/office/drawing/2014/main" id="{2442D4A7-CAFE-44D1-A26B-CCC3A12C2B96}"/>
+              </a:ext>
+            </a:extLst>
+          </p:cNvPr>
+          <p:cNvSpPr>
+            <a:spLocks noGrp="1"/>
+          </p:cNvSpPr>
+          <p:nvPr>
+            <p:ph type="title"/>
+          </p:nvPr>
+        </p:nvSpPr>
+        <p:spPr>
+          <a:xfrm>
+            <a:off x="838200" y="365125"/>
+            <a:ext cx="10515600" cy="897005"/>
+          </a:xfrm>
+        </p:spPr>
+        <p:txBody>
+          <a:bodyPr>
+            <a:normAutofit/>
+          </a:bodyPr>
+          <a:lstStyle/>
+          <a:p>
+            <a:r>
+              <a:rPr lang="en-US" sz="2800" b="1" dirty="0">
+                <a:latin typeface="Times New Roman" panose="02020603050405020304" pitchFamily="18" charset="0"/>
+                <a:cs typeface="Times New Roman" panose="02020603050405020304" pitchFamily="18" charset="0"/>
+              </a:rPr>
+              <a:t>Color space</a:t>
+            </a:r>
+          </a:p>
+        </p:txBody>
+      </p:sp>
+      <p:sp>
+        <p:nvSpPr>
+          <p:cNvPr id="5" name="Content Placeholder 2">
+            <a:extLst>
+              <a:ext uri="{FF2B5EF4-FFF2-40B4-BE49-F238E27FC236}">
+                <a16:creationId xmlns:a16="http://schemas.microsoft.com/office/drawing/2014/main" id="{62AFA86A-E672-4E8F-A96C-198BD455D8D4}"/>
+              </a:ext>
+            </a:extLst>
+          </p:cNvPr>
+          <p:cNvSpPr>
+            <a:spLocks noGrp="1"/>
+          </p:cNvSpPr>
+          <p:nvPr>
+            <p:ph idx="1"/>
+          </p:nvPr>
+        </p:nvSpPr>
+        <p:spPr>
+          <a:xfrm>
+            <a:off x="838200" y="1584101"/>
+            <a:ext cx="10515600" cy="4592862"/>
+          </a:xfrm>
+        </p:spPr>
+        <p:txBody>
+          <a:bodyPr>
+            <a:normAutofit/>
+          </a:bodyPr>
+          <a:lstStyle/>
+          <a:p>
+            <a:pPr algn="just">
+              <a:lnSpc>
+                <a:spcPct val="150000"/>
+              </a:lnSpc>
+              <a:spcBef>
+                <a:spcPts val="0"/>
+              </a:spcBef>
+              <a:spcAft>
+                <a:spcPts val="600"/>
+              </a:spcAft>
+            </a:pPr>
+            <a:r>
+              <a:rPr lang="en-US" sz="2400" dirty="0">
+                <a:latin typeface="Times New Roman" panose="02020603050405020304" pitchFamily="18" charset="0"/>
+                <a:cs typeface="Times New Roman" panose="02020603050405020304" pitchFamily="18" charset="0"/>
+              </a:rPr>
+              <a:t>CIELAB (</a:t>
+            </a:r>
+            <a:r>
+              <a:rPr lang="en-US" sz="2400" dirty="0" err="1">
+                <a:latin typeface="Times New Roman" panose="02020603050405020304" pitchFamily="18" charset="0"/>
+                <a:cs typeface="Times New Roman" panose="02020603050405020304" pitchFamily="18" charset="0"/>
+              </a:rPr>
+              <a:t>L,a,b</a:t>
+            </a:r>
+            <a:r>
+              <a:rPr lang="en-US" sz="2400" dirty="0">
+                <a:latin typeface="Times New Roman" panose="02020603050405020304" pitchFamily="18" charset="0"/>
+                <a:cs typeface="Times New Roman" panose="02020603050405020304" pitchFamily="18" charset="0"/>
+              </a:rPr>
+              <a:t>) - to describe all visible colors</a:t>
+            </a:r>
+          </a:p>
+          <a:p>
+            <a:pPr algn="just">
+              <a:lnSpc>
+                <a:spcPct val="150000"/>
+              </a:lnSpc>
+              <a:spcBef>
+                <a:spcPts val="0"/>
+              </a:spcBef>
+              <a:spcAft>
+                <a:spcPts val="600"/>
+              </a:spcAft>
+            </a:pPr>
+            <a:r>
+              <a:rPr lang="en-US" sz="2400" dirty="0">
+                <a:latin typeface="Times New Roman" panose="02020603050405020304" pitchFamily="18" charset="0"/>
+                <a:cs typeface="Times New Roman" panose="02020603050405020304" pitchFamily="18" charset="0"/>
+              </a:rPr>
+              <a:t>The L component stands for perceptual lightness with range [0, 100], i.e. it is the grayscale element. </a:t>
+            </a:r>
+          </a:p>
+          <a:p>
+            <a:pPr algn="just">
+              <a:lnSpc>
+                <a:spcPct val="150000"/>
+              </a:lnSpc>
+              <a:spcBef>
+                <a:spcPts val="0"/>
+              </a:spcBef>
+              <a:spcAft>
+                <a:spcPts val="600"/>
+              </a:spcAft>
+            </a:pPr>
+            <a:r>
+              <a:rPr lang="en-US" sz="2400" dirty="0">
+                <a:latin typeface="Times New Roman" panose="02020603050405020304" pitchFamily="18" charset="0"/>
+                <a:cs typeface="Times New Roman" panose="02020603050405020304" pitchFamily="18" charset="0"/>
+              </a:rPr>
+              <a:t>The A component represents the color position between red and green, while the B component represents the color position between blue and yellow; both components have ranges [−128, 127]. </a:t>
+            </a:r>
+          </a:p>
+        </p:txBody>
+      </p:sp>
+    </p:spTree>
+    <p:extLst>
+      <p:ext uri="{BB962C8B-B14F-4D97-AF65-F5344CB8AC3E}">
+        <p14:creationId xmlns:p14="http://schemas.microsoft.com/office/powerpoint/2010/main" val="515991382"/>
+      </p:ext>
+    </p:extLst>
+  </p:cSld>
+  <p:clrMapOvr>
+    <a:masterClrMapping/>
+  </p:clrMapOvr>
+</p:sld>
+</file>
+
+<file path=ppt/slides/slide19.xml><?xml version="1.0" encoding="utf-8"?>
+<p:sld xmlns:a="http://schemas.openxmlformats.org/drawingml/2006/main" xmlns:r="http://schemas.openxmlformats.org/officeDocument/2006/relationships" xmlns:p="http://schemas.openxmlformats.org/presentationml/2006/main">
+  <p:cSld>
+    <p:spTree>
+      <p:nvGrpSpPr>
+        <p:cNvPr id="1" name=""/>
+        <p:cNvGrpSpPr/>
+        <p:nvPr/>
+      </p:nvGrpSpPr>
+      <p:grpSpPr>
+        <a:xfrm>
+          <a:off x="0" y="0"/>
+          <a:ext cx="0" cy="0"/>
+          <a:chOff x="0" y="0"/>
+          <a:chExt cx="0" cy="0"/>
+        </a:xfrm>
+      </p:grpSpPr>
       <p:sp>
         <p:nvSpPr>
           <p:cNvPr id="4" name="Title 1">
@@ -4862,7 +4822,7 @@
                 <a:latin typeface="Times New Roman" panose="02020603050405020304" pitchFamily="18" charset="0"/>
                 <a:cs typeface="Times New Roman" panose="02020603050405020304" pitchFamily="18" charset="0"/>
               </a:rPr>
-              <a:t>Condition GAN</a:t>
+              <a:t>Condition GAN :</a:t>
             </a:r>
           </a:p>
           <a:p>
@@ -4900,7 +4860,7 @@
                 <a:latin typeface="Times New Roman" panose="02020603050405020304" pitchFamily="18" charset="0"/>
                 <a:cs typeface="Times New Roman" panose="02020603050405020304" pitchFamily="18" charset="0"/>
               </a:rPr>
-              <a:t>L1 loss</a:t>
+              <a:t>Mean Absolute Error (L1 loss) :</a:t>
             </a:r>
           </a:p>
           <a:p>
@@ -4938,7 +4898,7 @@
                 <a:latin typeface="Times New Roman" panose="02020603050405020304" pitchFamily="18" charset="0"/>
                 <a:cs typeface="Times New Roman" panose="02020603050405020304" pitchFamily="18" charset="0"/>
               </a:rPr>
-              <a:t>Final objective function</a:t>
+              <a:t>Final objective function :</a:t>
             </a:r>
           </a:p>
           <a:p>
@@ -5090,1600 +5050,6 @@
 </p:sld>
 </file>
 
-<file path=ppt/slides/slide15.xml><?xml version="1.0" encoding="utf-8"?>
-<p:sld xmlns:a="http://schemas.openxmlformats.org/drawingml/2006/main" xmlns:r="http://schemas.openxmlformats.org/officeDocument/2006/relationships" xmlns:p="http://schemas.openxmlformats.org/presentationml/2006/main">
-  <p:cSld>
-    <p:bg>
-      <p:bgPr>
-        <a:solidFill>
-          <a:schemeClr val="bg1"/>
-        </a:solidFill>
-        <a:effectLst/>
-      </p:bgPr>
-    </p:bg>
-    <p:spTree>
-      <p:nvGrpSpPr>
-        <p:cNvPr id="1" name=""/>
-        <p:cNvGrpSpPr/>
-        <p:nvPr/>
-      </p:nvGrpSpPr>
-      <p:grpSpPr>
-        <a:xfrm>
-          <a:off x="0" y="0"/>
-          <a:ext cx="0" cy="0"/>
-          <a:chOff x="0" y="0"/>
-          <a:chExt cx="0" cy="0"/>
-        </a:xfrm>
-      </p:grpSpPr>
-      <p:sp>
-        <p:nvSpPr>
-          <p:cNvPr id="8" name="Rectangle 7">
-            <a:extLst>
-              <a:ext uri="{FF2B5EF4-FFF2-40B4-BE49-F238E27FC236}">
-                <a16:creationId xmlns:a16="http://schemas.microsoft.com/office/drawing/2014/main" id="{2B566528-1B12-4246-9431-5C2D7D081168}"/>
-              </a:ext>
-              <a:ext uri="{C183D7F6-B498-43B3-948B-1728B52AA6E4}">
-                <adec:decorative xmlns:adec="http://schemas.microsoft.com/office/drawing/2017/decorative" val="1"/>
-              </a:ext>
-            </a:extLst>
-          </p:cNvPr>
-          <p:cNvSpPr>
-            <a:spLocks noGrp="1" noRot="1" noChangeAspect="1" noMove="1" noResize="1" noEditPoints="1" noAdjustHandles="1" noChangeArrowheads="1" noChangeShapeType="1" noTextEdit="1"/>
-          </p:cNvSpPr>
-          <p:nvPr>
-            <p:extLst>
-              <p:ext uri="{386F3935-93C4-4BCD-93E2-E3B085C9AB24}">
-                <p16:designElem xmlns:p16="http://schemas.microsoft.com/office/powerpoint/2015/main" val="1"/>
-              </p:ext>
-            </p:extLst>
-          </p:nvPr>
-        </p:nvSpPr>
-        <p:spPr>
-          <a:xfrm>
-            <a:off x="0" y="0"/>
-            <a:ext cx="12192000" cy="6858000"/>
-          </a:xfrm>
-          <a:prstGeom prst="rect">
-            <a:avLst/>
-          </a:prstGeom>
-          <a:solidFill>
-            <a:schemeClr val="bg1"/>
-          </a:solidFill>
-          <a:ln>
-            <a:noFill/>
-          </a:ln>
-        </p:spPr>
-        <p:style>
-          <a:lnRef idx="2">
-            <a:schemeClr val="accent1">
-              <a:shade val="50000"/>
-            </a:schemeClr>
-          </a:lnRef>
-          <a:fillRef idx="1">
-            <a:schemeClr val="accent1"/>
-          </a:fillRef>
-          <a:effectRef idx="0">
-            <a:schemeClr val="accent1"/>
-          </a:effectRef>
-          <a:fontRef idx="minor">
-            <a:schemeClr val="lt1"/>
-          </a:fontRef>
-        </p:style>
-        <p:txBody>
-          <a:bodyPr rtlCol="0" anchor="ctr"/>
-          <a:lstStyle/>
-          <a:p>
-            <a:pPr algn="ctr"/>
-            <a:endParaRPr lang="en-US" dirty="0"/>
-          </a:p>
-        </p:txBody>
-      </p:sp>
-      <p:sp>
-        <p:nvSpPr>
-          <p:cNvPr id="3" name="Content Placeholder 2">
-            <a:extLst>
-              <a:ext uri="{FF2B5EF4-FFF2-40B4-BE49-F238E27FC236}">
-                <a16:creationId xmlns:a16="http://schemas.microsoft.com/office/drawing/2014/main" id="{A71E7746-F2D2-121B-BAF0-A7DD5CA3AC66}"/>
-              </a:ext>
-            </a:extLst>
-          </p:cNvPr>
-          <p:cNvSpPr>
-            <a:spLocks noGrp="1"/>
-          </p:cNvSpPr>
-          <p:nvPr>
-            <p:ph idx="1"/>
-          </p:nvPr>
-        </p:nvSpPr>
-        <p:spPr>
-          <a:xfrm>
-            <a:off x="643467" y="713127"/>
-            <a:ext cx="10905066" cy="5463836"/>
-          </a:xfrm>
-        </p:spPr>
-        <p:txBody>
-          <a:bodyPr>
-            <a:normAutofit/>
-          </a:bodyPr>
-          <a:lstStyle/>
-          <a:p>
-            <a:pPr marL="0" indent="0">
-              <a:lnSpc>
-                <a:spcPct val="160000"/>
-              </a:lnSpc>
-              <a:spcBef>
-                <a:spcPts val="0"/>
-              </a:spcBef>
-              <a:spcAft>
-                <a:spcPts val="600"/>
-              </a:spcAft>
-              <a:buNone/>
-            </a:pPr>
-            <a:r>
-              <a:rPr lang="en-US" b="1" dirty="0">
-                <a:latin typeface="Times New Roman" panose="02020603050405020304" pitchFamily="18" charset="0"/>
-                <a:cs typeface="Times New Roman" panose="02020603050405020304" pitchFamily="18" charset="0"/>
-              </a:rPr>
-              <a:t>Frontend development:</a:t>
-            </a:r>
-            <a:endParaRPr lang="en-US" b="1" dirty="0">
-              <a:latin typeface="Times New Roman"/>
-              <a:cs typeface="Times New Roman"/>
-            </a:endParaRPr>
-          </a:p>
-          <a:p>
-            <a:pPr>
-              <a:lnSpc>
-                <a:spcPct val="160000"/>
-              </a:lnSpc>
-              <a:spcBef>
-                <a:spcPts val="0"/>
-              </a:spcBef>
-              <a:spcAft>
-                <a:spcPts val="600"/>
-              </a:spcAft>
-            </a:pPr>
-            <a:r>
-              <a:rPr lang="en-US" sz="2400" dirty="0">
-                <a:latin typeface="Times New Roman" panose="02020603050405020304" pitchFamily="18" charset="0"/>
-                <a:cs typeface="Times New Roman" panose="02020603050405020304" pitchFamily="18" charset="0"/>
-              </a:rPr>
-              <a:t>JavaScript – React</a:t>
-            </a:r>
-          </a:p>
-          <a:p>
-            <a:pPr>
-              <a:lnSpc>
-                <a:spcPct val="160000"/>
-              </a:lnSpc>
-              <a:spcBef>
-                <a:spcPts val="0"/>
-              </a:spcBef>
-              <a:spcAft>
-                <a:spcPts val="600"/>
-              </a:spcAft>
-            </a:pPr>
-            <a:r>
-              <a:rPr lang="en-US" sz="2400" dirty="0">
-                <a:latin typeface="Times New Roman"/>
-                <a:cs typeface="Times New Roman"/>
-              </a:rPr>
-              <a:t>CSS</a:t>
-            </a:r>
-          </a:p>
-          <a:p>
-            <a:pPr marL="0" indent="0">
-              <a:lnSpc>
-                <a:spcPct val="160000"/>
-              </a:lnSpc>
-              <a:spcBef>
-                <a:spcPts val="0"/>
-              </a:spcBef>
-              <a:spcAft>
-                <a:spcPts val="600"/>
-              </a:spcAft>
-              <a:buNone/>
-            </a:pPr>
-            <a:endParaRPr lang="en-US" sz="2000" b="1" dirty="0">
-              <a:latin typeface="Times New Roman"/>
-              <a:ea typeface="+mn-lt"/>
-              <a:cs typeface="Times New Roman"/>
-            </a:endParaRPr>
-          </a:p>
-          <a:p>
-            <a:pPr marL="0" indent="0">
-              <a:lnSpc>
-                <a:spcPct val="160000"/>
-              </a:lnSpc>
-              <a:spcBef>
-                <a:spcPts val="0"/>
-              </a:spcBef>
-              <a:spcAft>
-                <a:spcPts val="600"/>
-              </a:spcAft>
-              <a:buNone/>
-            </a:pPr>
-            <a:r>
-              <a:rPr lang="en-US" b="1" dirty="0">
-                <a:latin typeface="Times New Roman"/>
-                <a:cs typeface="Times New Roman"/>
-              </a:rPr>
-              <a:t>Backend development:</a:t>
-            </a:r>
-          </a:p>
-          <a:p>
-            <a:pPr>
-              <a:lnSpc>
-                <a:spcPct val="150000"/>
-              </a:lnSpc>
-              <a:spcBef>
-                <a:spcPts val="0"/>
-              </a:spcBef>
-              <a:spcAft>
-                <a:spcPts val="600"/>
-              </a:spcAft>
-            </a:pPr>
-            <a:r>
-              <a:rPr lang="en-US" sz="2400" dirty="0">
-                <a:latin typeface="Times New Roman"/>
-                <a:cs typeface="Times New Roman"/>
-              </a:rPr>
-              <a:t>Node JS</a:t>
-            </a:r>
-            <a:endParaRPr lang="en-US" sz="2400" dirty="0">
-              <a:latin typeface="Times New Roman"/>
-              <a:ea typeface="+mn-lt"/>
-              <a:cs typeface="+mn-lt"/>
-            </a:endParaRPr>
-          </a:p>
-          <a:p>
-            <a:pPr>
-              <a:lnSpc>
-                <a:spcPct val="150000"/>
-              </a:lnSpc>
-              <a:spcBef>
-                <a:spcPts val="0"/>
-              </a:spcBef>
-              <a:spcAft>
-                <a:spcPts val="600"/>
-              </a:spcAft>
-            </a:pPr>
-            <a:r>
-              <a:rPr lang="en-US" sz="2400" dirty="0">
-                <a:latin typeface="Times New Roman"/>
-                <a:ea typeface="+mn-lt"/>
-                <a:cs typeface="+mn-lt"/>
-              </a:rPr>
-              <a:t>Python</a:t>
-            </a:r>
-            <a:endParaRPr lang="en-US" sz="2400" dirty="0">
-              <a:latin typeface="Times New Roman"/>
-              <a:cs typeface="Times New Roman"/>
-            </a:endParaRPr>
-          </a:p>
-          <a:p>
-            <a:endParaRPr lang="en-US" sz="2000" dirty="0"/>
-          </a:p>
-        </p:txBody>
-      </p:sp>
-      <p:sp>
-        <p:nvSpPr>
-          <p:cNvPr id="10" name="Rectangle 9">
-            <a:extLst>
-              <a:ext uri="{FF2B5EF4-FFF2-40B4-BE49-F238E27FC236}">
-                <a16:creationId xmlns:a16="http://schemas.microsoft.com/office/drawing/2014/main" id="{2E80C965-DB6D-4F81-9E9E-B027384D0BD6}"/>
-              </a:ext>
-              <a:ext uri="{C183D7F6-B498-43B3-948B-1728B52AA6E4}">
-                <adec:decorative xmlns:adec="http://schemas.microsoft.com/office/drawing/2017/decorative" val="1"/>
-              </a:ext>
-            </a:extLst>
-          </p:cNvPr>
-          <p:cNvSpPr>
-            <a:spLocks noGrp="1" noRot="1" noChangeAspect="1" noMove="1" noResize="1" noEditPoints="1" noAdjustHandles="1" noChangeArrowheads="1" noChangeShapeType="1" noTextEdit="1"/>
-          </p:cNvSpPr>
-          <p:nvPr>
-            <p:extLst>
-              <p:ext uri="{386F3935-93C4-4BCD-93E2-E3B085C9AB24}">
-                <p16:designElem xmlns:p16="http://schemas.microsoft.com/office/powerpoint/2015/main" val="1"/>
-              </p:ext>
-            </p:extLst>
-          </p:nvPr>
-        </p:nvSpPr>
-        <p:spPr>
-          <a:xfrm rot="2700000">
-            <a:off x="11052629" y="2120024"/>
-            <a:ext cx="645368" cy="645368"/>
-          </a:xfrm>
-          <a:prstGeom prst="rect">
-            <a:avLst/>
-          </a:prstGeom>
-          <a:solidFill>
-            <a:schemeClr val="accent4">
-              <a:alpha val="30000"/>
-            </a:schemeClr>
-          </a:solidFill>
-          <a:ln>
-            <a:noFill/>
-          </a:ln>
-        </p:spPr>
-        <p:style>
-          <a:lnRef idx="2">
-            <a:schemeClr val="accent1">
-              <a:shade val="50000"/>
-            </a:schemeClr>
-          </a:lnRef>
-          <a:fillRef idx="1">
-            <a:schemeClr val="accent1"/>
-          </a:fillRef>
-          <a:effectRef idx="0">
-            <a:schemeClr val="accent1"/>
-          </a:effectRef>
-          <a:fontRef idx="minor">
-            <a:schemeClr val="lt1"/>
-          </a:fontRef>
-        </p:style>
-        <p:txBody>
-          <a:bodyPr rtlCol="0" anchor="ctr"/>
-          <a:lstStyle/>
-          <a:p>
-            <a:pPr algn="ctr"/>
-            <a:endParaRPr lang="en-US"/>
-          </a:p>
-        </p:txBody>
-      </p:sp>
-      <p:sp>
-        <p:nvSpPr>
-          <p:cNvPr id="12" name="Isosceles Triangle 11">
-            <a:extLst>
-              <a:ext uri="{FF2B5EF4-FFF2-40B4-BE49-F238E27FC236}">
-                <a16:creationId xmlns:a16="http://schemas.microsoft.com/office/drawing/2014/main" id="{A580F890-B085-4E95-96AA-55AEBEC5CE6E}"/>
-              </a:ext>
-              <a:ext uri="{C183D7F6-B498-43B3-948B-1728B52AA6E4}">
-                <adec:decorative xmlns:adec="http://schemas.microsoft.com/office/drawing/2017/decorative" val="1"/>
-              </a:ext>
-            </a:extLst>
-          </p:cNvPr>
-          <p:cNvSpPr>
-            <a:spLocks noGrp="1" noRot="1" noChangeAspect="1" noMove="1" noResize="1" noEditPoints="1" noAdjustHandles="1" noChangeArrowheads="1" noChangeShapeType="1" noTextEdit="1"/>
-          </p:cNvSpPr>
-          <p:nvPr>
-            <p:extLst>
-              <p:ext uri="{386F3935-93C4-4BCD-93E2-E3B085C9AB24}">
-                <p16:designElem xmlns:p16="http://schemas.microsoft.com/office/powerpoint/2015/main" val="1"/>
-              </p:ext>
-            </p:extLst>
-          </p:nvPr>
-        </p:nvSpPr>
-        <p:spPr>
-          <a:xfrm rot="16200000">
-            <a:off x="10289068" y="1343027"/>
-            <a:ext cx="2532832" cy="1273032"/>
-          </a:xfrm>
-          <a:prstGeom prst="triangle">
-            <a:avLst>
-              <a:gd name="adj" fmla="val 50000"/>
-            </a:avLst>
-          </a:prstGeom>
-          <a:solidFill>
-            <a:schemeClr val="accent4">
-              <a:alpha val="30000"/>
-            </a:schemeClr>
-          </a:solidFill>
-          <a:ln>
-            <a:noFill/>
-          </a:ln>
-        </p:spPr>
-        <p:style>
-          <a:lnRef idx="2">
-            <a:schemeClr val="accent1">
-              <a:shade val="50000"/>
-            </a:schemeClr>
-          </a:lnRef>
-          <a:fillRef idx="1">
-            <a:schemeClr val="accent1"/>
-          </a:fillRef>
-          <a:effectRef idx="0">
-            <a:schemeClr val="accent1"/>
-          </a:effectRef>
-          <a:fontRef idx="minor">
-            <a:schemeClr val="lt1"/>
-          </a:fontRef>
-        </p:style>
-        <p:txBody>
-          <a:bodyPr rtlCol="0" anchor="ctr"/>
-          <a:lstStyle/>
-          <a:p>
-            <a:pPr algn="ctr"/>
-            <a:endParaRPr lang="en-US"/>
-          </a:p>
-        </p:txBody>
-      </p:sp>
-      <p:sp>
-        <p:nvSpPr>
-          <p:cNvPr id="14" name="Isosceles Triangle 13">
-            <a:extLst>
-              <a:ext uri="{FF2B5EF4-FFF2-40B4-BE49-F238E27FC236}">
-                <a16:creationId xmlns:a16="http://schemas.microsoft.com/office/drawing/2014/main" id="{D3F51FEB-38FB-4F6C-9F7B-2F2AFAB65463}"/>
-              </a:ext>
-              <a:ext uri="{C183D7F6-B498-43B3-948B-1728B52AA6E4}">
-                <adec:decorative xmlns:adec="http://schemas.microsoft.com/office/drawing/2017/decorative" val="1"/>
-              </a:ext>
-            </a:extLst>
-          </p:cNvPr>
-          <p:cNvSpPr>
-            <a:spLocks noGrp="1" noRot="1" noChangeAspect="1" noMove="1" noResize="1" noEditPoints="1" noAdjustHandles="1" noChangeArrowheads="1" noChangeShapeType="1" noTextEdit="1"/>
-          </p:cNvSpPr>
-          <p:nvPr>
-            <p:extLst>
-              <p:ext uri="{386F3935-93C4-4BCD-93E2-E3B085C9AB24}">
-                <p16:designElem xmlns:p16="http://schemas.microsoft.com/office/powerpoint/2015/main" val="1"/>
-              </p:ext>
-            </p:extLst>
-          </p:nvPr>
-        </p:nvSpPr>
-        <p:spPr>
-          <a:xfrm rot="5400000">
-            <a:off x="-501760" y="5103257"/>
-            <a:ext cx="2017580" cy="1014060"/>
-          </a:xfrm>
-          <a:prstGeom prst="triangle">
-            <a:avLst>
-              <a:gd name="adj" fmla="val 50000"/>
-            </a:avLst>
-          </a:prstGeom>
-          <a:solidFill>
-            <a:schemeClr val="accent1">
-              <a:alpha val="30000"/>
-            </a:schemeClr>
-          </a:solidFill>
-          <a:ln>
-            <a:noFill/>
-          </a:ln>
-        </p:spPr>
-        <p:style>
-          <a:lnRef idx="2">
-            <a:schemeClr val="accent1">
-              <a:shade val="50000"/>
-            </a:schemeClr>
-          </a:lnRef>
-          <a:fillRef idx="1">
-            <a:schemeClr val="accent1"/>
-          </a:fillRef>
-          <a:effectRef idx="0">
-            <a:schemeClr val="accent1"/>
-          </a:effectRef>
-          <a:fontRef idx="minor">
-            <a:schemeClr val="lt1"/>
-          </a:fontRef>
-        </p:style>
-        <p:txBody>
-          <a:bodyPr wrap="square" rtlCol="0" anchor="ctr">
-            <a:noAutofit/>
-          </a:bodyPr>
-          <a:lstStyle/>
-          <a:p>
-            <a:pPr algn="ctr"/>
-            <a:endParaRPr lang="en-US"/>
-          </a:p>
-        </p:txBody>
-      </p:sp>
-      <p:sp>
-        <p:nvSpPr>
-          <p:cNvPr id="16" name="Rectangle 15">
-            <a:extLst>
-              <a:ext uri="{FF2B5EF4-FFF2-40B4-BE49-F238E27FC236}">
-                <a16:creationId xmlns:a16="http://schemas.microsoft.com/office/drawing/2014/main" id="{1E547BA6-BAE0-43BB-A7CA-60F69CE252F0}"/>
-              </a:ext>
-              <a:ext uri="{C183D7F6-B498-43B3-948B-1728B52AA6E4}">
-                <adec:decorative xmlns:adec="http://schemas.microsoft.com/office/drawing/2017/decorative" val="1"/>
-              </a:ext>
-            </a:extLst>
-          </p:cNvPr>
-          <p:cNvSpPr>
-            <a:spLocks noGrp="1" noRot="1" noChangeAspect="1" noMove="1" noResize="1" noEditPoints="1" noAdjustHandles="1" noChangeArrowheads="1" noChangeShapeType="1" noTextEdit="1"/>
-          </p:cNvSpPr>
-          <p:nvPr>
-            <p:extLst>
-              <p:ext uri="{386F3935-93C4-4BCD-93E2-E3B085C9AB24}">
-                <p16:designElem xmlns:p16="http://schemas.microsoft.com/office/powerpoint/2015/main" val="1"/>
-              </p:ext>
-            </p:extLst>
-          </p:nvPr>
-        </p:nvSpPr>
-        <p:spPr>
-          <a:xfrm rot="2700000">
-            <a:off x="427916" y="5728708"/>
-            <a:ext cx="485578" cy="485578"/>
-          </a:xfrm>
-          <a:prstGeom prst="rect">
-            <a:avLst/>
-          </a:prstGeom>
-          <a:solidFill>
-            <a:schemeClr val="accent1">
-              <a:alpha val="30000"/>
-            </a:schemeClr>
-          </a:solidFill>
-          <a:ln>
-            <a:noFill/>
-          </a:ln>
-        </p:spPr>
-        <p:style>
-          <a:lnRef idx="2">
-            <a:schemeClr val="accent1">
-              <a:shade val="50000"/>
-            </a:schemeClr>
-          </a:lnRef>
-          <a:fillRef idx="1">
-            <a:schemeClr val="accent1"/>
-          </a:fillRef>
-          <a:effectRef idx="0">
-            <a:schemeClr val="accent1"/>
-          </a:effectRef>
-          <a:fontRef idx="minor">
-            <a:schemeClr val="lt1"/>
-          </a:fontRef>
-        </p:style>
-        <p:txBody>
-          <a:bodyPr wrap="square" rtlCol="0" anchor="ctr">
-            <a:noAutofit/>
-          </a:bodyPr>
-          <a:lstStyle/>
-          <a:p>
-            <a:pPr algn="ctr"/>
-            <a:endParaRPr lang="en-US"/>
-          </a:p>
-        </p:txBody>
-      </p:sp>
-    </p:spTree>
-    <p:extLst>
-      <p:ext uri="{BB962C8B-B14F-4D97-AF65-F5344CB8AC3E}">
-        <p14:creationId xmlns:p14="http://schemas.microsoft.com/office/powerpoint/2010/main" val="30016698"/>
-      </p:ext>
-    </p:extLst>
-  </p:cSld>
-  <p:clrMapOvr>
-    <a:masterClrMapping/>
-  </p:clrMapOvr>
-</p:sld>
-</file>
-
-<file path=ppt/slides/slide16.xml><?xml version="1.0" encoding="utf-8"?>
-<p:sld xmlns:a="http://schemas.openxmlformats.org/drawingml/2006/main" xmlns:r="http://schemas.openxmlformats.org/officeDocument/2006/relationships" xmlns:p="http://schemas.openxmlformats.org/presentationml/2006/main">
-  <p:cSld>
-    <p:bg>
-      <p:bgPr>
-        <a:solidFill>
-          <a:schemeClr val="bg1"/>
-        </a:solidFill>
-        <a:effectLst/>
-      </p:bgPr>
-    </p:bg>
-    <p:spTree>
-      <p:nvGrpSpPr>
-        <p:cNvPr id="1" name=""/>
-        <p:cNvGrpSpPr/>
-        <p:nvPr/>
-      </p:nvGrpSpPr>
-      <p:grpSpPr>
-        <a:xfrm>
-          <a:off x="0" y="0"/>
-          <a:ext cx="0" cy="0"/>
-          <a:chOff x="0" y="0"/>
-          <a:chExt cx="0" cy="0"/>
-        </a:xfrm>
-      </p:grpSpPr>
-      <p:sp>
-        <p:nvSpPr>
-          <p:cNvPr id="8" name="Rectangle 7">
-            <a:extLst>
-              <a:ext uri="{FF2B5EF4-FFF2-40B4-BE49-F238E27FC236}">
-                <a16:creationId xmlns:a16="http://schemas.microsoft.com/office/drawing/2014/main" id="{2B566528-1B12-4246-9431-5C2D7D081168}"/>
-              </a:ext>
-              <a:ext uri="{C183D7F6-B498-43B3-948B-1728B52AA6E4}">
-                <adec:decorative xmlns:adec="http://schemas.microsoft.com/office/drawing/2017/decorative" val="1"/>
-              </a:ext>
-            </a:extLst>
-          </p:cNvPr>
-          <p:cNvSpPr>
-            <a:spLocks noGrp="1" noRot="1" noChangeAspect="1" noMove="1" noResize="1" noEditPoints="1" noAdjustHandles="1" noChangeArrowheads="1" noChangeShapeType="1" noTextEdit="1"/>
-          </p:cNvSpPr>
-          <p:nvPr>
-            <p:extLst>
-              <p:ext uri="{386F3935-93C4-4BCD-93E2-E3B085C9AB24}">
-                <p16:designElem xmlns:p16="http://schemas.microsoft.com/office/powerpoint/2015/main" val="1"/>
-              </p:ext>
-            </p:extLst>
-          </p:nvPr>
-        </p:nvSpPr>
-        <p:spPr>
-          <a:xfrm>
-            <a:off x="0" y="0"/>
-            <a:ext cx="12192000" cy="6858000"/>
-          </a:xfrm>
-          <a:prstGeom prst="rect">
-            <a:avLst/>
-          </a:prstGeom>
-          <a:solidFill>
-            <a:schemeClr val="bg1"/>
-          </a:solidFill>
-          <a:ln>
-            <a:noFill/>
-          </a:ln>
-        </p:spPr>
-        <p:style>
-          <a:lnRef idx="2">
-            <a:schemeClr val="accent1">
-              <a:shade val="50000"/>
-            </a:schemeClr>
-          </a:lnRef>
-          <a:fillRef idx="1">
-            <a:schemeClr val="accent1"/>
-          </a:fillRef>
-          <a:effectRef idx="0">
-            <a:schemeClr val="accent1"/>
-          </a:effectRef>
-          <a:fontRef idx="minor">
-            <a:schemeClr val="lt1"/>
-          </a:fontRef>
-        </p:style>
-        <p:txBody>
-          <a:bodyPr rtlCol="0" anchor="ctr"/>
-          <a:lstStyle/>
-          <a:p>
-            <a:pPr algn="ctr"/>
-            <a:endParaRPr lang="en-US" dirty="0"/>
-          </a:p>
-        </p:txBody>
-      </p:sp>
-      <p:sp>
-        <p:nvSpPr>
-          <p:cNvPr id="2" name="Title 1">
-            <a:extLst>
-              <a:ext uri="{FF2B5EF4-FFF2-40B4-BE49-F238E27FC236}">
-                <a16:creationId xmlns:a16="http://schemas.microsoft.com/office/drawing/2014/main" id="{05C73558-9850-4C4D-0C7D-615EA9C9149C}"/>
-              </a:ext>
-            </a:extLst>
-          </p:cNvPr>
-          <p:cNvSpPr>
-            <a:spLocks noGrp="1"/>
-          </p:cNvSpPr>
-          <p:nvPr>
-            <p:ph type="title"/>
-          </p:nvPr>
-        </p:nvSpPr>
-        <p:spPr>
-          <a:xfrm>
-            <a:off x="643467" y="321734"/>
-            <a:ext cx="10905066" cy="1135737"/>
-          </a:xfrm>
-        </p:spPr>
-        <p:txBody>
-          <a:bodyPr>
-            <a:normAutofit/>
-          </a:bodyPr>
-          <a:lstStyle/>
-          <a:p>
-            <a:r>
-              <a:rPr lang="en-US" sz="3600" b="1" dirty="0">
-                <a:latin typeface="Times New Roman"/>
-                <a:cs typeface="Calibri Light"/>
-              </a:rPr>
-              <a:t>References</a:t>
-            </a:r>
-            <a:endParaRPr lang="en-US" sz="3600" b="1" dirty="0">
-              <a:latin typeface="Times New Roman"/>
-              <a:cs typeface="Times New Roman"/>
-            </a:endParaRPr>
-          </a:p>
-        </p:txBody>
-      </p:sp>
-      <p:sp>
-        <p:nvSpPr>
-          <p:cNvPr id="3" name="Content Placeholder 2">
-            <a:extLst>
-              <a:ext uri="{FF2B5EF4-FFF2-40B4-BE49-F238E27FC236}">
-                <a16:creationId xmlns:a16="http://schemas.microsoft.com/office/drawing/2014/main" id="{CAA490FF-A792-B0B4-12CA-F56458A6D023}"/>
-              </a:ext>
-            </a:extLst>
-          </p:cNvPr>
-          <p:cNvSpPr>
-            <a:spLocks noGrp="1"/>
-          </p:cNvSpPr>
-          <p:nvPr>
-            <p:ph idx="1"/>
-          </p:nvPr>
-        </p:nvSpPr>
-        <p:spPr>
-          <a:xfrm>
-            <a:off x="643467" y="1782981"/>
-            <a:ext cx="10905066" cy="4393982"/>
-          </a:xfrm>
-        </p:spPr>
-        <p:txBody>
-          <a:bodyPr vert="horz" lIns="91440" tIns="45720" rIns="91440" bIns="45720" rtlCol="0" anchor="t">
-            <a:normAutofit fontScale="92500" lnSpcReduction="20000"/>
-          </a:bodyPr>
-          <a:lstStyle/>
-          <a:p>
-            <a:pPr marL="0" indent="0">
-              <a:lnSpc>
-                <a:spcPct val="150000"/>
-              </a:lnSpc>
-              <a:spcBef>
-                <a:spcPts val="0"/>
-              </a:spcBef>
-              <a:spcAft>
-                <a:spcPts val="600"/>
-              </a:spcAft>
-              <a:buNone/>
-            </a:pPr>
-            <a:r>
-              <a:rPr lang="en-US" sz="1800" dirty="0"/>
-              <a:t>[1] S. Salve, T. Shah, V. </a:t>
-            </a:r>
-            <a:r>
-              <a:rPr lang="en-US" sz="1800" dirty="0" err="1"/>
-              <a:t>Ranjane</a:t>
-            </a:r>
-            <a:r>
-              <a:rPr lang="en-US" sz="1800" dirty="0"/>
-              <a:t>, and S. </a:t>
-            </a:r>
-            <a:r>
-              <a:rPr lang="en-US" sz="1800" dirty="0" err="1"/>
-              <a:t>Sadhukhan</a:t>
-            </a:r>
-            <a:r>
-              <a:rPr lang="en-US" sz="1800" dirty="0"/>
-              <a:t>, "Automatization of coloring grayscale images using convolutional neural network," 2018.</a:t>
-            </a:r>
-          </a:p>
-          <a:p>
-            <a:pPr marL="0" indent="0">
-              <a:lnSpc>
-                <a:spcPct val="150000"/>
-              </a:lnSpc>
-              <a:spcBef>
-                <a:spcPts val="0"/>
-              </a:spcBef>
-              <a:spcAft>
-                <a:spcPts val="600"/>
-              </a:spcAft>
-              <a:buNone/>
-            </a:pPr>
-            <a:r>
-              <a:rPr lang="en-US" sz="1800" dirty="0"/>
-              <a:t>[2] V. K. Putri and M. I. Fanany, "Sketch plus colorization deep convolutional neural networks for photos generation from sketches," pp. 1-6, 2017. </a:t>
-            </a:r>
-          </a:p>
-          <a:p>
-            <a:pPr marL="0" indent="0">
-              <a:lnSpc>
-                <a:spcPct val="150000"/>
-              </a:lnSpc>
-              <a:spcBef>
-                <a:spcPts val="0"/>
-              </a:spcBef>
-              <a:spcAft>
-                <a:spcPts val="600"/>
-              </a:spcAft>
-              <a:buNone/>
-            </a:pPr>
-            <a:r>
-              <a:rPr lang="en-US" sz="1800" dirty="0"/>
-              <a:t>[3] H. H. Chen Y, "An improved method for semantic image inpainting with </a:t>
-            </a:r>
-            <a:r>
-              <a:rPr lang="en-US" sz="1800" dirty="0" err="1"/>
-              <a:t>gans</a:t>
-            </a:r>
-            <a:r>
-              <a:rPr lang="en-US" sz="1800" dirty="0"/>
-              <a:t>: progressive inpainting.," Neural Process Lett, p. 1355–1367, 2019. </a:t>
-            </a:r>
-          </a:p>
-          <a:p>
-            <a:pPr marL="0" indent="0">
-              <a:lnSpc>
-                <a:spcPct val="150000"/>
-              </a:lnSpc>
-              <a:spcBef>
-                <a:spcPts val="0"/>
-              </a:spcBef>
-              <a:spcAft>
-                <a:spcPts val="600"/>
-              </a:spcAft>
-              <a:buNone/>
-            </a:pPr>
-            <a:r>
-              <a:rPr lang="en-US" sz="1800" dirty="0"/>
-              <a:t>[4] Vitoria P, </a:t>
-            </a:r>
-            <a:r>
-              <a:rPr lang="en-US" sz="1800" dirty="0" err="1"/>
-              <a:t>Sintes</a:t>
-            </a:r>
-            <a:r>
-              <a:rPr lang="en-US" sz="1800" dirty="0"/>
-              <a:t> J, </a:t>
-            </a:r>
-            <a:r>
-              <a:rPr lang="en-US" sz="1800" dirty="0" err="1"/>
-              <a:t>Ballester</a:t>
-            </a:r>
-            <a:r>
-              <a:rPr lang="en-US" sz="1800" dirty="0"/>
-              <a:t> C, "Semantic image inpainting through improved Wasserstein generative adversarial networks," 2018.</a:t>
-            </a:r>
-          </a:p>
-          <a:p>
-            <a:pPr marL="0" indent="0">
-              <a:lnSpc>
-                <a:spcPct val="150000"/>
-              </a:lnSpc>
-              <a:spcBef>
-                <a:spcPts val="0"/>
-              </a:spcBef>
-              <a:spcAft>
-                <a:spcPts val="600"/>
-              </a:spcAft>
-              <a:buNone/>
-            </a:pPr>
-            <a:r>
-              <a:rPr lang="en-US" sz="1800" dirty="0"/>
-              <a:t>[5] </a:t>
-            </a:r>
-            <a:r>
-              <a:rPr lang="en-US" sz="1800" dirty="0" err="1"/>
-              <a:t>Nazeri</a:t>
-            </a:r>
-            <a:r>
-              <a:rPr lang="en-US" sz="1800" dirty="0"/>
-              <a:t> K, Ng E, Joseph T, Qureshi F, Ebrahimi M, "</a:t>
-            </a:r>
-            <a:r>
-              <a:rPr lang="en-US" sz="1800" dirty="0" err="1"/>
-              <a:t>Edgeconnect</a:t>
-            </a:r>
-            <a:r>
-              <a:rPr lang="en-US" sz="1800" dirty="0"/>
-              <a:t>: generative image inpainting with adversarial edge learning," 2019.  </a:t>
-            </a:r>
-          </a:p>
-          <a:p>
-            <a:pPr marL="0" indent="0">
-              <a:lnSpc>
-                <a:spcPct val="150000"/>
-              </a:lnSpc>
-              <a:spcBef>
-                <a:spcPts val="0"/>
-              </a:spcBef>
-              <a:spcAft>
-                <a:spcPts val="600"/>
-              </a:spcAft>
-              <a:buNone/>
-            </a:pPr>
-            <a:r>
-              <a:rPr lang="en-US" sz="1800" dirty="0"/>
-              <a:t>[6] Yuan L, </a:t>
-            </a:r>
-            <a:r>
-              <a:rPr lang="en-US" sz="1800" dirty="0" err="1"/>
-              <a:t>Ruan</a:t>
-            </a:r>
-            <a:r>
-              <a:rPr lang="en-US" sz="1800" dirty="0"/>
-              <a:t> C, Hu H, Chen D, "Image inpainting based on patch-GANs," 2019. </a:t>
-            </a:r>
-            <a:endParaRPr lang="en-US" sz="1700" dirty="0">
-              <a:latin typeface="Times New Roman"/>
-              <a:cs typeface="Calibri" panose="020F0502020204030204"/>
-            </a:endParaRPr>
-          </a:p>
-          <a:p>
-            <a:pPr marL="457200" indent="-457200">
-              <a:buAutoNum type="arabicPeriod"/>
-            </a:pPr>
-            <a:endParaRPr lang="en-US" sz="1700" dirty="0">
-              <a:latin typeface="Times New Roman"/>
-              <a:cs typeface="Calibri" panose="020F0502020204030204"/>
-            </a:endParaRPr>
-          </a:p>
-        </p:txBody>
-      </p:sp>
-      <p:sp>
-        <p:nvSpPr>
-          <p:cNvPr id="10" name="Rectangle 9">
-            <a:extLst>
-              <a:ext uri="{FF2B5EF4-FFF2-40B4-BE49-F238E27FC236}">
-                <a16:creationId xmlns:a16="http://schemas.microsoft.com/office/drawing/2014/main" id="{2E80C965-DB6D-4F81-9E9E-B027384D0BD6}"/>
-              </a:ext>
-              <a:ext uri="{C183D7F6-B498-43B3-948B-1728B52AA6E4}">
-                <adec:decorative xmlns:adec="http://schemas.microsoft.com/office/drawing/2017/decorative" val="1"/>
-              </a:ext>
-            </a:extLst>
-          </p:cNvPr>
-          <p:cNvSpPr>
-            <a:spLocks noGrp="1" noRot="1" noChangeAspect="1" noMove="1" noResize="1" noEditPoints="1" noAdjustHandles="1" noChangeArrowheads="1" noChangeShapeType="1" noTextEdit="1"/>
-          </p:cNvSpPr>
-          <p:nvPr>
-            <p:extLst>
-              <p:ext uri="{386F3935-93C4-4BCD-93E2-E3B085C9AB24}">
-                <p16:designElem xmlns:p16="http://schemas.microsoft.com/office/powerpoint/2015/main" val="1"/>
-              </p:ext>
-            </p:extLst>
-          </p:nvPr>
-        </p:nvSpPr>
-        <p:spPr>
-          <a:xfrm rot="2700000">
-            <a:off x="11052629" y="2120024"/>
-            <a:ext cx="645368" cy="645368"/>
-          </a:xfrm>
-          <a:prstGeom prst="rect">
-            <a:avLst/>
-          </a:prstGeom>
-          <a:solidFill>
-            <a:schemeClr val="accent4">
-              <a:alpha val="30000"/>
-            </a:schemeClr>
-          </a:solidFill>
-          <a:ln>
-            <a:noFill/>
-          </a:ln>
-        </p:spPr>
-        <p:style>
-          <a:lnRef idx="2">
-            <a:schemeClr val="accent1">
-              <a:shade val="50000"/>
-            </a:schemeClr>
-          </a:lnRef>
-          <a:fillRef idx="1">
-            <a:schemeClr val="accent1"/>
-          </a:fillRef>
-          <a:effectRef idx="0">
-            <a:schemeClr val="accent1"/>
-          </a:effectRef>
-          <a:fontRef idx="minor">
-            <a:schemeClr val="lt1"/>
-          </a:fontRef>
-        </p:style>
-        <p:txBody>
-          <a:bodyPr rtlCol="0" anchor="ctr"/>
-          <a:lstStyle/>
-          <a:p>
-            <a:pPr algn="ctr"/>
-            <a:endParaRPr lang="en-US"/>
-          </a:p>
-        </p:txBody>
-      </p:sp>
-      <p:sp>
-        <p:nvSpPr>
-          <p:cNvPr id="12" name="Isosceles Triangle 11">
-            <a:extLst>
-              <a:ext uri="{FF2B5EF4-FFF2-40B4-BE49-F238E27FC236}">
-                <a16:creationId xmlns:a16="http://schemas.microsoft.com/office/drawing/2014/main" id="{A580F890-B085-4E95-96AA-55AEBEC5CE6E}"/>
-              </a:ext>
-              <a:ext uri="{C183D7F6-B498-43B3-948B-1728B52AA6E4}">
-                <adec:decorative xmlns:adec="http://schemas.microsoft.com/office/drawing/2017/decorative" val="1"/>
-              </a:ext>
-            </a:extLst>
-          </p:cNvPr>
-          <p:cNvSpPr>
-            <a:spLocks noGrp="1" noRot="1" noChangeAspect="1" noMove="1" noResize="1" noEditPoints="1" noAdjustHandles="1" noChangeArrowheads="1" noChangeShapeType="1" noTextEdit="1"/>
-          </p:cNvSpPr>
-          <p:nvPr>
-            <p:extLst>
-              <p:ext uri="{386F3935-93C4-4BCD-93E2-E3B085C9AB24}">
-                <p16:designElem xmlns:p16="http://schemas.microsoft.com/office/powerpoint/2015/main" val="1"/>
-              </p:ext>
-            </p:extLst>
-          </p:nvPr>
-        </p:nvSpPr>
-        <p:spPr>
-          <a:xfrm rot="16200000">
-            <a:off x="10289068" y="1343027"/>
-            <a:ext cx="2532832" cy="1273032"/>
-          </a:xfrm>
-          <a:prstGeom prst="triangle">
-            <a:avLst>
-              <a:gd name="adj" fmla="val 50000"/>
-            </a:avLst>
-          </a:prstGeom>
-          <a:solidFill>
-            <a:schemeClr val="accent4">
-              <a:alpha val="30000"/>
-            </a:schemeClr>
-          </a:solidFill>
-          <a:ln>
-            <a:noFill/>
-          </a:ln>
-        </p:spPr>
-        <p:style>
-          <a:lnRef idx="2">
-            <a:schemeClr val="accent1">
-              <a:shade val="50000"/>
-            </a:schemeClr>
-          </a:lnRef>
-          <a:fillRef idx="1">
-            <a:schemeClr val="accent1"/>
-          </a:fillRef>
-          <a:effectRef idx="0">
-            <a:schemeClr val="accent1"/>
-          </a:effectRef>
-          <a:fontRef idx="minor">
-            <a:schemeClr val="lt1"/>
-          </a:fontRef>
-        </p:style>
-        <p:txBody>
-          <a:bodyPr rtlCol="0" anchor="ctr"/>
-          <a:lstStyle/>
-          <a:p>
-            <a:pPr algn="ctr"/>
-            <a:endParaRPr lang="en-US"/>
-          </a:p>
-        </p:txBody>
-      </p:sp>
-      <p:sp>
-        <p:nvSpPr>
-          <p:cNvPr id="14" name="Isosceles Triangle 13">
-            <a:extLst>
-              <a:ext uri="{FF2B5EF4-FFF2-40B4-BE49-F238E27FC236}">
-                <a16:creationId xmlns:a16="http://schemas.microsoft.com/office/drawing/2014/main" id="{D3F51FEB-38FB-4F6C-9F7B-2F2AFAB65463}"/>
-              </a:ext>
-              <a:ext uri="{C183D7F6-B498-43B3-948B-1728B52AA6E4}">
-                <adec:decorative xmlns:adec="http://schemas.microsoft.com/office/drawing/2017/decorative" val="1"/>
-              </a:ext>
-            </a:extLst>
-          </p:cNvPr>
-          <p:cNvSpPr>
-            <a:spLocks noGrp="1" noRot="1" noChangeAspect="1" noMove="1" noResize="1" noEditPoints="1" noAdjustHandles="1" noChangeArrowheads="1" noChangeShapeType="1" noTextEdit="1"/>
-          </p:cNvSpPr>
-          <p:nvPr>
-            <p:extLst>
-              <p:ext uri="{386F3935-93C4-4BCD-93E2-E3B085C9AB24}">
-                <p16:designElem xmlns:p16="http://schemas.microsoft.com/office/powerpoint/2015/main" val="1"/>
-              </p:ext>
-            </p:extLst>
-          </p:nvPr>
-        </p:nvSpPr>
-        <p:spPr>
-          <a:xfrm rot="5400000">
-            <a:off x="-501760" y="5103257"/>
-            <a:ext cx="2017580" cy="1014060"/>
-          </a:xfrm>
-          <a:prstGeom prst="triangle">
-            <a:avLst>
-              <a:gd name="adj" fmla="val 50000"/>
-            </a:avLst>
-          </a:prstGeom>
-          <a:solidFill>
-            <a:schemeClr val="accent1">
-              <a:alpha val="30000"/>
-            </a:schemeClr>
-          </a:solidFill>
-          <a:ln>
-            <a:noFill/>
-          </a:ln>
-        </p:spPr>
-        <p:style>
-          <a:lnRef idx="2">
-            <a:schemeClr val="accent1">
-              <a:shade val="50000"/>
-            </a:schemeClr>
-          </a:lnRef>
-          <a:fillRef idx="1">
-            <a:schemeClr val="accent1"/>
-          </a:fillRef>
-          <a:effectRef idx="0">
-            <a:schemeClr val="accent1"/>
-          </a:effectRef>
-          <a:fontRef idx="minor">
-            <a:schemeClr val="lt1"/>
-          </a:fontRef>
-        </p:style>
-        <p:txBody>
-          <a:bodyPr wrap="square" rtlCol="0" anchor="ctr">
-            <a:noAutofit/>
-          </a:bodyPr>
-          <a:lstStyle/>
-          <a:p>
-            <a:pPr algn="ctr"/>
-            <a:endParaRPr lang="en-US"/>
-          </a:p>
-        </p:txBody>
-      </p:sp>
-      <p:sp>
-        <p:nvSpPr>
-          <p:cNvPr id="16" name="Rectangle 15">
-            <a:extLst>
-              <a:ext uri="{FF2B5EF4-FFF2-40B4-BE49-F238E27FC236}">
-                <a16:creationId xmlns:a16="http://schemas.microsoft.com/office/drawing/2014/main" id="{1E547BA6-BAE0-43BB-A7CA-60F69CE252F0}"/>
-              </a:ext>
-              <a:ext uri="{C183D7F6-B498-43B3-948B-1728B52AA6E4}">
-                <adec:decorative xmlns:adec="http://schemas.microsoft.com/office/drawing/2017/decorative" val="1"/>
-              </a:ext>
-            </a:extLst>
-          </p:cNvPr>
-          <p:cNvSpPr>
-            <a:spLocks noGrp="1" noRot="1" noChangeAspect="1" noMove="1" noResize="1" noEditPoints="1" noAdjustHandles="1" noChangeArrowheads="1" noChangeShapeType="1" noTextEdit="1"/>
-          </p:cNvSpPr>
-          <p:nvPr>
-            <p:extLst>
-              <p:ext uri="{386F3935-93C4-4BCD-93E2-E3B085C9AB24}">
-                <p16:designElem xmlns:p16="http://schemas.microsoft.com/office/powerpoint/2015/main" val="1"/>
-              </p:ext>
-            </p:extLst>
-          </p:nvPr>
-        </p:nvSpPr>
-        <p:spPr>
-          <a:xfrm rot="2700000">
-            <a:off x="427916" y="5728708"/>
-            <a:ext cx="485578" cy="485578"/>
-          </a:xfrm>
-          <a:prstGeom prst="rect">
-            <a:avLst/>
-          </a:prstGeom>
-          <a:solidFill>
-            <a:schemeClr val="accent1">
-              <a:alpha val="30000"/>
-            </a:schemeClr>
-          </a:solidFill>
-          <a:ln>
-            <a:noFill/>
-          </a:ln>
-        </p:spPr>
-        <p:style>
-          <a:lnRef idx="2">
-            <a:schemeClr val="accent1">
-              <a:shade val="50000"/>
-            </a:schemeClr>
-          </a:lnRef>
-          <a:fillRef idx="1">
-            <a:schemeClr val="accent1"/>
-          </a:fillRef>
-          <a:effectRef idx="0">
-            <a:schemeClr val="accent1"/>
-          </a:effectRef>
-          <a:fontRef idx="minor">
-            <a:schemeClr val="lt1"/>
-          </a:fontRef>
-        </p:style>
-        <p:txBody>
-          <a:bodyPr wrap="square" rtlCol="0" anchor="ctr">
-            <a:noAutofit/>
-          </a:bodyPr>
-          <a:lstStyle/>
-          <a:p>
-            <a:pPr algn="ctr"/>
-            <a:endParaRPr lang="en-US"/>
-          </a:p>
-        </p:txBody>
-      </p:sp>
-    </p:spTree>
-    <p:extLst>
-      <p:ext uri="{BB962C8B-B14F-4D97-AF65-F5344CB8AC3E}">
-        <p14:creationId xmlns:p14="http://schemas.microsoft.com/office/powerpoint/2010/main" val="3745978786"/>
-      </p:ext>
-    </p:extLst>
-  </p:cSld>
-  <p:clrMapOvr>
-    <a:masterClrMapping/>
-  </p:clrMapOvr>
-</p:sld>
-</file>
-
-<file path=ppt/slides/slide17.xml><?xml version="1.0" encoding="utf-8"?>
-<p:sld xmlns:a="http://schemas.openxmlformats.org/drawingml/2006/main" xmlns:r="http://schemas.openxmlformats.org/officeDocument/2006/relationships" xmlns:p="http://schemas.openxmlformats.org/presentationml/2006/main">
-  <p:cSld>
-    <p:bg>
-      <p:bgPr>
-        <a:solidFill>
-          <a:schemeClr val="bg1"/>
-        </a:solidFill>
-        <a:effectLst/>
-      </p:bgPr>
-    </p:bg>
-    <p:spTree>
-      <p:nvGrpSpPr>
-        <p:cNvPr id="1" name=""/>
-        <p:cNvGrpSpPr/>
-        <p:nvPr/>
-      </p:nvGrpSpPr>
-      <p:grpSpPr>
-        <a:xfrm>
-          <a:off x="0" y="0"/>
-          <a:ext cx="0" cy="0"/>
-          <a:chOff x="0" y="0"/>
-          <a:chExt cx="0" cy="0"/>
-        </a:xfrm>
-      </p:grpSpPr>
-      <p:sp>
-        <p:nvSpPr>
-          <p:cNvPr id="8" name="Rectangle 7">
-            <a:extLst>
-              <a:ext uri="{FF2B5EF4-FFF2-40B4-BE49-F238E27FC236}">
-                <a16:creationId xmlns:a16="http://schemas.microsoft.com/office/drawing/2014/main" id="{2B566528-1B12-4246-9431-5C2D7D081168}"/>
-              </a:ext>
-              <a:ext uri="{C183D7F6-B498-43B3-948B-1728B52AA6E4}">
-                <adec:decorative xmlns:adec="http://schemas.microsoft.com/office/drawing/2017/decorative" val="1"/>
-              </a:ext>
-            </a:extLst>
-          </p:cNvPr>
-          <p:cNvSpPr>
-            <a:spLocks noGrp="1" noRot="1" noChangeAspect="1" noMove="1" noResize="1" noEditPoints="1" noAdjustHandles="1" noChangeArrowheads="1" noChangeShapeType="1" noTextEdit="1"/>
-          </p:cNvSpPr>
-          <p:nvPr>
-            <p:extLst>
-              <p:ext uri="{386F3935-93C4-4BCD-93E2-E3B085C9AB24}">
-                <p16:designElem xmlns:p16="http://schemas.microsoft.com/office/powerpoint/2015/main" val="1"/>
-              </p:ext>
-            </p:extLst>
-          </p:nvPr>
-        </p:nvSpPr>
-        <p:spPr>
-          <a:xfrm>
-            <a:off x="0" y="0"/>
-            <a:ext cx="12192000" cy="6858000"/>
-          </a:xfrm>
-          <a:prstGeom prst="rect">
-            <a:avLst/>
-          </a:prstGeom>
-          <a:solidFill>
-            <a:schemeClr val="bg1"/>
-          </a:solidFill>
-          <a:ln>
-            <a:noFill/>
-          </a:ln>
-        </p:spPr>
-        <p:style>
-          <a:lnRef idx="2">
-            <a:schemeClr val="accent1">
-              <a:shade val="50000"/>
-            </a:schemeClr>
-          </a:lnRef>
-          <a:fillRef idx="1">
-            <a:schemeClr val="accent1"/>
-          </a:fillRef>
-          <a:effectRef idx="0">
-            <a:schemeClr val="accent1"/>
-          </a:effectRef>
-          <a:fontRef idx="minor">
-            <a:schemeClr val="lt1"/>
-          </a:fontRef>
-        </p:style>
-        <p:txBody>
-          <a:bodyPr rtlCol="0" anchor="ctr"/>
-          <a:lstStyle/>
-          <a:p>
-            <a:pPr algn="ctr"/>
-            <a:endParaRPr lang="en-US" dirty="0"/>
-          </a:p>
-        </p:txBody>
-      </p:sp>
-      <p:sp>
-        <p:nvSpPr>
-          <p:cNvPr id="3" name="Content Placeholder 2">
-            <a:extLst>
-              <a:ext uri="{FF2B5EF4-FFF2-40B4-BE49-F238E27FC236}">
-                <a16:creationId xmlns:a16="http://schemas.microsoft.com/office/drawing/2014/main" id="{27F2EB5A-25A5-83FB-83F4-B9F8B2B91077}"/>
-              </a:ext>
-            </a:extLst>
-          </p:cNvPr>
-          <p:cNvSpPr>
-            <a:spLocks noGrp="1"/>
-          </p:cNvSpPr>
-          <p:nvPr>
-            <p:ph idx="1"/>
-          </p:nvPr>
-        </p:nvSpPr>
-        <p:spPr>
-          <a:xfrm>
-            <a:off x="643467" y="1076737"/>
-            <a:ext cx="10905066" cy="4393982"/>
-          </a:xfrm>
-        </p:spPr>
-        <p:txBody>
-          <a:bodyPr vert="horz" lIns="91440" tIns="45720" rIns="91440" bIns="45720" rtlCol="0" anchor="ctr">
-            <a:normAutofit/>
-          </a:bodyPr>
-          <a:lstStyle/>
-          <a:p>
-            <a:pPr marL="0" indent="0" algn="ctr">
-              <a:buNone/>
-            </a:pPr>
-            <a:r>
-              <a:rPr lang="en-US" sz="5000" dirty="0">
-                <a:latin typeface="Times New Roman"/>
-                <a:cs typeface="Calibri" panose="020F0502020204030204"/>
-              </a:rPr>
-              <a:t>Thank You</a:t>
-            </a:r>
-            <a:endParaRPr lang="en-US" sz="5000" dirty="0">
-              <a:cs typeface="Calibri"/>
-            </a:endParaRPr>
-          </a:p>
-        </p:txBody>
-      </p:sp>
-      <p:sp>
-        <p:nvSpPr>
-          <p:cNvPr id="10" name="Rectangle 9">
-            <a:extLst>
-              <a:ext uri="{FF2B5EF4-FFF2-40B4-BE49-F238E27FC236}">
-                <a16:creationId xmlns:a16="http://schemas.microsoft.com/office/drawing/2014/main" id="{2E80C965-DB6D-4F81-9E9E-B027384D0BD6}"/>
-              </a:ext>
-              <a:ext uri="{C183D7F6-B498-43B3-948B-1728B52AA6E4}">
-                <adec:decorative xmlns:adec="http://schemas.microsoft.com/office/drawing/2017/decorative" val="1"/>
-              </a:ext>
-            </a:extLst>
-          </p:cNvPr>
-          <p:cNvSpPr>
-            <a:spLocks noGrp="1" noRot="1" noChangeAspect="1" noMove="1" noResize="1" noEditPoints="1" noAdjustHandles="1" noChangeArrowheads="1" noChangeShapeType="1" noTextEdit="1"/>
-          </p:cNvSpPr>
-          <p:nvPr>
-            <p:extLst>
-              <p:ext uri="{386F3935-93C4-4BCD-93E2-E3B085C9AB24}">
-                <p16:designElem xmlns:p16="http://schemas.microsoft.com/office/powerpoint/2015/main" val="1"/>
-              </p:ext>
-            </p:extLst>
-          </p:nvPr>
-        </p:nvSpPr>
-        <p:spPr>
-          <a:xfrm rot="2700000">
-            <a:off x="11052629" y="2120024"/>
-            <a:ext cx="645368" cy="645368"/>
-          </a:xfrm>
-          <a:prstGeom prst="rect">
-            <a:avLst/>
-          </a:prstGeom>
-          <a:solidFill>
-            <a:schemeClr val="accent4">
-              <a:alpha val="30000"/>
-            </a:schemeClr>
-          </a:solidFill>
-          <a:ln>
-            <a:noFill/>
-          </a:ln>
-        </p:spPr>
-        <p:style>
-          <a:lnRef idx="2">
-            <a:schemeClr val="accent1">
-              <a:shade val="50000"/>
-            </a:schemeClr>
-          </a:lnRef>
-          <a:fillRef idx="1">
-            <a:schemeClr val="accent1"/>
-          </a:fillRef>
-          <a:effectRef idx="0">
-            <a:schemeClr val="accent1"/>
-          </a:effectRef>
-          <a:fontRef idx="minor">
-            <a:schemeClr val="lt1"/>
-          </a:fontRef>
-        </p:style>
-        <p:txBody>
-          <a:bodyPr rtlCol="0" anchor="ctr"/>
-          <a:lstStyle/>
-          <a:p>
-            <a:pPr algn="ctr"/>
-            <a:endParaRPr lang="en-US"/>
-          </a:p>
-        </p:txBody>
-      </p:sp>
-      <p:sp>
-        <p:nvSpPr>
-          <p:cNvPr id="12" name="Isosceles Triangle 11">
-            <a:extLst>
-              <a:ext uri="{FF2B5EF4-FFF2-40B4-BE49-F238E27FC236}">
-                <a16:creationId xmlns:a16="http://schemas.microsoft.com/office/drawing/2014/main" id="{A580F890-B085-4E95-96AA-55AEBEC5CE6E}"/>
-              </a:ext>
-              <a:ext uri="{C183D7F6-B498-43B3-948B-1728B52AA6E4}">
-                <adec:decorative xmlns:adec="http://schemas.microsoft.com/office/drawing/2017/decorative" val="1"/>
-              </a:ext>
-            </a:extLst>
-          </p:cNvPr>
-          <p:cNvSpPr>
-            <a:spLocks noGrp="1" noRot="1" noChangeAspect="1" noMove="1" noResize="1" noEditPoints="1" noAdjustHandles="1" noChangeArrowheads="1" noChangeShapeType="1" noTextEdit="1"/>
-          </p:cNvSpPr>
-          <p:nvPr>
-            <p:extLst>
-              <p:ext uri="{386F3935-93C4-4BCD-93E2-E3B085C9AB24}">
-                <p16:designElem xmlns:p16="http://schemas.microsoft.com/office/powerpoint/2015/main" val="1"/>
-              </p:ext>
-            </p:extLst>
-          </p:nvPr>
-        </p:nvSpPr>
-        <p:spPr>
-          <a:xfrm rot="16200000">
-            <a:off x="10289068" y="1343027"/>
-            <a:ext cx="2532832" cy="1273032"/>
-          </a:xfrm>
-          <a:prstGeom prst="triangle">
-            <a:avLst>
-              <a:gd name="adj" fmla="val 50000"/>
-            </a:avLst>
-          </a:prstGeom>
-          <a:solidFill>
-            <a:schemeClr val="accent4">
-              <a:alpha val="30000"/>
-            </a:schemeClr>
-          </a:solidFill>
-          <a:ln>
-            <a:noFill/>
-          </a:ln>
-        </p:spPr>
-        <p:style>
-          <a:lnRef idx="2">
-            <a:schemeClr val="accent1">
-              <a:shade val="50000"/>
-            </a:schemeClr>
-          </a:lnRef>
-          <a:fillRef idx="1">
-            <a:schemeClr val="accent1"/>
-          </a:fillRef>
-          <a:effectRef idx="0">
-            <a:schemeClr val="accent1"/>
-          </a:effectRef>
-          <a:fontRef idx="minor">
-            <a:schemeClr val="lt1"/>
-          </a:fontRef>
-        </p:style>
-        <p:txBody>
-          <a:bodyPr rtlCol="0" anchor="ctr"/>
-          <a:lstStyle/>
-          <a:p>
-            <a:pPr algn="ctr"/>
-            <a:endParaRPr lang="en-US"/>
-          </a:p>
-        </p:txBody>
-      </p:sp>
-      <p:sp>
-        <p:nvSpPr>
-          <p:cNvPr id="14" name="Isosceles Triangle 13">
-            <a:extLst>
-              <a:ext uri="{FF2B5EF4-FFF2-40B4-BE49-F238E27FC236}">
-                <a16:creationId xmlns:a16="http://schemas.microsoft.com/office/drawing/2014/main" id="{D3F51FEB-38FB-4F6C-9F7B-2F2AFAB65463}"/>
-              </a:ext>
-              <a:ext uri="{C183D7F6-B498-43B3-948B-1728B52AA6E4}">
-                <adec:decorative xmlns:adec="http://schemas.microsoft.com/office/drawing/2017/decorative" val="1"/>
-              </a:ext>
-            </a:extLst>
-          </p:cNvPr>
-          <p:cNvSpPr>
-            <a:spLocks noGrp="1" noRot="1" noChangeAspect="1" noMove="1" noResize="1" noEditPoints="1" noAdjustHandles="1" noChangeArrowheads="1" noChangeShapeType="1" noTextEdit="1"/>
-          </p:cNvSpPr>
-          <p:nvPr>
-            <p:extLst>
-              <p:ext uri="{386F3935-93C4-4BCD-93E2-E3B085C9AB24}">
-                <p16:designElem xmlns:p16="http://schemas.microsoft.com/office/powerpoint/2015/main" val="1"/>
-              </p:ext>
-            </p:extLst>
-          </p:nvPr>
-        </p:nvSpPr>
-        <p:spPr>
-          <a:xfrm rot="5400000">
-            <a:off x="-501760" y="5103257"/>
-            <a:ext cx="2017580" cy="1014060"/>
-          </a:xfrm>
-          <a:prstGeom prst="triangle">
-            <a:avLst>
-              <a:gd name="adj" fmla="val 50000"/>
-            </a:avLst>
-          </a:prstGeom>
-          <a:solidFill>
-            <a:schemeClr val="accent1">
-              <a:alpha val="30000"/>
-            </a:schemeClr>
-          </a:solidFill>
-          <a:ln>
-            <a:noFill/>
-          </a:ln>
-        </p:spPr>
-        <p:style>
-          <a:lnRef idx="2">
-            <a:schemeClr val="accent1">
-              <a:shade val="50000"/>
-            </a:schemeClr>
-          </a:lnRef>
-          <a:fillRef idx="1">
-            <a:schemeClr val="accent1"/>
-          </a:fillRef>
-          <a:effectRef idx="0">
-            <a:schemeClr val="accent1"/>
-          </a:effectRef>
-          <a:fontRef idx="minor">
-            <a:schemeClr val="lt1"/>
-          </a:fontRef>
-        </p:style>
-        <p:txBody>
-          <a:bodyPr wrap="square" rtlCol="0" anchor="ctr">
-            <a:noAutofit/>
-          </a:bodyPr>
-          <a:lstStyle/>
-          <a:p>
-            <a:pPr algn="ctr"/>
-            <a:endParaRPr lang="en-US"/>
-          </a:p>
-        </p:txBody>
-      </p:sp>
-      <p:sp>
-        <p:nvSpPr>
-          <p:cNvPr id="16" name="Rectangle 15">
-            <a:extLst>
-              <a:ext uri="{FF2B5EF4-FFF2-40B4-BE49-F238E27FC236}">
-                <a16:creationId xmlns:a16="http://schemas.microsoft.com/office/drawing/2014/main" id="{1E547BA6-BAE0-43BB-A7CA-60F69CE252F0}"/>
-              </a:ext>
-              <a:ext uri="{C183D7F6-B498-43B3-948B-1728B52AA6E4}">
-                <adec:decorative xmlns:adec="http://schemas.microsoft.com/office/drawing/2017/decorative" val="1"/>
-              </a:ext>
-            </a:extLst>
-          </p:cNvPr>
-          <p:cNvSpPr>
-            <a:spLocks noGrp="1" noRot="1" noChangeAspect="1" noMove="1" noResize="1" noEditPoints="1" noAdjustHandles="1" noChangeArrowheads="1" noChangeShapeType="1" noTextEdit="1"/>
-          </p:cNvSpPr>
-          <p:nvPr>
-            <p:extLst>
-              <p:ext uri="{386F3935-93C4-4BCD-93E2-E3B085C9AB24}">
-                <p16:designElem xmlns:p16="http://schemas.microsoft.com/office/powerpoint/2015/main" val="1"/>
-              </p:ext>
-            </p:extLst>
-          </p:nvPr>
-        </p:nvSpPr>
-        <p:spPr>
-          <a:xfrm rot="2700000">
-            <a:off x="427916" y="5728708"/>
-            <a:ext cx="485578" cy="485578"/>
-          </a:xfrm>
-          <a:prstGeom prst="rect">
-            <a:avLst/>
-          </a:prstGeom>
-          <a:solidFill>
-            <a:schemeClr val="accent1">
-              <a:alpha val="30000"/>
-            </a:schemeClr>
-          </a:solidFill>
-          <a:ln>
-            <a:noFill/>
-          </a:ln>
-        </p:spPr>
-        <p:style>
-          <a:lnRef idx="2">
-            <a:schemeClr val="accent1">
-              <a:shade val="50000"/>
-            </a:schemeClr>
-          </a:lnRef>
-          <a:fillRef idx="1">
-            <a:schemeClr val="accent1"/>
-          </a:fillRef>
-          <a:effectRef idx="0">
-            <a:schemeClr val="accent1"/>
-          </a:effectRef>
-          <a:fontRef idx="minor">
-            <a:schemeClr val="lt1"/>
-          </a:fontRef>
-        </p:style>
-        <p:txBody>
-          <a:bodyPr wrap="square" rtlCol="0" anchor="ctr">
-            <a:noAutofit/>
-          </a:bodyPr>
-          <a:lstStyle/>
-          <a:p>
-            <a:pPr algn="ctr"/>
-            <a:endParaRPr lang="en-US"/>
-          </a:p>
-        </p:txBody>
-      </p:sp>
-    </p:spTree>
-    <p:extLst>
-      <p:ext uri="{BB962C8B-B14F-4D97-AF65-F5344CB8AC3E}">
-        <p14:creationId xmlns:p14="http://schemas.microsoft.com/office/powerpoint/2010/main" val="1770231167"/>
-      </p:ext>
-    </p:extLst>
-  </p:cSld>
-  <p:clrMapOvr>
-    <a:masterClrMapping/>
-  </p:clrMapOvr>
-</p:sld>
-</file>
-
 <file path=ppt/slides/slide2.xml><?xml version="1.0" encoding="utf-8"?>
 <p:sld xmlns:a="http://schemas.openxmlformats.org/drawingml/2006/main" xmlns:r="http://schemas.openxmlformats.org/officeDocument/2006/relationships" xmlns:p="http://schemas.openxmlformats.org/presentationml/2006/main">
   <p:cSld>
@@ -6711,69 +5077,6 @@
       </p:grpSpPr>
       <p:sp>
         <p:nvSpPr>
-          <p:cNvPr id="42" name="Rectangle 7">
-            <a:extLst>
-              <a:ext uri="{FF2B5EF4-FFF2-40B4-BE49-F238E27FC236}">
-                <a16:creationId xmlns:a16="http://schemas.microsoft.com/office/drawing/2014/main" id="{2B566528-1B12-4246-9431-5C2D7D081168}"/>
-              </a:ext>
-              <a:ext uri="{C183D7F6-B498-43B3-948B-1728B52AA6E4}">
-                <adec:decorative xmlns:adec="http://schemas.microsoft.com/office/drawing/2017/decorative" val="1"/>
-              </a:ext>
-            </a:extLst>
-          </p:cNvPr>
-          <p:cNvSpPr>
-            <a:spLocks noGrp="1" noRot="1" noChangeAspect="1" noMove="1" noResize="1" noEditPoints="1" noAdjustHandles="1" noChangeArrowheads="1" noChangeShapeType="1" noTextEdit="1"/>
-          </p:cNvSpPr>
-          <p:nvPr>
-            <p:extLst>
-              <p:ext uri="{386F3935-93C4-4BCD-93E2-E3B085C9AB24}">
-                <p16:designElem xmlns:p16="http://schemas.microsoft.com/office/powerpoint/2015/main" val="1"/>
-              </p:ext>
-            </p:extLst>
-          </p:nvPr>
-        </p:nvSpPr>
-        <p:spPr>
-          <a:xfrm>
-            <a:off x="0" y="0"/>
-            <a:ext cx="12192000" cy="6858000"/>
-          </a:xfrm>
-          <a:prstGeom prst="rect">
-            <a:avLst/>
-          </a:prstGeom>
-          <a:solidFill>
-            <a:schemeClr val="bg1"/>
-          </a:solidFill>
-          <a:ln>
-            <a:noFill/>
-          </a:ln>
-        </p:spPr>
-        <p:style>
-          <a:lnRef idx="2">
-            <a:schemeClr val="accent1">
-              <a:shade val="50000"/>
-            </a:schemeClr>
-          </a:lnRef>
-          <a:fillRef idx="1">
-            <a:schemeClr val="accent1"/>
-          </a:fillRef>
-          <a:effectRef idx="0">
-            <a:schemeClr val="accent1"/>
-          </a:effectRef>
-          <a:fontRef idx="minor">
-            <a:schemeClr val="lt1"/>
-          </a:fontRef>
-        </p:style>
-        <p:txBody>
-          <a:bodyPr rtlCol="0" anchor="ctr"/>
-          <a:lstStyle/>
-          <a:p>
-            <a:pPr algn="ctr"/>
-            <a:endParaRPr lang="en-US" dirty="0"/>
-          </a:p>
-        </p:txBody>
-      </p:sp>
-      <p:sp>
-        <p:nvSpPr>
           <p:cNvPr id="2" name="Title 1">
             <a:extLst>
               <a:ext uri="{FF2B5EF4-FFF2-40B4-BE49-F238E27FC236}">
@@ -6829,7 +5132,7 @@
         <p:spPr>
           <a:xfrm>
             <a:off x="643467" y="1782981"/>
-            <a:ext cx="10905066" cy="4393982"/>
+            <a:ext cx="10625547" cy="4393982"/>
           </a:xfrm>
         </p:spPr>
         <p:txBody>
@@ -6919,278 +5222,1002 @@
           </a:p>
         </p:txBody>
       </p:sp>
-      <p:sp>
-        <p:nvSpPr>
-          <p:cNvPr id="44" name="Rectangle 9">
+    </p:spTree>
+    <p:extLst>
+      <p:ext uri="{BB962C8B-B14F-4D97-AF65-F5344CB8AC3E}">
+        <p14:creationId xmlns:p14="http://schemas.microsoft.com/office/powerpoint/2010/main" val="1381804168"/>
+      </p:ext>
+    </p:extLst>
+  </p:cSld>
+  <p:clrMapOvr>
+    <a:masterClrMapping/>
+  </p:clrMapOvr>
+</p:sld>
+</file>
+
+<file path=ppt/slides/slide20.xml><?xml version="1.0" encoding="utf-8"?>
+<p:sld xmlns:a="http://schemas.openxmlformats.org/drawingml/2006/main" xmlns:r="http://schemas.openxmlformats.org/officeDocument/2006/relationships" xmlns:p="http://schemas.openxmlformats.org/presentationml/2006/main">
+  <p:cSld>
+    <p:bg>
+      <p:bgPr>
+        <a:solidFill>
+          <a:schemeClr val="bg1"/>
+        </a:solidFill>
+        <a:effectLst/>
+      </p:bgPr>
+    </p:bg>
+    <p:spTree>
+      <p:nvGrpSpPr>
+        <p:cNvPr id="1" name=""/>
+        <p:cNvGrpSpPr/>
+        <p:nvPr/>
+      </p:nvGrpSpPr>
+      <p:grpSpPr>
+        <a:xfrm>
+          <a:off x="0" y="0"/>
+          <a:ext cx="0" cy="0"/>
+          <a:chOff x="0" y="0"/>
+          <a:chExt cx="0" cy="0"/>
+        </a:xfrm>
+      </p:grpSpPr>
+      <p:sp>
+        <p:nvSpPr>
+          <p:cNvPr id="3" name="Content Placeholder 2">
             <a:extLst>
               <a:ext uri="{FF2B5EF4-FFF2-40B4-BE49-F238E27FC236}">
-                <a16:creationId xmlns:a16="http://schemas.microsoft.com/office/drawing/2014/main" id="{2E80C965-DB6D-4F81-9E9E-B027384D0BD6}"/>
-              </a:ext>
-              <a:ext uri="{C183D7F6-B498-43B3-948B-1728B52AA6E4}">
-                <adec:decorative xmlns:adec="http://schemas.microsoft.com/office/drawing/2017/decorative" val="1"/>
+                <a16:creationId xmlns:a16="http://schemas.microsoft.com/office/drawing/2014/main" id="{A71E7746-F2D2-121B-BAF0-A7DD5CA3AC66}"/>
               </a:ext>
             </a:extLst>
           </p:cNvPr>
           <p:cNvSpPr>
-            <a:spLocks noGrp="1" noRot="1" noChangeAspect="1" noMove="1" noResize="1" noEditPoints="1" noAdjustHandles="1" noChangeArrowheads="1" noChangeShapeType="1" noTextEdit="1"/>
-          </p:cNvSpPr>
-          <p:nvPr>
-            <p:extLst>
-              <p:ext uri="{386F3935-93C4-4BCD-93E2-E3B085C9AB24}">
-                <p16:designElem xmlns:p16="http://schemas.microsoft.com/office/powerpoint/2015/main" val="1"/>
-              </p:ext>
-            </p:extLst>
+            <a:spLocks noGrp="1"/>
+          </p:cNvSpPr>
+          <p:nvPr>
+            <p:ph idx="1"/>
           </p:nvPr>
         </p:nvSpPr>
         <p:spPr>
-          <a:xfrm rot="2700000">
-            <a:off x="11052629" y="2120024"/>
-            <a:ext cx="645368" cy="645368"/>
+          <a:xfrm>
+            <a:off x="643467" y="713127"/>
+            <a:ext cx="10905066" cy="5463836"/>
+          </a:xfrm>
+        </p:spPr>
+        <p:txBody>
+          <a:bodyPr>
+            <a:normAutofit/>
+          </a:bodyPr>
+          <a:lstStyle/>
+          <a:p>
+            <a:pPr marL="0" indent="0">
+              <a:lnSpc>
+                <a:spcPct val="160000"/>
+              </a:lnSpc>
+              <a:spcBef>
+                <a:spcPts val="0"/>
+              </a:spcBef>
+              <a:spcAft>
+                <a:spcPts val="600"/>
+              </a:spcAft>
+              <a:buNone/>
+            </a:pPr>
+            <a:r>
+              <a:rPr lang="en-US" b="1" dirty="0">
+                <a:latin typeface="Times New Roman" panose="02020603050405020304" pitchFamily="18" charset="0"/>
+                <a:cs typeface="Times New Roman" panose="02020603050405020304" pitchFamily="18" charset="0"/>
+              </a:rPr>
+              <a:t>Frontend development:</a:t>
+            </a:r>
+            <a:endParaRPr lang="en-US" b="1" dirty="0">
+              <a:latin typeface="Times New Roman"/>
+              <a:cs typeface="Times New Roman"/>
+            </a:endParaRPr>
+          </a:p>
+          <a:p>
+            <a:pPr>
+              <a:lnSpc>
+                <a:spcPct val="160000"/>
+              </a:lnSpc>
+              <a:spcBef>
+                <a:spcPts val="0"/>
+              </a:spcBef>
+              <a:spcAft>
+                <a:spcPts val="600"/>
+              </a:spcAft>
+            </a:pPr>
+            <a:r>
+              <a:rPr lang="en-US" sz="2400" dirty="0">
+                <a:latin typeface="Times New Roman" panose="02020603050405020304" pitchFamily="18" charset="0"/>
+                <a:cs typeface="Times New Roman" panose="02020603050405020304" pitchFamily="18" charset="0"/>
+              </a:rPr>
+              <a:t>JavaScript – React</a:t>
+            </a:r>
+          </a:p>
+          <a:p>
+            <a:pPr>
+              <a:lnSpc>
+                <a:spcPct val="160000"/>
+              </a:lnSpc>
+              <a:spcBef>
+                <a:spcPts val="0"/>
+              </a:spcBef>
+              <a:spcAft>
+                <a:spcPts val="600"/>
+              </a:spcAft>
+            </a:pPr>
+            <a:r>
+              <a:rPr lang="en-US" sz="2400" dirty="0">
+                <a:latin typeface="Times New Roman"/>
+                <a:cs typeface="Times New Roman"/>
+              </a:rPr>
+              <a:t>CSS</a:t>
+            </a:r>
+          </a:p>
+          <a:p>
+            <a:pPr marL="0" indent="0">
+              <a:lnSpc>
+                <a:spcPct val="160000"/>
+              </a:lnSpc>
+              <a:spcBef>
+                <a:spcPts val="0"/>
+              </a:spcBef>
+              <a:spcAft>
+                <a:spcPts val="600"/>
+              </a:spcAft>
+              <a:buNone/>
+            </a:pPr>
+            <a:endParaRPr lang="en-US" sz="2000" b="1" dirty="0">
+              <a:latin typeface="Times New Roman"/>
+              <a:ea typeface="+mn-lt"/>
+              <a:cs typeface="Times New Roman"/>
+            </a:endParaRPr>
+          </a:p>
+          <a:p>
+            <a:pPr marL="0" indent="0">
+              <a:lnSpc>
+                <a:spcPct val="160000"/>
+              </a:lnSpc>
+              <a:spcBef>
+                <a:spcPts val="0"/>
+              </a:spcBef>
+              <a:spcAft>
+                <a:spcPts val="600"/>
+              </a:spcAft>
+              <a:buNone/>
+            </a:pPr>
+            <a:r>
+              <a:rPr lang="en-US" b="1" dirty="0">
+                <a:latin typeface="Times New Roman"/>
+                <a:cs typeface="Times New Roman"/>
+              </a:rPr>
+              <a:t>Backend development:</a:t>
+            </a:r>
+          </a:p>
+          <a:p>
+            <a:pPr>
+              <a:lnSpc>
+                <a:spcPct val="150000"/>
+              </a:lnSpc>
+              <a:spcBef>
+                <a:spcPts val="0"/>
+              </a:spcBef>
+              <a:spcAft>
+                <a:spcPts val="600"/>
+              </a:spcAft>
+            </a:pPr>
+            <a:r>
+              <a:rPr lang="en-US" sz="2400" dirty="0">
+                <a:latin typeface="Times New Roman"/>
+                <a:cs typeface="Times New Roman"/>
+              </a:rPr>
+              <a:t>Node JS</a:t>
+            </a:r>
+            <a:endParaRPr lang="en-US" sz="2400" dirty="0">
+              <a:latin typeface="Times New Roman"/>
+              <a:ea typeface="+mn-lt"/>
+              <a:cs typeface="+mn-lt"/>
+            </a:endParaRPr>
+          </a:p>
+          <a:p>
+            <a:pPr>
+              <a:lnSpc>
+                <a:spcPct val="150000"/>
+              </a:lnSpc>
+              <a:spcBef>
+                <a:spcPts val="0"/>
+              </a:spcBef>
+              <a:spcAft>
+                <a:spcPts val="600"/>
+              </a:spcAft>
+            </a:pPr>
+            <a:r>
+              <a:rPr lang="en-US" sz="2400" dirty="0">
+                <a:latin typeface="Times New Roman"/>
+                <a:ea typeface="+mn-lt"/>
+                <a:cs typeface="+mn-lt"/>
+              </a:rPr>
+              <a:t>Python</a:t>
+            </a:r>
+            <a:endParaRPr lang="en-US" sz="2400" dirty="0">
+              <a:latin typeface="Times New Roman"/>
+              <a:cs typeface="Times New Roman"/>
+            </a:endParaRPr>
+          </a:p>
+          <a:p>
+            <a:endParaRPr lang="en-US" sz="2000" dirty="0"/>
+          </a:p>
+        </p:txBody>
+      </p:sp>
+    </p:spTree>
+    <p:extLst>
+      <p:ext uri="{BB962C8B-B14F-4D97-AF65-F5344CB8AC3E}">
+        <p14:creationId xmlns:p14="http://schemas.microsoft.com/office/powerpoint/2010/main" val="30016698"/>
+      </p:ext>
+    </p:extLst>
+  </p:cSld>
+  <p:clrMapOvr>
+    <a:masterClrMapping/>
+  </p:clrMapOvr>
+</p:sld>
+</file>
+
+<file path=ppt/slides/slide21.xml><?xml version="1.0" encoding="utf-8"?>
+<p:sld xmlns:a="http://schemas.openxmlformats.org/drawingml/2006/main" xmlns:r="http://schemas.openxmlformats.org/officeDocument/2006/relationships" xmlns:p="http://schemas.openxmlformats.org/presentationml/2006/main">
+  <p:cSld>
+    <p:spTree>
+      <p:nvGrpSpPr>
+        <p:cNvPr id="1" name=""/>
+        <p:cNvGrpSpPr/>
+        <p:nvPr/>
+      </p:nvGrpSpPr>
+      <p:grpSpPr>
+        <a:xfrm>
+          <a:off x="0" y="0"/>
+          <a:ext cx="0" cy="0"/>
+          <a:chOff x="0" y="0"/>
+          <a:chExt cx="0" cy="0"/>
+        </a:xfrm>
+      </p:grpSpPr>
+      <p:sp>
+        <p:nvSpPr>
+          <p:cNvPr id="2" name="Title 1">
+            <a:extLst>
+              <a:ext uri="{FF2B5EF4-FFF2-40B4-BE49-F238E27FC236}">
+                <a16:creationId xmlns:a16="http://schemas.microsoft.com/office/drawing/2014/main" id="{3AEBC0E7-AEFB-43E3-A8B2-109DE806BC93}"/>
+              </a:ext>
+            </a:extLst>
+          </p:cNvPr>
+          <p:cNvSpPr>
+            <a:spLocks noGrp="1"/>
+          </p:cNvSpPr>
+          <p:nvPr>
+            <p:ph type="title"/>
+          </p:nvPr>
+        </p:nvSpPr>
+        <p:spPr>
+          <a:xfrm>
+            <a:off x="838200" y="365126"/>
+            <a:ext cx="10515600" cy="716700"/>
+          </a:xfrm>
+        </p:spPr>
+        <p:txBody>
+          <a:bodyPr>
+            <a:normAutofit/>
+          </a:bodyPr>
+          <a:lstStyle/>
+          <a:p>
+            <a:r>
+              <a:rPr lang="en-US" sz="3600" b="1" dirty="0">
+                <a:latin typeface="Times New Roman" panose="02020603050405020304" pitchFamily="18" charset="0"/>
+                <a:cs typeface="Times New Roman" panose="02020603050405020304" pitchFamily="18" charset="0"/>
+              </a:rPr>
+              <a:t>EXPECTED OUTCOMES</a:t>
+            </a:r>
+          </a:p>
+        </p:txBody>
+      </p:sp>
+      <p:pic>
+        <p:nvPicPr>
+          <p:cNvPr id="5" name="Content Placeholder 4">
+            <a:extLst>
+              <a:ext uri="{FF2B5EF4-FFF2-40B4-BE49-F238E27FC236}">
+                <a16:creationId xmlns:a16="http://schemas.microsoft.com/office/drawing/2014/main" id="{ABAD1F6B-34D6-4E13-AE83-FB37D56CD74E}"/>
+              </a:ext>
+            </a:extLst>
+          </p:cNvPr>
+          <p:cNvPicPr>
+            <a:picLocks noGrp="1" noChangeAspect="1"/>
+          </p:cNvPicPr>
+          <p:nvPr>
+            <p:ph idx="1"/>
+          </p:nvPr>
+        </p:nvPicPr>
+        <p:blipFill>
+          <a:blip r:embed="rId2" cstate="print">
+            <a:extLst>
+              <a:ext uri="{28A0092B-C50C-407E-A947-70E740481C1C}">
+                <a14:useLocalDpi xmlns:a14="http://schemas.microsoft.com/office/drawing/2010/main" val="0"/>
+              </a:ext>
+            </a:extLst>
+          </a:blip>
+          <a:stretch>
+            <a:fillRect/>
+          </a:stretch>
+        </p:blipFill>
+        <p:spPr>
+          <a:xfrm>
+            <a:off x="2408349" y="1666600"/>
+            <a:ext cx="8036417" cy="4940261"/>
+          </a:xfrm>
+        </p:spPr>
+      </p:pic>
+      <p:sp>
+        <p:nvSpPr>
+          <p:cNvPr id="6" name="TextBox 5">
+            <a:extLst>
+              <a:ext uri="{FF2B5EF4-FFF2-40B4-BE49-F238E27FC236}">
+                <a16:creationId xmlns:a16="http://schemas.microsoft.com/office/drawing/2014/main" id="{725B38D3-9842-44C1-BEF4-C860F66CC6EA}"/>
+              </a:ext>
+            </a:extLst>
+          </p:cNvPr>
+          <p:cNvSpPr txBox="1"/>
+          <p:nvPr/>
+        </p:nvSpPr>
+        <p:spPr>
+          <a:xfrm>
+            <a:off x="838200" y="1081826"/>
+            <a:ext cx="4687909" cy="584775"/>
           </a:xfrm>
           <a:prstGeom prst="rect">
             <a:avLst/>
           </a:prstGeom>
-          <a:solidFill>
-            <a:schemeClr val="accent4">
-              <a:alpha val="30000"/>
-            </a:schemeClr>
-          </a:solidFill>
-          <a:ln>
-            <a:noFill/>
-          </a:ln>
+          <a:noFill/>
         </p:spPr>
-        <p:style>
-          <a:lnRef idx="2">
-            <a:schemeClr val="accent1">
-              <a:shade val="50000"/>
-            </a:schemeClr>
-          </a:lnRef>
-          <a:fillRef idx="1">
-            <a:schemeClr val="accent1"/>
-          </a:fillRef>
-          <a:effectRef idx="0">
-            <a:schemeClr val="accent1"/>
-          </a:effectRef>
-          <a:fontRef idx="minor">
-            <a:schemeClr val="lt1"/>
-          </a:fontRef>
-        </p:style>
-        <p:txBody>
-          <a:bodyPr rtlCol="0" anchor="ctr"/>
-          <a:lstStyle/>
-          <a:p>
-            <a:pPr algn="ctr"/>
-            <a:endParaRPr lang="en-US"/>
-          </a:p>
-        </p:txBody>
-      </p:sp>
-      <p:sp>
-        <p:nvSpPr>
-          <p:cNvPr id="45" name="Isosceles Triangle 11">
+        <p:txBody>
+          <a:bodyPr wrap="square" rtlCol="0">
+            <a:spAutoFit/>
+          </a:bodyPr>
+          <a:lstStyle/>
+          <a:p>
+            <a:r>
+              <a:rPr lang="en-US" sz="3200" b="1" dirty="0">
+                <a:latin typeface="Times New Roman" panose="02020603050405020304" pitchFamily="18" charset="0"/>
+                <a:cs typeface="Times New Roman" panose="02020603050405020304" pitchFamily="18" charset="0"/>
+              </a:rPr>
+              <a:t>Image Colorization</a:t>
+            </a:r>
+          </a:p>
+        </p:txBody>
+      </p:sp>
+    </p:spTree>
+    <p:extLst>
+      <p:ext uri="{BB962C8B-B14F-4D97-AF65-F5344CB8AC3E}">
+        <p14:creationId xmlns:p14="http://schemas.microsoft.com/office/powerpoint/2010/main" val="2181570095"/>
+      </p:ext>
+    </p:extLst>
+  </p:cSld>
+  <p:clrMapOvr>
+    <a:masterClrMapping/>
+  </p:clrMapOvr>
+</p:sld>
+</file>
+
+<file path=ppt/slides/slide22.xml><?xml version="1.0" encoding="utf-8"?>
+<p:sld xmlns:a="http://schemas.openxmlformats.org/drawingml/2006/main" xmlns:r="http://schemas.openxmlformats.org/officeDocument/2006/relationships" xmlns:p="http://schemas.openxmlformats.org/presentationml/2006/main">
+  <p:cSld>
+    <p:spTree>
+      <p:nvGrpSpPr>
+        <p:cNvPr id="1" name=""/>
+        <p:cNvGrpSpPr/>
+        <p:nvPr/>
+      </p:nvGrpSpPr>
+      <p:grpSpPr>
+        <a:xfrm>
+          <a:off x="0" y="0"/>
+          <a:ext cx="0" cy="0"/>
+          <a:chOff x="0" y="0"/>
+          <a:chExt cx="0" cy="0"/>
+        </a:xfrm>
+      </p:grpSpPr>
+      <p:sp>
+        <p:nvSpPr>
+          <p:cNvPr id="2" name="Title 1">
             <a:extLst>
               <a:ext uri="{FF2B5EF4-FFF2-40B4-BE49-F238E27FC236}">
-                <a16:creationId xmlns:a16="http://schemas.microsoft.com/office/drawing/2014/main" id="{A580F890-B085-4E95-96AA-55AEBEC5CE6E}"/>
-              </a:ext>
-              <a:ext uri="{C183D7F6-B498-43B3-948B-1728B52AA6E4}">
-                <adec:decorative xmlns:adec="http://schemas.microsoft.com/office/drawing/2017/decorative" val="1"/>
+                <a16:creationId xmlns:a16="http://schemas.microsoft.com/office/drawing/2014/main" id="{EE749116-540B-48B6-B7BA-3646ADA09CBD}"/>
               </a:ext>
             </a:extLst>
           </p:cNvPr>
           <p:cNvSpPr>
-            <a:spLocks noGrp="1" noRot="1" noChangeAspect="1" noMove="1" noResize="1" noEditPoints="1" noAdjustHandles="1" noChangeArrowheads="1" noChangeShapeType="1" noTextEdit="1"/>
-          </p:cNvSpPr>
-          <p:nvPr>
-            <p:extLst>
-              <p:ext uri="{386F3935-93C4-4BCD-93E2-E3B085C9AB24}">
-                <p16:designElem xmlns:p16="http://schemas.microsoft.com/office/powerpoint/2015/main" val="1"/>
-              </p:ext>
-            </p:extLst>
+            <a:spLocks noGrp="1"/>
+          </p:cNvSpPr>
+          <p:nvPr>
+            <p:ph type="title"/>
           </p:nvPr>
         </p:nvSpPr>
         <p:spPr>
-          <a:xfrm rot="16200000">
-            <a:off x="10289068" y="1343027"/>
-            <a:ext cx="2532832" cy="1273032"/>
+          <a:xfrm>
+            <a:off x="838200" y="365126"/>
+            <a:ext cx="10515600" cy="806852"/>
           </a:xfrm>
-          <a:prstGeom prst="triangle">
-            <a:avLst>
-              <a:gd name="adj" fmla="val 50000"/>
-            </a:avLst>
-          </a:prstGeom>
-          <a:solidFill>
-            <a:schemeClr val="accent4">
-              <a:alpha val="30000"/>
-            </a:schemeClr>
-          </a:solidFill>
-          <a:ln>
-            <a:noFill/>
-          </a:ln>
         </p:spPr>
-        <p:style>
-          <a:lnRef idx="2">
-            <a:schemeClr val="accent1">
-              <a:shade val="50000"/>
-            </a:schemeClr>
-          </a:lnRef>
-          <a:fillRef idx="1">
-            <a:schemeClr val="accent1"/>
-          </a:fillRef>
-          <a:effectRef idx="0">
-            <a:schemeClr val="accent1"/>
-          </a:effectRef>
-          <a:fontRef idx="minor">
-            <a:schemeClr val="lt1"/>
-          </a:fontRef>
-        </p:style>
-        <p:txBody>
-          <a:bodyPr rtlCol="0" anchor="ctr"/>
-          <a:lstStyle/>
-          <a:p>
-            <a:pPr algn="ctr"/>
-            <a:endParaRPr lang="en-US"/>
-          </a:p>
-        </p:txBody>
-      </p:sp>
-      <p:sp>
-        <p:nvSpPr>
-          <p:cNvPr id="46" name="Isosceles Triangle 13">
+        <p:txBody>
+          <a:bodyPr>
+            <a:normAutofit/>
+          </a:bodyPr>
+          <a:lstStyle/>
+          <a:p>
+            <a:r>
+              <a:rPr lang="en-US" sz="3200" b="1" dirty="0">
+                <a:latin typeface="Times New Roman" panose="02020603050405020304" pitchFamily="18" charset="0"/>
+                <a:cs typeface="Times New Roman" panose="02020603050405020304" pitchFamily="18" charset="0"/>
+              </a:rPr>
+              <a:t>Image Inpainting</a:t>
+            </a:r>
+          </a:p>
+        </p:txBody>
+      </p:sp>
+      <p:pic>
+        <p:nvPicPr>
+          <p:cNvPr id="5" name="Content Placeholder 4">
             <a:extLst>
               <a:ext uri="{FF2B5EF4-FFF2-40B4-BE49-F238E27FC236}">
-                <a16:creationId xmlns:a16="http://schemas.microsoft.com/office/drawing/2014/main" id="{D3F51FEB-38FB-4F6C-9F7B-2F2AFAB65463}"/>
-              </a:ext>
-              <a:ext uri="{C183D7F6-B498-43B3-948B-1728B52AA6E4}">
-                <adec:decorative xmlns:adec="http://schemas.microsoft.com/office/drawing/2017/decorative" val="1"/>
+                <a16:creationId xmlns:a16="http://schemas.microsoft.com/office/drawing/2014/main" id="{5A866D83-4D6C-4C00-860F-A4C8C74F9920}"/>
               </a:ext>
             </a:extLst>
           </p:cNvPr>
-          <p:cNvSpPr>
-            <a:spLocks noGrp="1" noRot="1" noChangeAspect="1" noMove="1" noResize="1" noEditPoints="1" noAdjustHandles="1" noChangeArrowheads="1" noChangeShapeType="1" noTextEdit="1"/>
-          </p:cNvSpPr>
-          <p:nvPr>
-            <p:extLst>
-              <p:ext uri="{386F3935-93C4-4BCD-93E2-E3B085C9AB24}">
-                <p16:designElem xmlns:p16="http://schemas.microsoft.com/office/powerpoint/2015/main" val="1"/>
-              </p:ext>
-            </p:extLst>
-          </p:nvPr>
-        </p:nvSpPr>
+          <p:cNvPicPr>
+            <a:picLocks noGrp="1" noChangeAspect="1"/>
+          </p:cNvPicPr>
+          <p:nvPr>
+            <p:ph idx="1"/>
+          </p:nvPr>
+        </p:nvPicPr>
+        <p:blipFill>
+          <a:blip r:embed="rId2" cstate="print">
+            <a:extLst>
+              <a:ext uri="{28A0092B-C50C-407E-A947-70E740481C1C}">
+                <a14:useLocalDpi xmlns:a14="http://schemas.microsoft.com/office/drawing/2010/main" val="0"/>
+              </a:ext>
+            </a:extLst>
+          </a:blip>
+          <a:stretch>
+            <a:fillRect/>
+          </a:stretch>
+        </p:blipFill>
         <p:spPr>
-          <a:xfrm rot="5400000">
-            <a:off x="-501760" y="5103257"/>
-            <a:ext cx="2017580" cy="1014060"/>
+          <a:xfrm>
+            <a:off x="3928055" y="953037"/>
+            <a:ext cx="4842457" cy="5666704"/>
           </a:xfrm>
-          <a:prstGeom prst="triangle">
-            <a:avLst>
-              <a:gd name="adj" fmla="val 50000"/>
-            </a:avLst>
-          </a:prstGeom>
-          <a:solidFill>
-            <a:schemeClr val="accent1">
-              <a:alpha val="30000"/>
-            </a:schemeClr>
-          </a:solidFill>
-          <a:ln>
-            <a:noFill/>
-          </a:ln>
         </p:spPr>
-        <p:style>
-          <a:lnRef idx="2">
-            <a:schemeClr val="accent1">
-              <a:shade val="50000"/>
-            </a:schemeClr>
-          </a:lnRef>
-          <a:fillRef idx="1">
-            <a:schemeClr val="accent1"/>
-          </a:fillRef>
-          <a:effectRef idx="0">
-            <a:schemeClr val="accent1"/>
-          </a:effectRef>
-          <a:fontRef idx="minor">
-            <a:schemeClr val="lt1"/>
-          </a:fontRef>
-        </p:style>
-        <p:txBody>
-          <a:bodyPr wrap="square" rtlCol="0" anchor="ctr">
-            <a:noAutofit/>
-          </a:bodyPr>
-          <a:lstStyle/>
-          <a:p>
-            <a:pPr algn="ctr"/>
-            <a:endParaRPr lang="en-US"/>
-          </a:p>
-        </p:txBody>
-      </p:sp>
-      <p:sp>
-        <p:nvSpPr>
-          <p:cNvPr id="47" name="Rectangle 15">
+      </p:pic>
+    </p:spTree>
+    <p:extLst>
+      <p:ext uri="{BB962C8B-B14F-4D97-AF65-F5344CB8AC3E}">
+        <p14:creationId xmlns:p14="http://schemas.microsoft.com/office/powerpoint/2010/main" val="3904102041"/>
+      </p:ext>
+    </p:extLst>
+  </p:cSld>
+  <p:clrMapOvr>
+    <a:masterClrMapping/>
+  </p:clrMapOvr>
+</p:sld>
+</file>
+
+<file path=ppt/slides/slide23.xml><?xml version="1.0" encoding="utf-8"?>
+<p:sld xmlns:a="http://schemas.openxmlformats.org/drawingml/2006/main" xmlns:r="http://schemas.openxmlformats.org/officeDocument/2006/relationships" xmlns:p="http://schemas.openxmlformats.org/presentationml/2006/main">
+  <p:cSld>
+    <p:spTree>
+      <p:nvGrpSpPr>
+        <p:cNvPr id="1" name=""/>
+        <p:cNvGrpSpPr/>
+        <p:nvPr/>
+      </p:nvGrpSpPr>
+      <p:grpSpPr>
+        <a:xfrm>
+          <a:off x="0" y="0"/>
+          <a:ext cx="0" cy="0"/>
+          <a:chOff x="0" y="0"/>
+          <a:chExt cx="0" cy="0"/>
+        </a:xfrm>
+      </p:grpSpPr>
+      <p:sp>
+        <p:nvSpPr>
+          <p:cNvPr id="2" name="Title 1">
             <a:extLst>
               <a:ext uri="{FF2B5EF4-FFF2-40B4-BE49-F238E27FC236}">
-                <a16:creationId xmlns:a16="http://schemas.microsoft.com/office/drawing/2014/main" id="{1E547BA6-BAE0-43BB-A7CA-60F69CE252F0}"/>
-              </a:ext>
-              <a:ext uri="{C183D7F6-B498-43B3-948B-1728B52AA6E4}">
-                <adec:decorative xmlns:adec="http://schemas.microsoft.com/office/drawing/2017/decorative" val="1"/>
+                <a16:creationId xmlns:a16="http://schemas.microsoft.com/office/drawing/2014/main" id="{754ADD5E-B0A0-447B-95C3-49784041592F}"/>
               </a:ext>
             </a:extLst>
           </p:cNvPr>
           <p:cNvSpPr>
-            <a:spLocks noGrp="1" noRot="1" noChangeAspect="1" noMove="1" noResize="1" noEditPoints="1" noAdjustHandles="1" noChangeArrowheads="1" noChangeShapeType="1" noTextEdit="1"/>
-          </p:cNvSpPr>
-          <p:nvPr>
-            <p:extLst>
-              <p:ext uri="{386F3935-93C4-4BCD-93E2-E3B085C9AB24}">
-                <p16:designElem xmlns:p16="http://schemas.microsoft.com/office/powerpoint/2015/main" val="1"/>
-              </p:ext>
-            </p:extLst>
+            <a:spLocks noGrp="1"/>
+          </p:cNvSpPr>
+          <p:nvPr>
+            <p:ph type="title"/>
           </p:nvPr>
         </p:nvSpPr>
         <p:spPr>
-          <a:xfrm rot="2700000">
-            <a:off x="427916" y="5728708"/>
-            <a:ext cx="485578" cy="485578"/>
+          <a:xfrm>
+            <a:off x="838200" y="365126"/>
+            <a:ext cx="10515600" cy="716700"/>
           </a:xfrm>
-          <a:prstGeom prst="rect">
-            <a:avLst/>
-          </a:prstGeom>
-          <a:solidFill>
-            <a:schemeClr val="accent1">
-              <a:alpha val="30000"/>
-            </a:schemeClr>
-          </a:solidFill>
-          <a:ln>
-            <a:noFill/>
-          </a:ln>
         </p:spPr>
-        <p:style>
-          <a:lnRef idx="2">
-            <a:schemeClr val="accent1">
-              <a:shade val="50000"/>
-            </a:schemeClr>
-          </a:lnRef>
-          <a:fillRef idx="1">
-            <a:schemeClr val="accent1"/>
-          </a:fillRef>
-          <a:effectRef idx="0">
-            <a:schemeClr val="accent1"/>
-          </a:effectRef>
-          <a:fontRef idx="minor">
-            <a:schemeClr val="lt1"/>
-          </a:fontRef>
-        </p:style>
-        <p:txBody>
-          <a:bodyPr wrap="square" rtlCol="0" anchor="ctr">
-            <a:noAutofit/>
+        <p:txBody>
+          <a:bodyPr>
+            <a:normAutofit/>
           </a:bodyPr>
           <a:lstStyle/>
           <a:p>
-            <a:pPr algn="ctr"/>
-            <a:endParaRPr lang="en-US"/>
-          </a:p>
-        </p:txBody>
-      </p:sp>
+            <a:r>
+              <a:rPr lang="en-US" sz="3200" b="1" dirty="0">
+                <a:latin typeface="Times New Roman" panose="02020603050405020304" pitchFamily="18" charset="0"/>
+                <a:cs typeface="Times New Roman" panose="02020603050405020304" pitchFamily="18" charset="0"/>
+              </a:rPr>
+              <a:t>Website</a:t>
+            </a:r>
+          </a:p>
+        </p:txBody>
+      </p:sp>
+      <p:pic>
+        <p:nvPicPr>
+          <p:cNvPr id="5" name="Content Placeholder 4">
+            <a:extLst>
+              <a:ext uri="{FF2B5EF4-FFF2-40B4-BE49-F238E27FC236}">
+                <a16:creationId xmlns:a16="http://schemas.microsoft.com/office/drawing/2014/main" id="{FF52A315-21AB-4CF3-9B74-706E80321154}"/>
+              </a:ext>
+            </a:extLst>
+          </p:cNvPr>
+          <p:cNvPicPr>
+            <a:picLocks noGrp="1" noChangeAspect="1"/>
+          </p:cNvPicPr>
+          <p:nvPr>
+            <p:ph idx="1"/>
+          </p:nvPr>
+        </p:nvPicPr>
+        <p:blipFill>
+          <a:blip r:embed="rId2">
+            <a:extLst>
+              <a:ext uri="{28A0092B-C50C-407E-A947-70E740481C1C}">
+                <a14:useLocalDpi xmlns:a14="http://schemas.microsoft.com/office/drawing/2010/main" val="0"/>
+              </a:ext>
+            </a:extLst>
+          </a:blip>
+          <a:stretch>
+            <a:fillRect/>
+          </a:stretch>
+        </p:blipFill>
+        <p:spPr>
+          <a:xfrm>
+            <a:off x="838200" y="1081826"/>
+            <a:ext cx="10515600" cy="5411048"/>
+          </a:xfrm>
+        </p:spPr>
+      </p:pic>
     </p:spTree>
     <p:extLst>
       <p:ext uri="{BB962C8B-B14F-4D97-AF65-F5344CB8AC3E}">
-        <p14:creationId xmlns:p14="http://schemas.microsoft.com/office/powerpoint/2010/main" val="1381804168"/>
+        <p14:creationId xmlns:p14="http://schemas.microsoft.com/office/powerpoint/2010/main" val="2038371342"/>
+      </p:ext>
+    </p:extLst>
+  </p:cSld>
+  <p:clrMapOvr>
+    <a:masterClrMapping/>
+  </p:clrMapOvr>
+</p:sld>
+</file>
+
+<file path=ppt/slides/slide24.xml><?xml version="1.0" encoding="utf-8"?>
+<p:sld xmlns:a="http://schemas.openxmlformats.org/drawingml/2006/main" xmlns:r="http://schemas.openxmlformats.org/officeDocument/2006/relationships" xmlns:p="http://schemas.openxmlformats.org/presentationml/2006/main">
+  <p:cSld>
+    <p:bg>
+      <p:bgPr>
+        <a:solidFill>
+          <a:schemeClr val="bg1"/>
+        </a:solidFill>
+        <a:effectLst/>
+      </p:bgPr>
+    </p:bg>
+    <p:spTree>
+      <p:nvGrpSpPr>
+        <p:cNvPr id="1" name=""/>
+        <p:cNvGrpSpPr/>
+        <p:nvPr/>
+      </p:nvGrpSpPr>
+      <p:grpSpPr>
+        <a:xfrm>
+          <a:off x="0" y="0"/>
+          <a:ext cx="0" cy="0"/>
+          <a:chOff x="0" y="0"/>
+          <a:chExt cx="0" cy="0"/>
+        </a:xfrm>
+      </p:grpSpPr>
+      <p:sp>
+        <p:nvSpPr>
+          <p:cNvPr id="2" name="Title 1">
+            <a:extLst>
+              <a:ext uri="{FF2B5EF4-FFF2-40B4-BE49-F238E27FC236}">
+                <a16:creationId xmlns:a16="http://schemas.microsoft.com/office/drawing/2014/main" id="{05C73558-9850-4C4D-0C7D-615EA9C9149C}"/>
+              </a:ext>
+            </a:extLst>
+          </p:cNvPr>
+          <p:cNvSpPr>
+            <a:spLocks noGrp="1"/>
+          </p:cNvSpPr>
+          <p:nvPr>
+            <p:ph type="title"/>
+          </p:nvPr>
+        </p:nvSpPr>
+        <p:spPr>
+          <a:xfrm>
+            <a:off x="643467" y="321734"/>
+            <a:ext cx="10905066" cy="1135737"/>
+          </a:xfrm>
+        </p:spPr>
+        <p:txBody>
+          <a:bodyPr>
+            <a:normAutofit/>
+          </a:bodyPr>
+          <a:lstStyle/>
+          <a:p>
+            <a:r>
+              <a:rPr lang="en-US" sz="3600" b="1" dirty="0">
+                <a:latin typeface="Times New Roman"/>
+                <a:cs typeface="Calibri Light"/>
+              </a:rPr>
+              <a:t>References</a:t>
+            </a:r>
+            <a:endParaRPr lang="en-US" sz="3600" b="1" dirty="0">
+              <a:latin typeface="Times New Roman"/>
+              <a:cs typeface="Times New Roman"/>
+            </a:endParaRPr>
+          </a:p>
+        </p:txBody>
+      </p:sp>
+      <p:sp>
+        <p:nvSpPr>
+          <p:cNvPr id="3" name="Content Placeholder 2">
+            <a:extLst>
+              <a:ext uri="{FF2B5EF4-FFF2-40B4-BE49-F238E27FC236}">
+                <a16:creationId xmlns:a16="http://schemas.microsoft.com/office/drawing/2014/main" id="{CAA490FF-A792-B0B4-12CA-F56458A6D023}"/>
+              </a:ext>
+            </a:extLst>
+          </p:cNvPr>
+          <p:cNvSpPr>
+            <a:spLocks noGrp="1"/>
+          </p:cNvSpPr>
+          <p:nvPr>
+            <p:ph idx="1"/>
+          </p:nvPr>
+        </p:nvSpPr>
+        <p:spPr>
+          <a:xfrm>
+            <a:off x="643467" y="1300766"/>
+            <a:ext cx="10905066" cy="4876198"/>
+          </a:xfrm>
+        </p:spPr>
+        <p:txBody>
+          <a:bodyPr vert="horz" lIns="91440" tIns="45720" rIns="91440" bIns="45720" rtlCol="0" anchor="t">
+            <a:noAutofit/>
+          </a:bodyPr>
+          <a:lstStyle/>
+          <a:p>
+            <a:pPr marL="0" indent="0" algn="just">
+              <a:lnSpc>
+                <a:spcPct val="150000"/>
+              </a:lnSpc>
+              <a:spcBef>
+                <a:spcPts val="0"/>
+              </a:spcBef>
+              <a:buNone/>
+            </a:pPr>
+            <a:r>
+              <a:rPr lang="en-US" sz="2000" dirty="0">
+                <a:latin typeface="Times New Roman" panose="02020603050405020304" pitchFamily="18" charset="0"/>
+                <a:cs typeface="Times New Roman" panose="02020603050405020304" pitchFamily="18" charset="0"/>
+              </a:rPr>
+              <a:t>[1] S. Salve, T. Shah, V. </a:t>
+            </a:r>
+            <a:r>
+              <a:rPr lang="en-US" sz="2000" dirty="0" err="1">
+                <a:latin typeface="Times New Roman" panose="02020603050405020304" pitchFamily="18" charset="0"/>
+                <a:cs typeface="Times New Roman" panose="02020603050405020304" pitchFamily="18" charset="0"/>
+              </a:rPr>
+              <a:t>Ranjane</a:t>
+            </a:r>
+            <a:r>
+              <a:rPr lang="en-US" sz="2000" dirty="0">
+                <a:latin typeface="Times New Roman" panose="02020603050405020304" pitchFamily="18" charset="0"/>
+                <a:cs typeface="Times New Roman" panose="02020603050405020304" pitchFamily="18" charset="0"/>
+              </a:rPr>
+              <a:t>, and S. </a:t>
+            </a:r>
+            <a:r>
+              <a:rPr lang="en-US" sz="2000" dirty="0" err="1">
+                <a:latin typeface="Times New Roman" panose="02020603050405020304" pitchFamily="18" charset="0"/>
+                <a:cs typeface="Times New Roman" panose="02020603050405020304" pitchFamily="18" charset="0"/>
+              </a:rPr>
+              <a:t>Sadhukhan</a:t>
+            </a:r>
+            <a:r>
+              <a:rPr lang="en-US" sz="2000" dirty="0">
+                <a:latin typeface="Times New Roman" panose="02020603050405020304" pitchFamily="18" charset="0"/>
+                <a:cs typeface="Times New Roman" panose="02020603050405020304" pitchFamily="18" charset="0"/>
+              </a:rPr>
+              <a:t>, "Automatization of coloring grayscale images using convolutional neural network," 2018.</a:t>
+            </a:r>
+          </a:p>
+          <a:p>
+            <a:pPr marL="0" indent="0" algn="just">
+              <a:lnSpc>
+                <a:spcPct val="150000"/>
+              </a:lnSpc>
+              <a:spcBef>
+                <a:spcPts val="0"/>
+              </a:spcBef>
+              <a:buNone/>
+            </a:pPr>
+            <a:r>
+              <a:rPr lang="en-US" sz="2000" dirty="0">
+                <a:latin typeface="Times New Roman" panose="02020603050405020304" pitchFamily="18" charset="0"/>
+                <a:cs typeface="Times New Roman" panose="02020603050405020304" pitchFamily="18" charset="0"/>
+              </a:rPr>
+              <a:t>[2] V. K. Putri and M. I. Fanany, "Sketch plus colorization deep convolutional neural networks for photos generation from sketches," pp. 1-6, 2017. </a:t>
+            </a:r>
+          </a:p>
+          <a:p>
+            <a:pPr marL="0" indent="0" algn="just">
+              <a:lnSpc>
+                <a:spcPct val="150000"/>
+              </a:lnSpc>
+              <a:spcBef>
+                <a:spcPts val="0"/>
+              </a:spcBef>
+              <a:buNone/>
+            </a:pPr>
+            <a:r>
+              <a:rPr lang="en-US" sz="2000" dirty="0">
+                <a:latin typeface="Times New Roman" panose="02020603050405020304" pitchFamily="18" charset="0"/>
+                <a:cs typeface="Times New Roman" panose="02020603050405020304" pitchFamily="18" charset="0"/>
+              </a:rPr>
+              <a:t>[3] H. H. Chen Y, "An improved method for semantic image inpainting with </a:t>
+            </a:r>
+            <a:r>
+              <a:rPr lang="en-US" sz="2000" dirty="0" err="1">
+                <a:latin typeface="Times New Roman" panose="02020603050405020304" pitchFamily="18" charset="0"/>
+                <a:cs typeface="Times New Roman" panose="02020603050405020304" pitchFamily="18" charset="0"/>
+              </a:rPr>
+              <a:t>gans</a:t>
+            </a:r>
+            <a:r>
+              <a:rPr lang="en-US" sz="2000" dirty="0">
+                <a:latin typeface="Times New Roman" panose="02020603050405020304" pitchFamily="18" charset="0"/>
+                <a:cs typeface="Times New Roman" panose="02020603050405020304" pitchFamily="18" charset="0"/>
+              </a:rPr>
+              <a:t>: progressive inpainting.," Neural Process Lett, p. 1355–1367, 2019. </a:t>
+            </a:r>
+          </a:p>
+          <a:p>
+            <a:pPr marL="0" indent="0" algn="just">
+              <a:lnSpc>
+                <a:spcPct val="150000"/>
+              </a:lnSpc>
+              <a:spcBef>
+                <a:spcPts val="0"/>
+              </a:spcBef>
+              <a:buNone/>
+            </a:pPr>
+            <a:r>
+              <a:rPr lang="en-US" sz="2000" dirty="0">
+                <a:latin typeface="Times New Roman" panose="02020603050405020304" pitchFamily="18" charset="0"/>
+                <a:cs typeface="Times New Roman" panose="02020603050405020304" pitchFamily="18" charset="0"/>
+              </a:rPr>
+              <a:t>[4] Vitoria P, </a:t>
+            </a:r>
+            <a:r>
+              <a:rPr lang="en-US" sz="2000" dirty="0" err="1">
+                <a:latin typeface="Times New Roman" panose="02020603050405020304" pitchFamily="18" charset="0"/>
+                <a:cs typeface="Times New Roman" panose="02020603050405020304" pitchFamily="18" charset="0"/>
+              </a:rPr>
+              <a:t>Sintes</a:t>
+            </a:r>
+            <a:r>
+              <a:rPr lang="en-US" sz="2000" dirty="0">
+                <a:latin typeface="Times New Roman" panose="02020603050405020304" pitchFamily="18" charset="0"/>
+                <a:cs typeface="Times New Roman" panose="02020603050405020304" pitchFamily="18" charset="0"/>
+              </a:rPr>
+              <a:t> J, </a:t>
+            </a:r>
+            <a:r>
+              <a:rPr lang="en-US" sz="2000" dirty="0" err="1">
+                <a:latin typeface="Times New Roman" panose="02020603050405020304" pitchFamily="18" charset="0"/>
+                <a:cs typeface="Times New Roman" panose="02020603050405020304" pitchFamily="18" charset="0"/>
+              </a:rPr>
+              <a:t>Ballester</a:t>
+            </a:r>
+            <a:r>
+              <a:rPr lang="en-US" sz="2000" dirty="0">
+                <a:latin typeface="Times New Roman" panose="02020603050405020304" pitchFamily="18" charset="0"/>
+                <a:cs typeface="Times New Roman" panose="02020603050405020304" pitchFamily="18" charset="0"/>
+              </a:rPr>
+              <a:t> C, "Semantic image inpainting through improved Wasserstein generative adversarial networks," 2018.</a:t>
+            </a:r>
+          </a:p>
+          <a:p>
+            <a:pPr marL="0" indent="0" algn="just">
+              <a:lnSpc>
+                <a:spcPct val="150000"/>
+              </a:lnSpc>
+              <a:spcBef>
+                <a:spcPts val="0"/>
+              </a:spcBef>
+              <a:buNone/>
+            </a:pPr>
+            <a:r>
+              <a:rPr lang="en-US" sz="2000" dirty="0">
+                <a:latin typeface="Times New Roman" panose="02020603050405020304" pitchFamily="18" charset="0"/>
+                <a:cs typeface="Times New Roman" panose="02020603050405020304" pitchFamily="18" charset="0"/>
+              </a:rPr>
+              <a:t>[5] </a:t>
+            </a:r>
+            <a:r>
+              <a:rPr lang="en-US" sz="2000" dirty="0" err="1">
+                <a:latin typeface="Times New Roman" panose="02020603050405020304" pitchFamily="18" charset="0"/>
+                <a:cs typeface="Times New Roman" panose="02020603050405020304" pitchFamily="18" charset="0"/>
+              </a:rPr>
+              <a:t>Nazeri</a:t>
+            </a:r>
+            <a:r>
+              <a:rPr lang="en-US" sz="2000" dirty="0">
+                <a:latin typeface="Times New Roman" panose="02020603050405020304" pitchFamily="18" charset="0"/>
+                <a:cs typeface="Times New Roman" panose="02020603050405020304" pitchFamily="18" charset="0"/>
+              </a:rPr>
+              <a:t> K, Ng E, Joseph T, Qureshi F, Ebrahimi M, "</a:t>
+            </a:r>
+            <a:r>
+              <a:rPr lang="en-US" sz="2000" dirty="0" err="1">
+                <a:latin typeface="Times New Roman" panose="02020603050405020304" pitchFamily="18" charset="0"/>
+                <a:cs typeface="Times New Roman" panose="02020603050405020304" pitchFamily="18" charset="0"/>
+              </a:rPr>
+              <a:t>Edgeconnect</a:t>
+            </a:r>
+            <a:r>
+              <a:rPr lang="en-US" sz="2000" dirty="0">
+                <a:latin typeface="Times New Roman" panose="02020603050405020304" pitchFamily="18" charset="0"/>
+                <a:cs typeface="Times New Roman" panose="02020603050405020304" pitchFamily="18" charset="0"/>
+              </a:rPr>
+              <a:t>: generative image inpainting with adversarial edge learning," 2019.  </a:t>
+            </a:r>
+          </a:p>
+          <a:p>
+            <a:pPr marL="0" indent="0" algn="just">
+              <a:lnSpc>
+                <a:spcPct val="150000"/>
+              </a:lnSpc>
+              <a:spcBef>
+                <a:spcPts val="0"/>
+              </a:spcBef>
+              <a:buNone/>
+            </a:pPr>
+            <a:r>
+              <a:rPr lang="en-US" sz="2000" dirty="0">
+                <a:latin typeface="Times New Roman" panose="02020603050405020304" pitchFamily="18" charset="0"/>
+                <a:cs typeface="Times New Roman" panose="02020603050405020304" pitchFamily="18" charset="0"/>
+              </a:rPr>
+              <a:t>[6] Yuan L, </a:t>
+            </a:r>
+            <a:r>
+              <a:rPr lang="en-US" sz="2000" dirty="0" err="1">
+                <a:latin typeface="Times New Roman" panose="02020603050405020304" pitchFamily="18" charset="0"/>
+                <a:cs typeface="Times New Roman" panose="02020603050405020304" pitchFamily="18" charset="0"/>
+              </a:rPr>
+              <a:t>Ruan</a:t>
+            </a:r>
+            <a:r>
+              <a:rPr lang="en-US" sz="2000" dirty="0">
+                <a:latin typeface="Times New Roman" panose="02020603050405020304" pitchFamily="18" charset="0"/>
+                <a:cs typeface="Times New Roman" panose="02020603050405020304" pitchFamily="18" charset="0"/>
+              </a:rPr>
+              <a:t> C, Hu H, Chen D, "Image inpainting based on patch-GANs," 2019. </a:t>
+            </a:r>
+          </a:p>
+          <a:p>
+            <a:pPr marL="457200" indent="-457200" algn="just">
+              <a:buAutoNum type="arabicPeriod"/>
+            </a:pPr>
+            <a:endParaRPr lang="en-US" sz="2000" dirty="0">
+              <a:latin typeface="Times New Roman" panose="02020603050405020304" pitchFamily="18" charset="0"/>
+              <a:cs typeface="Times New Roman" panose="02020603050405020304" pitchFamily="18" charset="0"/>
+            </a:endParaRPr>
+          </a:p>
+        </p:txBody>
+      </p:sp>
+    </p:spTree>
+    <p:extLst>
+      <p:ext uri="{BB962C8B-B14F-4D97-AF65-F5344CB8AC3E}">
+        <p14:creationId xmlns:p14="http://schemas.microsoft.com/office/powerpoint/2010/main" val="3745978786"/>
+      </p:ext>
+    </p:extLst>
+  </p:cSld>
+  <p:clrMapOvr>
+    <a:masterClrMapping/>
+  </p:clrMapOvr>
+</p:sld>
+</file>
+
+<file path=ppt/slides/slide25.xml><?xml version="1.0" encoding="utf-8"?>
+<p:sld xmlns:a="http://schemas.openxmlformats.org/drawingml/2006/main" xmlns:r="http://schemas.openxmlformats.org/officeDocument/2006/relationships" xmlns:p="http://schemas.openxmlformats.org/presentationml/2006/main">
+  <p:cSld>
+    <p:bg>
+      <p:bgPr>
+        <a:solidFill>
+          <a:schemeClr val="bg1"/>
+        </a:solidFill>
+        <a:effectLst/>
+      </p:bgPr>
+    </p:bg>
+    <p:spTree>
+      <p:nvGrpSpPr>
+        <p:cNvPr id="1" name=""/>
+        <p:cNvGrpSpPr/>
+        <p:nvPr/>
+      </p:nvGrpSpPr>
+      <p:grpSpPr>
+        <a:xfrm>
+          <a:off x="0" y="0"/>
+          <a:ext cx="0" cy="0"/>
+          <a:chOff x="0" y="0"/>
+          <a:chExt cx="0" cy="0"/>
+        </a:xfrm>
+      </p:grpSpPr>
+      <p:sp>
+        <p:nvSpPr>
+          <p:cNvPr id="3" name="Content Placeholder 2">
+            <a:extLst>
+              <a:ext uri="{FF2B5EF4-FFF2-40B4-BE49-F238E27FC236}">
+                <a16:creationId xmlns:a16="http://schemas.microsoft.com/office/drawing/2014/main" id="{27F2EB5A-25A5-83FB-83F4-B9F8B2B91077}"/>
+              </a:ext>
+            </a:extLst>
+          </p:cNvPr>
+          <p:cNvSpPr>
+            <a:spLocks noGrp="1"/>
+          </p:cNvSpPr>
+          <p:nvPr>
+            <p:ph idx="1"/>
+          </p:nvPr>
+        </p:nvSpPr>
+        <p:spPr>
+          <a:xfrm>
+            <a:off x="643467" y="1076737"/>
+            <a:ext cx="10905066" cy="4393982"/>
+          </a:xfrm>
+        </p:spPr>
+        <p:txBody>
+          <a:bodyPr vert="horz" lIns="91440" tIns="45720" rIns="91440" bIns="45720" rtlCol="0" anchor="ctr">
+            <a:normAutofit/>
+          </a:bodyPr>
+          <a:lstStyle/>
+          <a:p>
+            <a:pPr marL="0" indent="0" algn="ctr">
+              <a:buNone/>
+            </a:pPr>
+            <a:r>
+              <a:rPr lang="en-US" sz="5000" dirty="0">
+                <a:latin typeface="Times New Roman"/>
+                <a:cs typeface="Calibri" panose="020F0502020204030204"/>
+              </a:rPr>
+              <a:t>Thank You</a:t>
+            </a:r>
+            <a:endParaRPr lang="en-US" sz="5000" dirty="0">
+              <a:cs typeface="Calibri"/>
+            </a:endParaRPr>
+          </a:p>
+        </p:txBody>
+      </p:sp>
+    </p:spTree>
+    <p:extLst>
+      <p:ext uri="{BB962C8B-B14F-4D97-AF65-F5344CB8AC3E}">
+        <p14:creationId xmlns:p14="http://schemas.microsoft.com/office/powerpoint/2010/main" val="1770231167"/>
       </p:ext>
     </p:extLst>
   </p:cSld>
@@ -7227,69 +6254,6 @@
       </p:grpSpPr>
       <p:sp>
         <p:nvSpPr>
-          <p:cNvPr id="42" name="Rectangle 7">
-            <a:extLst>
-              <a:ext uri="{FF2B5EF4-FFF2-40B4-BE49-F238E27FC236}">
-                <a16:creationId xmlns:a16="http://schemas.microsoft.com/office/drawing/2014/main" id="{2B566528-1B12-4246-9431-5C2D7D081168}"/>
-              </a:ext>
-              <a:ext uri="{C183D7F6-B498-43B3-948B-1728B52AA6E4}">
-                <adec:decorative xmlns:adec="http://schemas.microsoft.com/office/drawing/2017/decorative" val="1"/>
-              </a:ext>
-            </a:extLst>
-          </p:cNvPr>
-          <p:cNvSpPr>
-            <a:spLocks noGrp="1" noRot="1" noChangeAspect="1" noMove="1" noResize="1" noEditPoints="1" noAdjustHandles="1" noChangeArrowheads="1" noChangeShapeType="1" noTextEdit="1"/>
-          </p:cNvSpPr>
-          <p:nvPr>
-            <p:extLst>
-              <p:ext uri="{386F3935-93C4-4BCD-93E2-E3B085C9AB24}">
-                <p16:designElem xmlns:p16="http://schemas.microsoft.com/office/powerpoint/2015/main" val="1"/>
-              </p:ext>
-            </p:extLst>
-          </p:nvPr>
-        </p:nvSpPr>
-        <p:spPr>
-          <a:xfrm>
-            <a:off x="0" y="0"/>
-            <a:ext cx="12192000" cy="6858000"/>
-          </a:xfrm>
-          <a:prstGeom prst="rect">
-            <a:avLst/>
-          </a:prstGeom>
-          <a:solidFill>
-            <a:schemeClr val="bg1"/>
-          </a:solidFill>
-          <a:ln>
-            <a:noFill/>
-          </a:ln>
-        </p:spPr>
-        <p:style>
-          <a:lnRef idx="2">
-            <a:schemeClr val="accent1">
-              <a:shade val="50000"/>
-            </a:schemeClr>
-          </a:lnRef>
-          <a:fillRef idx="1">
-            <a:schemeClr val="accent1"/>
-          </a:fillRef>
-          <a:effectRef idx="0">
-            <a:schemeClr val="accent1"/>
-          </a:effectRef>
-          <a:fontRef idx="minor">
-            <a:schemeClr val="lt1"/>
-          </a:fontRef>
-        </p:style>
-        <p:txBody>
-          <a:bodyPr rtlCol="0" anchor="ctr"/>
-          <a:lstStyle/>
-          <a:p>
-            <a:pPr algn="ctr"/>
-            <a:endParaRPr lang="en-US" dirty="0"/>
-          </a:p>
-        </p:txBody>
-      </p:sp>
-      <p:sp>
-        <p:nvSpPr>
           <p:cNvPr id="2" name="Title 1">
             <a:extLst>
               <a:ext uri="{FF2B5EF4-FFF2-40B4-BE49-F238E27FC236}">
@@ -7401,274 +6365,6 @@
               <a:latin typeface="Times New Roman"/>
               <a:cs typeface="Times New Roman"/>
             </a:endParaRPr>
-          </a:p>
-        </p:txBody>
-      </p:sp>
-      <p:sp>
-        <p:nvSpPr>
-          <p:cNvPr id="44" name="Rectangle 9">
-            <a:extLst>
-              <a:ext uri="{FF2B5EF4-FFF2-40B4-BE49-F238E27FC236}">
-                <a16:creationId xmlns:a16="http://schemas.microsoft.com/office/drawing/2014/main" id="{2E80C965-DB6D-4F81-9E9E-B027384D0BD6}"/>
-              </a:ext>
-              <a:ext uri="{C183D7F6-B498-43B3-948B-1728B52AA6E4}">
-                <adec:decorative xmlns:adec="http://schemas.microsoft.com/office/drawing/2017/decorative" val="1"/>
-              </a:ext>
-            </a:extLst>
-          </p:cNvPr>
-          <p:cNvSpPr>
-            <a:spLocks noGrp="1" noRot="1" noChangeAspect="1" noMove="1" noResize="1" noEditPoints="1" noAdjustHandles="1" noChangeArrowheads="1" noChangeShapeType="1" noTextEdit="1"/>
-          </p:cNvSpPr>
-          <p:nvPr>
-            <p:extLst>
-              <p:ext uri="{386F3935-93C4-4BCD-93E2-E3B085C9AB24}">
-                <p16:designElem xmlns:p16="http://schemas.microsoft.com/office/powerpoint/2015/main" val="1"/>
-              </p:ext>
-            </p:extLst>
-          </p:nvPr>
-        </p:nvSpPr>
-        <p:spPr>
-          <a:xfrm rot="2700000">
-            <a:off x="11052629" y="2120024"/>
-            <a:ext cx="645368" cy="645368"/>
-          </a:xfrm>
-          <a:prstGeom prst="rect">
-            <a:avLst/>
-          </a:prstGeom>
-          <a:solidFill>
-            <a:schemeClr val="accent4">
-              <a:alpha val="30000"/>
-            </a:schemeClr>
-          </a:solidFill>
-          <a:ln>
-            <a:noFill/>
-          </a:ln>
-        </p:spPr>
-        <p:style>
-          <a:lnRef idx="2">
-            <a:schemeClr val="accent1">
-              <a:shade val="50000"/>
-            </a:schemeClr>
-          </a:lnRef>
-          <a:fillRef idx="1">
-            <a:schemeClr val="accent1"/>
-          </a:fillRef>
-          <a:effectRef idx="0">
-            <a:schemeClr val="accent1"/>
-          </a:effectRef>
-          <a:fontRef idx="minor">
-            <a:schemeClr val="lt1"/>
-          </a:fontRef>
-        </p:style>
-        <p:txBody>
-          <a:bodyPr rtlCol="0" anchor="ctr"/>
-          <a:lstStyle/>
-          <a:p>
-            <a:pPr algn="ctr"/>
-            <a:endParaRPr lang="en-US"/>
-          </a:p>
-        </p:txBody>
-      </p:sp>
-      <p:sp>
-        <p:nvSpPr>
-          <p:cNvPr id="45" name="Isosceles Triangle 11">
-            <a:extLst>
-              <a:ext uri="{FF2B5EF4-FFF2-40B4-BE49-F238E27FC236}">
-                <a16:creationId xmlns:a16="http://schemas.microsoft.com/office/drawing/2014/main" id="{A580F890-B085-4E95-96AA-55AEBEC5CE6E}"/>
-              </a:ext>
-              <a:ext uri="{C183D7F6-B498-43B3-948B-1728B52AA6E4}">
-                <adec:decorative xmlns:adec="http://schemas.microsoft.com/office/drawing/2017/decorative" val="1"/>
-              </a:ext>
-            </a:extLst>
-          </p:cNvPr>
-          <p:cNvSpPr>
-            <a:spLocks noGrp="1" noRot="1" noChangeAspect="1" noMove="1" noResize="1" noEditPoints="1" noAdjustHandles="1" noChangeArrowheads="1" noChangeShapeType="1" noTextEdit="1"/>
-          </p:cNvSpPr>
-          <p:nvPr>
-            <p:extLst>
-              <p:ext uri="{386F3935-93C4-4BCD-93E2-E3B085C9AB24}">
-                <p16:designElem xmlns:p16="http://schemas.microsoft.com/office/powerpoint/2015/main" val="1"/>
-              </p:ext>
-            </p:extLst>
-          </p:nvPr>
-        </p:nvSpPr>
-        <p:spPr>
-          <a:xfrm rot="16200000">
-            <a:off x="10289068" y="1343027"/>
-            <a:ext cx="2532832" cy="1273032"/>
-          </a:xfrm>
-          <a:prstGeom prst="triangle">
-            <a:avLst>
-              <a:gd name="adj" fmla="val 50000"/>
-            </a:avLst>
-          </a:prstGeom>
-          <a:solidFill>
-            <a:schemeClr val="accent4">
-              <a:alpha val="30000"/>
-            </a:schemeClr>
-          </a:solidFill>
-          <a:ln>
-            <a:noFill/>
-          </a:ln>
-        </p:spPr>
-        <p:style>
-          <a:lnRef idx="2">
-            <a:schemeClr val="accent1">
-              <a:shade val="50000"/>
-            </a:schemeClr>
-          </a:lnRef>
-          <a:fillRef idx="1">
-            <a:schemeClr val="accent1"/>
-          </a:fillRef>
-          <a:effectRef idx="0">
-            <a:schemeClr val="accent1"/>
-          </a:effectRef>
-          <a:fontRef idx="minor">
-            <a:schemeClr val="lt1"/>
-          </a:fontRef>
-        </p:style>
-        <p:txBody>
-          <a:bodyPr rtlCol="0" anchor="ctr"/>
-          <a:lstStyle/>
-          <a:p>
-            <a:pPr algn="ctr"/>
-            <a:endParaRPr lang="en-US"/>
-          </a:p>
-        </p:txBody>
-      </p:sp>
-      <p:sp>
-        <p:nvSpPr>
-          <p:cNvPr id="46" name="Isosceles Triangle 13">
-            <a:extLst>
-              <a:ext uri="{FF2B5EF4-FFF2-40B4-BE49-F238E27FC236}">
-                <a16:creationId xmlns:a16="http://schemas.microsoft.com/office/drawing/2014/main" id="{D3F51FEB-38FB-4F6C-9F7B-2F2AFAB65463}"/>
-              </a:ext>
-              <a:ext uri="{C183D7F6-B498-43B3-948B-1728B52AA6E4}">
-                <adec:decorative xmlns:adec="http://schemas.microsoft.com/office/drawing/2017/decorative" val="1"/>
-              </a:ext>
-            </a:extLst>
-          </p:cNvPr>
-          <p:cNvSpPr>
-            <a:spLocks noGrp="1" noRot="1" noChangeAspect="1" noMove="1" noResize="1" noEditPoints="1" noAdjustHandles="1" noChangeArrowheads="1" noChangeShapeType="1" noTextEdit="1"/>
-          </p:cNvSpPr>
-          <p:nvPr>
-            <p:extLst>
-              <p:ext uri="{386F3935-93C4-4BCD-93E2-E3B085C9AB24}">
-                <p16:designElem xmlns:p16="http://schemas.microsoft.com/office/powerpoint/2015/main" val="1"/>
-              </p:ext>
-            </p:extLst>
-          </p:nvPr>
-        </p:nvSpPr>
-        <p:spPr>
-          <a:xfrm rot="5400000">
-            <a:off x="-501760" y="5103257"/>
-            <a:ext cx="2017580" cy="1014060"/>
-          </a:xfrm>
-          <a:prstGeom prst="triangle">
-            <a:avLst>
-              <a:gd name="adj" fmla="val 50000"/>
-            </a:avLst>
-          </a:prstGeom>
-          <a:solidFill>
-            <a:schemeClr val="accent1">
-              <a:alpha val="30000"/>
-            </a:schemeClr>
-          </a:solidFill>
-          <a:ln>
-            <a:noFill/>
-          </a:ln>
-        </p:spPr>
-        <p:style>
-          <a:lnRef idx="2">
-            <a:schemeClr val="accent1">
-              <a:shade val="50000"/>
-            </a:schemeClr>
-          </a:lnRef>
-          <a:fillRef idx="1">
-            <a:schemeClr val="accent1"/>
-          </a:fillRef>
-          <a:effectRef idx="0">
-            <a:schemeClr val="accent1"/>
-          </a:effectRef>
-          <a:fontRef idx="minor">
-            <a:schemeClr val="lt1"/>
-          </a:fontRef>
-        </p:style>
-        <p:txBody>
-          <a:bodyPr wrap="square" rtlCol="0" anchor="ctr">
-            <a:noAutofit/>
-          </a:bodyPr>
-          <a:lstStyle/>
-          <a:p>
-            <a:pPr algn="ctr"/>
-            <a:endParaRPr lang="en-US"/>
-          </a:p>
-        </p:txBody>
-      </p:sp>
-      <p:sp>
-        <p:nvSpPr>
-          <p:cNvPr id="47" name="Rectangle 15">
-            <a:extLst>
-              <a:ext uri="{FF2B5EF4-FFF2-40B4-BE49-F238E27FC236}">
-                <a16:creationId xmlns:a16="http://schemas.microsoft.com/office/drawing/2014/main" id="{1E547BA6-BAE0-43BB-A7CA-60F69CE252F0}"/>
-              </a:ext>
-              <a:ext uri="{C183D7F6-B498-43B3-948B-1728B52AA6E4}">
-                <adec:decorative xmlns:adec="http://schemas.microsoft.com/office/drawing/2017/decorative" val="1"/>
-              </a:ext>
-            </a:extLst>
-          </p:cNvPr>
-          <p:cNvSpPr>
-            <a:spLocks noGrp="1" noRot="1" noChangeAspect="1" noMove="1" noResize="1" noEditPoints="1" noAdjustHandles="1" noChangeArrowheads="1" noChangeShapeType="1" noTextEdit="1"/>
-          </p:cNvSpPr>
-          <p:nvPr>
-            <p:extLst>
-              <p:ext uri="{386F3935-93C4-4BCD-93E2-E3B085C9AB24}">
-                <p16:designElem xmlns:p16="http://schemas.microsoft.com/office/powerpoint/2015/main" val="1"/>
-              </p:ext>
-            </p:extLst>
-          </p:nvPr>
-        </p:nvSpPr>
-        <p:spPr>
-          <a:xfrm rot="2700000">
-            <a:off x="427916" y="5728708"/>
-            <a:ext cx="485578" cy="485578"/>
-          </a:xfrm>
-          <a:prstGeom prst="rect">
-            <a:avLst/>
-          </a:prstGeom>
-          <a:solidFill>
-            <a:schemeClr val="accent1">
-              <a:alpha val="30000"/>
-            </a:schemeClr>
-          </a:solidFill>
-          <a:ln>
-            <a:noFill/>
-          </a:ln>
-        </p:spPr>
-        <p:style>
-          <a:lnRef idx="2">
-            <a:schemeClr val="accent1">
-              <a:shade val="50000"/>
-            </a:schemeClr>
-          </a:lnRef>
-          <a:fillRef idx="1">
-            <a:schemeClr val="accent1"/>
-          </a:fillRef>
-          <a:effectRef idx="0">
-            <a:schemeClr val="accent1"/>
-          </a:effectRef>
-          <a:fontRef idx="minor">
-            <a:schemeClr val="lt1"/>
-          </a:fontRef>
-        </p:style>
-        <p:txBody>
-          <a:bodyPr wrap="square" rtlCol="0" anchor="ctr">
-            <a:noAutofit/>
-          </a:bodyPr>
-          <a:lstStyle/>
-          <a:p>
-            <a:pPr algn="ctr"/>
-            <a:endParaRPr lang="en-US"/>
           </a:p>
         </p:txBody>
       </p:sp>
@@ -7712,69 +6408,6 @@
       </p:grpSpPr>
       <p:sp>
         <p:nvSpPr>
-          <p:cNvPr id="8" name="Rectangle 7">
-            <a:extLst>
-              <a:ext uri="{FF2B5EF4-FFF2-40B4-BE49-F238E27FC236}">
-                <a16:creationId xmlns:a16="http://schemas.microsoft.com/office/drawing/2014/main" id="{2B566528-1B12-4246-9431-5C2D7D081168}"/>
-              </a:ext>
-              <a:ext uri="{C183D7F6-B498-43B3-948B-1728B52AA6E4}">
-                <adec:decorative xmlns:adec="http://schemas.microsoft.com/office/drawing/2017/decorative" val="1"/>
-              </a:ext>
-            </a:extLst>
-          </p:cNvPr>
-          <p:cNvSpPr>
-            <a:spLocks noGrp="1" noRot="1" noChangeAspect="1" noMove="1" noResize="1" noEditPoints="1" noAdjustHandles="1" noChangeArrowheads="1" noChangeShapeType="1" noTextEdit="1"/>
-          </p:cNvSpPr>
-          <p:nvPr>
-            <p:extLst>
-              <p:ext uri="{386F3935-93C4-4BCD-93E2-E3B085C9AB24}">
-                <p16:designElem xmlns:p16="http://schemas.microsoft.com/office/powerpoint/2015/main" val="1"/>
-              </p:ext>
-            </p:extLst>
-          </p:nvPr>
-        </p:nvSpPr>
-        <p:spPr>
-          <a:xfrm>
-            <a:off x="0" y="0"/>
-            <a:ext cx="12192000" cy="6858000"/>
-          </a:xfrm>
-          <a:prstGeom prst="rect">
-            <a:avLst/>
-          </a:prstGeom>
-          <a:solidFill>
-            <a:schemeClr val="bg1"/>
-          </a:solidFill>
-          <a:ln>
-            <a:noFill/>
-          </a:ln>
-        </p:spPr>
-        <p:style>
-          <a:lnRef idx="2">
-            <a:schemeClr val="accent1">
-              <a:shade val="50000"/>
-            </a:schemeClr>
-          </a:lnRef>
-          <a:fillRef idx="1">
-            <a:schemeClr val="accent1"/>
-          </a:fillRef>
-          <a:effectRef idx="0">
-            <a:schemeClr val="accent1"/>
-          </a:effectRef>
-          <a:fontRef idx="minor">
-            <a:schemeClr val="lt1"/>
-          </a:fontRef>
-        </p:style>
-        <p:txBody>
-          <a:bodyPr rtlCol="0" anchor="ctr"/>
-          <a:lstStyle/>
-          <a:p>
-            <a:pPr algn="ctr"/>
-            <a:endParaRPr lang="en-US" dirty="0"/>
-          </a:p>
-        </p:txBody>
-      </p:sp>
-      <p:sp>
-        <p:nvSpPr>
           <p:cNvPr id="2" name="Title 1">
             <a:extLst>
               <a:ext uri="{FF2B5EF4-FFF2-40B4-BE49-F238E27FC236}">
@@ -7830,7 +6463,7 @@
         <p:spPr>
           <a:xfrm>
             <a:off x="643467" y="1782981"/>
-            <a:ext cx="10905066" cy="4393982"/>
+            <a:ext cx="10509637" cy="4393982"/>
           </a:xfrm>
         </p:spPr>
         <p:txBody>
@@ -7904,274 +6537,6 @@
             <a:endParaRPr lang="en-US" sz="3200" dirty="0">
               <a:cs typeface="Calibri"/>
             </a:endParaRPr>
-          </a:p>
-        </p:txBody>
-      </p:sp>
-      <p:sp>
-        <p:nvSpPr>
-          <p:cNvPr id="10" name="Rectangle 9">
-            <a:extLst>
-              <a:ext uri="{FF2B5EF4-FFF2-40B4-BE49-F238E27FC236}">
-                <a16:creationId xmlns:a16="http://schemas.microsoft.com/office/drawing/2014/main" id="{2E80C965-DB6D-4F81-9E9E-B027384D0BD6}"/>
-              </a:ext>
-              <a:ext uri="{C183D7F6-B498-43B3-948B-1728B52AA6E4}">
-                <adec:decorative xmlns:adec="http://schemas.microsoft.com/office/drawing/2017/decorative" val="1"/>
-              </a:ext>
-            </a:extLst>
-          </p:cNvPr>
-          <p:cNvSpPr>
-            <a:spLocks noGrp="1" noRot="1" noChangeAspect="1" noMove="1" noResize="1" noEditPoints="1" noAdjustHandles="1" noChangeArrowheads="1" noChangeShapeType="1" noTextEdit="1"/>
-          </p:cNvSpPr>
-          <p:nvPr>
-            <p:extLst>
-              <p:ext uri="{386F3935-93C4-4BCD-93E2-E3B085C9AB24}">
-                <p16:designElem xmlns:p16="http://schemas.microsoft.com/office/powerpoint/2015/main" val="1"/>
-              </p:ext>
-            </p:extLst>
-          </p:nvPr>
-        </p:nvSpPr>
-        <p:spPr>
-          <a:xfrm rot="2700000">
-            <a:off x="11052629" y="2120024"/>
-            <a:ext cx="645368" cy="645368"/>
-          </a:xfrm>
-          <a:prstGeom prst="rect">
-            <a:avLst/>
-          </a:prstGeom>
-          <a:solidFill>
-            <a:schemeClr val="accent4">
-              <a:alpha val="30000"/>
-            </a:schemeClr>
-          </a:solidFill>
-          <a:ln>
-            <a:noFill/>
-          </a:ln>
-        </p:spPr>
-        <p:style>
-          <a:lnRef idx="2">
-            <a:schemeClr val="accent1">
-              <a:shade val="50000"/>
-            </a:schemeClr>
-          </a:lnRef>
-          <a:fillRef idx="1">
-            <a:schemeClr val="accent1"/>
-          </a:fillRef>
-          <a:effectRef idx="0">
-            <a:schemeClr val="accent1"/>
-          </a:effectRef>
-          <a:fontRef idx="minor">
-            <a:schemeClr val="lt1"/>
-          </a:fontRef>
-        </p:style>
-        <p:txBody>
-          <a:bodyPr rtlCol="0" anchor="ctr"/>
-          <a:lstStyle/>
-          <a:p>
-            <a:pPr algn="ctr"/>
-            <a:endParaRPr lang="en-US"/>
-          </a:p>
-        </p:txBody>
-      </p:sp>
-      <p:sp>
-        <p:nvSpPr>
-          <p:cNvPr id="12" name="Isosceles Triangle 11">
-            <a:extLst>
-              <a:ext uri="{FF2B5EF4-FFF2-40B4-BE49-F238E27FC236}">
-                <a16:creationId xmlns:a16="http://schemas.microsoft.com/office/drawing/2014/main" id="{A580F890-B085-4E95-96AA-55AEBEC5CE6E}"/>
-              </a:ext>
-              <a:ext uri="{C183D7F6-B498-43B3-948B-1728B52AA6E4}">
-                <adec:decorative xmlns:adec="http://schemas.microsoft.com/office/drawing/2017/decorative" val="1"/>
-              </a:ext>
-            </a:extLst>
-          </p:cNvPr>
-          <p:cNvSpPr>
-            <a:spLocks noGrp="1" noRot="1" noChangeAspect="1" noMove="1" noResize="1" noEditPoints="1" noAdjustHandles="1" noChangeArrowheads="1" noChangeShapeType="1" noTextEdit="1"/>
-          </p:cNvSpPr>
-          <p:nvPr>
-            <p:extLst>
-              <p:ext uri="{386F3935-93C4-4BCD-93E2-E3B085C9AB24}">
-                <p16:designElem xmlns:p16="http://schemas.microsoft.com/office/powerpoint/2015/main" val="1"/>
-              </p:ext>
-            </p:extLst>
-          </p:nvPr>
-        </p:nvSpPr>
-        <p:spPr>
-          <a:xfrm rot="16200000">
-            <a:off x="10289068" y="1343027"/>
-            <a:ext cx="2532832" cy="1273032"/>
-          </a:xfrm>
-          <a:prstGeom prst="triangle">
-            <a:avLst>
-              <a:gd name="adj" fmla="val 50000"/>
-            </a:avLst>
-          </a:prstGeom>
-          <a:solidFill>
-            <a:schemeClr val="accent4">
-              <a:alpha val="30000"/>
-            </a:schemeClr>
-          </a:solidFill>
-          <a:ln>
-            <a:noFill/>
-          </a:ln>
-        </p:spPr>
-        <p:style>
-          <a:lnRef idx="2">
-            <a:schemeClr val="accent1">
-              <a:shade val="50000"/>
-            </a:schemeClr>
-          </a:lnRef>
-          <a:fillRef idx="1">
-            <a:schemeClr val="accent1"/>
-          </a:fillRef>
-          <a:effectRef idx="0">
-            <a:schemeClr val="accent1"/>
-          </a:effectRef>
-          <a:fontRef idx="minor">
-            <a:schemeClr val="lt1"/>
-          </a:fontRef>
-        </p:style>
-        <p:txBody>
-          <a:bodyPr rtlCol="0" anchor="ctr"/>
-          <a:lstStyle/>
-          <a:p>
-            <a:pPr algn="ctr"/>
-            <a:endParaRPr lang="en-US"/>
-          </a:p>
-        </p:txBody>
-      </p:sp>
-      <p:sp>
-        <p:nvSpPr>
-          <p:cNvPr id="14" name="Isosceles Triangle 13">
-            <a:extLst>
-              <a:ext uri="{FF2B5EF4-FFF2-40B4-BE49-F238E27FC236}">
-                <a16:creationId xmlns:a16="http://schemas.microsoft.com/office/drawing/2014/main" id="{D3F51FEB-38FB-4F6C-9F7B-2F2AFAB65463}"/>
-              </a:ext>
-              <a:ext uri="{C183D7F6-B498-43B3-948B-1728B52AA6E4}">
-                <adec:decorative xmlns:adec="http://schemas.microsoft.com/office/drawing/2017/decorative" val="1"/>
-              </a:ext>
-            </a:extLst>
-          </p:cNvPr>
-          <p:cNvSpPr>
-            <a:spLocks noGrp="1" noRot="1" noChangeAspect="1" noMove="1" noResize="1" noEditPoints="1" noAdjustHandles="1" noChangeArrowheads="1" noChangeShapeType="1" noTextEdit="1"/>
-          </p:cNvSpPr>
-          <p:nvPr>
-            <p:extLst>
-              <p:ext uri="{386F3935-93C4-4BCD-93E2-E3B085C9AB24}">
-                <p16:designElem xmlns:p16="http://schemas.microsoft.com/office/powerpoint/2015/main" val="1"/>
-              </p:ext>
-            </p:extLst>
-          </p:nvPr>
-        </p:nvSpPr>
-        <p:spPr>
-          <a:xfrm rot="5400000">
-            <a:off x="-501760" y="5103257"/>
-            <a:ext cx="2017580" cy="1014060"/>
-          </a:xfrm>
-          <a:prstGeom prst="triangle">
-            <a:avLst>
-              <a:gd name="adj" fmla="val 50000"/>
-            </a:avLst>
-          </a:prstGeom>
-          <a:solidFill>
-            <a:schemeClr val="accent1">
-              <a:alpha val="30000"/>
-            </a:schemeClr>
-          </a:solidFill>
-          <a:ln>
-            <a:noFill/>
-          </a:ln>
-        </p:spPr>
-        <p:style>
-          <a:lnRef idx="2">
-            <a:schemeClr val="accent1">
-              <a:shade val="50000"/>
-            </a:schemeClr>
-          </a:lnRef>
-          <a:fillRef idx="1">
-            <a:schemeClr val="accent1"/>
-          </a:fillRef>
-          <a:effectRef idx="0">
-            <a:schemeClr val="accent1"/>
-          </a:effectRef>
-          <a:fontRef idx="minor">
-            <a:schemeClr val="lt1"/>
-          </a:fontRef>
-        </p:style>
-        <p:txBody>
-          <a:bodyPr wrap="square" rtlCol="0" anchor="ctr">
-            <a:noAutofit/>
-          </a:bodyPr>
-          <a:lstStyle/>
-          <a:p>
-            <a:pPr algn="ctr"/>
-            <a:endParaRPr lang="en-US"/>
-          </a:p>
-        </p:txBody>
-      </p:sp>
-      <p:sp>
-        <p:nvSpPr>
-          <p:cNvPr id="16" name="Rectangle 15">
-            <a:extLst>
-              <a:ext uri="{FF2B5EF4-FFF2-40B4-BE49-F238E27FC236}">
-                <a16:creationId xmlns:a16="http://schemas.microsoft.com/office/drawing/2014/main" id="{1E547BA6-BAE0-43BB-A7CA-60F69CE252F0}"/>
-              </a:ext>
-              <a:ext uri="{C183D7F6-B498-43B3-948B-1728B52AA6E4}">
-                <adec:decorative xmlns:adec="http://schemas.microsoft.com/office/drawing/2017/decorative" val="1"/>
-              </a:ext>
-            </a:extLst>
-          </p:cNvPr>
-          <p:cNvSpPr>
-            <a:spLocks noGrp="1" noRot="1" noChangeAspect="1" noMove="1" noResize="1" noEditPoints="1" noAdjustHandles="1" noChangeArrowheads="1" noChangeShapeType="1" noTextEdit="1"/>
-          </p:cNvSpPr>
-          <p:nvPr>
-            <p:extLst>
-              <p:ext uri="{386F3935-93C4-4BCD-93E2-E3B085C9AB24}">
-                <p16:designElem xmlns:p16="http://schemas.microsoft.com/office/powerpoint/2015/main" val="1"/>
-              </p:ext>
-            </p:extLst>
-          </p:nvPr>
-        </p:nvSpPr>
-        <p:spPr>
-          <a:xfrm rot="2700000">
-            <a:off x="427916" y="5728708"/>
-            <a:ext cx="485578" cy="485578"/>
-          </a:xfrm>
-          <a:prstGeom prst="rect">
-            <a:avLst/>
-          </a:prstGeom>
-          <a:solidFill>
-            <a:schemeClr val="accent1">
-              <a:alpha val="30000"/>
-            </a:schemeClr>
-          </a:solidFill>
-          <a:ln>
-            <a:noFill/>
-          </a:ln>
-        </p:spPr>
-        <p:style>
-          <a:lnRef idx="2">
-            <a:schemeClr val="accent1">
-              <a:shade val="50000"/>
-            </a:schemeClr>
-          </a:lnRef>
-          <a:fillRef idx="1">
-            <a:schemeClr val="accent1"/>
-          </a:fillRef>
-          <a:effectRef idx="0">
-            <a:schemeClr val="accent1"/>
-          </a:effectRef>
-          <a:fontRef idx="minor">
-            <a:schemeClr val="lt1"/>
-          </a:fontRef>
-        </p:style>
-        <p:txBody>
-          <a:bodyPr wrap="square" rtlCol="0" anchor="ctr">
-            <a:noAutofit/>
-          </a:bodyPr>
-          <a:lstStyle/>
-          <a:p>
-            <a:pPr algn="ctr"/>
-            <a:endParaRPr lang="en-US"/>
           </a:p>
         </p:txBody>
       </p:sp>
@@ -8257,7 +6622,12 @@
             <p:ph idx="1"/>
           </p:nvPr>
         </p:nvSpPr>
-        <p:spPr/>
+        <p:spPr>
+          <a:xfrm>
+            <a:off x="838200" y="1825625"/>
+            <a:ext cx="10515600" cy="4351338"/>
+          </a:xfrm>
+        </p:spPr>
         <p:txBody>
           <a:bodyPr vert="horz" lIns="91440" tIns="45720" rIns="91440" bIns="45720" rtlCol="0" anchor="t">
             <a:normAutofit/>
@@ -8365,69 +6735,6 @@
       </p:grpSpPr>
       <p:sp>
         <p:nvSpPr>
-          <p:cNvPr id="8" name="Rectangle 7">
-            <a:extLst>
-              <a:ext uri="{FF2B5EF4-FFF2-40B4-BE49-F238E27FC236}">
-                <a16:creationId xmlns:a16="http://schemas.microsoft.com/office/drawing/2014/main" id="{2B566528-1B12-4246-9431-5C2D7D081168}"/>
-              </a:ext>
-              <a:ext uri="{C183D7F6-B498-43B3-948B-1728B52AA6E4}">
-                <adec:decorative xmlns:adec="http://schemas.microsoft.com/office/drawing/2017/decorative" val="1"/>
-              </a:ext>
-            </a:extLst>
-          </p:cNvPr>
-          <p:cNvSpPr>
-            <a:spLocks noGrp="1" noRot="1" noChangeAspect="1" noMove="1" noResize="1" noEditPoints="1" noAdjustHandles="1" noChangeArrowheads="1" noChangeShapeType="1" noTextEdit="1"/>
-          </p:cNvSpPr>
-          <p:nvPr>
-            <p:extLst>
-              <p:ext uri="{386F3935-93C4-4BCD-93E2-E3B085C9AB24}">
-                <p16:designElem xmlns:p16="http://schemas.microsoft.com/office/powerpoint/2015/main" val="1"/>
-              </p:ext>
-            </p:extLst>
-          </p:nvPr>
-        </p:nvSpPr>
-        <p:spPr>
-          <a:xfrm>
-            <a:off x="0" y="0"/>
-            <a:ext cx="12192000" cy="6858000"/>
-          </a:xfrm>
-          <a:prstGeom prst="rect">
-            <a:avLst/>
-          </a:prstGeom>
-          <a:solidFill>
-            <a:schemeClr val="bg1"/>
-          </a:solidFill>
-          <a:ln>
-            <a:noFill/>
-          </a:ln>
-        </p:spPr>
-        <p:style>
-          <a:lnRef idx="2">
-            <a:schemeClr val="accent1">
-              <a:shade val="50000"/>
-            </a:schemeClr>
-          </a:lnRef>
-          <a:fillRef idx="1">
-            <a:schemeClr val="accent1"/>
-          </a:fillRef>
-          <a:effectRef idx="0">
-            <a:schemeClr val="accent1"/>
-          </a:effectRef>
-          <a:fontRef idx="minor">
-            <a:schemeClr val="lt1"/>
-          </a:fontRef>
-        </p:style>
-        <p:txBody>
-          <a:bodyPr rtlCol="0" anchor="ctr"/>
-          <a:lstStyle/>
-          <a:p>
-            <a:pPr algn="ctr"/>
-            <a:endParaRPr lang="en-US" dirty="0"/>
-          </a:p>
-        </p:txBody>
-      </p:sp>
-      <p:sp>
-        <p:nvSpPr>
           <p:cNvPr id="2" name="Title 1">
             <a:extLst>
               <a:ext uri="{FF2B5EF4-FFF2-40B4-BE49-F238E27FC236}">
@@ -8633,274 +6940,6 @@
               <a:latin typeface="Times New Roman"/>
               <a:cs typeface="Calibri" panose="020F0502020204030204"/>
             </a:endParaRPr>
-          </a:p>
-        </p:txBody>
-      </p:sp>
-      <p:sp>
-        <p:nvSpPr>
-          <p:cNvPr id="10" name="Rectangle 9">
-            <a:extLst>
-              <a:ext uri="{FF2B5EF4-FFF2-40B4-BE49-F238E27FC236}">
-                <a16:creationId xmlns:a16="http://schemas.microsoft.com/office/drawing/2014/main" id="{2E80C965-DB6D-4F81-9E9E-B027384D0BD6}"/>
-              </a:ext>
-              <a:ext uri="{C183D7F6-B498-43B3-948B-1728B52AA6E4}">
-                <adec:decorative xmlns:adec="http://schemas.microsoft.com/office/drawing/2017/decorative" val="1"/>
-              </a:ext>
-            </a:extLst>
-          </p:cNvPr>
-          <p:cNvSpPr>
-            <a:spLocks noGrp="1" noRot="1" noChangeAspect="1" noMove="1" noResize="1" noEditPoints="1" noAdjustHandles="1" noChangeArrowheads="1" noChangeShapeType="1" noTextEdit="1"/>
-          </p:cNvSpPr>
-          <p:nvPr>
-            <p:extLst>
-              <p:ext uri="{386F3935-93C4-4BCD-93E2-E3B085C9AB24}">
-                <p16:designElem xmlns:p16="http://schemas.microsoft.com/office/powerpoint/2015/main" val="1"/>
-              </p:ext>
-            </p:extLst>
-          </p:nvPr>
-        </p:nvSpPr>
-        <p:spPr>
-          <a:xfrm rot="2700000">
-            <a:off x="11052629" y="2120024"/>
-            <a:ext cx="645368" cy="645368"/>
-          </a:xfrm>
-          <a:prstGeom prst="rect">
-            <a:avLst/>
-          </a:prstGeom>
-          <a:solidFill>
-            <a:schemeClr val="accent4">
-              <a:alpha val="30000"/>
-            </a:schemeClr>
-          </a:solidFill>
-          <a:ln>
-            <a:noFill/>
-          </a:ln>
-        </p:spPr>
-        <p:style>
-          <a:lnRef idx="2">
-            <a:schemeClr val="accent1">
-              <a:shade val="50000"/>
-            </a:schemeClr>
-          </a:lnRef>
-          <a:fillRef idx="1">
-            <a:schemeClr val="accent1"/>
-          </a:fillRef>
-          <a:effectRef idx="0">
-            <a:schemeClr val="accent1"/>
-          </a:effectRef>
-          <a:fontRef idx="minor">
-            <a:schemeClr val="lt1"/>
-          </a:fontRef>
-        </p:style>
-        <p:txBody>
-          <a:bodyPr rtlCol="0" anchor="ctr"/>
-          <a:lstStyle/>
-          <a:p>
-            <a:pPr algn="ctr"/>
-            <a:endParaRPr lang="en-US"/>
-          </a:p>
-        </p:txBody>
-      </p:sp>
-      <p:sp>
-        <p:nvSpPr>
-          <p:cNvPr id="12" name="Isosceles Triangle 11">
-            <a:extLst>
-              <a:ext uri="{FF2B5EF4-FFF2-40B4-BE49-F238E27FC236}">
-                <a16:creationId xmlns:a16="http://schemas.microsoft.com/office/drawing/2014/main" id="{A580F890-B085-4E95-96AA-55AEBEC5CE6E}"/>
-              </a:ext>
-              <a:ext uri="{C183D7F6-B498-43B3-948B-1728B52AA6E4}">
-                <adec:decorative xmlns:adec="http://schemas.microsoft.com/office/drawing/2017/decorative" val="1"/>
-              </a:ext>
-            </a:extLst>
-          </p:cNvPr>
-          <p:cNvSpPr>
-            <a:spLocks noGrp="1" noRot="1" noChangeAspect="1" noMove="1" noResize="1" noEditPoints="1" noAdjustHandles="1" noChangeArrowheads="1" noChangeShapeType="1" noTextEdit="1"/>
-          </p:cNvSpPr>
-          <p:nvPr>
-            <p:extLst>
-              <p:ext uri="{386F3935-93C4-4BCD-93E2-E3B085C9AB24}">
-                <p16:designElem xmlns:p16="http://schemas.microsoft.com/office/powerpoint/2015/main" val="1"/>
-              </p:ext>
-            </p:extLst>
-          </p:nvPr>
-        </p:nvSpPr>
-        <p:spPr>
-          <a:xfrm rot="16200000">
-            <a:off x="10289068" y="1343027"/>
-            <a:ext cx="2532832" cy="1273032"/>
-          </a:xfrm>
-          <a:prstGeom prst="triangle">
-            <a:avLst>
-              <a:gd name="adj" fmla="val 50000"/>
-            </a:avLst>
-          </a:prstGeom>
-          <a:solidFill>
-            <a:schemeClr val="accent4">
-              <a:alpha val="30000"/>
-            </a:schemeClr>
-          </a:solidFill>
-          <a:ln>
-            <a:noFill/>
-          </a:ln>
-        </p:spPr>
-        <p:style>
-          <a:lnRef idx="2">
-            <a:schemeClr val="accent1">
-              <a:shade val="50000"/>
-            </a:schemeClr>
-          </a:lnRef>
-          <a:fillRef idx="1">
-            <a:schemeClr val="accent1"/>
-          </a:fillRef>
-          <a:effectRef idx="0">
-            <a:schemeClr val="accent1"/>
-          </a:effectRef>
-          <a:fontRef idx="minor">
-            <a:schemeClr val="lt1"/>
-          </a:fontRef>
-        </p:style>
-        <p:txBody>
-          <a:bodyPr rtlCol="0" anchor="ctr"/>
-          <a:lstStyle/>
-          <a:p>
-            <a:pPr algn="ctr"/>
-            <a:endParaRPr lang="en-US"/>
-          </a:p>
-        </p:txBody>
-      </p:sp>
-      <p:sp>
-        <p:nvSpPr>
-          <p:cNvPr id="14" name="Isosceles Triangle 13">
-            <a:extLst>
-              <a:ext uri="{FF2B5EF4-FFF2-40B4-BE49-F238E27FC236}">
-                <a16:creationId xmlns:a16="http://schemas.microsoft.com/office/drawing/2014/main" id="{D3F51FEB-38FB-4F6C-9F7B-2F2AFAB65463}"/>
-              </a:ext>
-              <a:ext uri="{C183D7F6-B498-43B3-948B-1728B52AA6E4}">
-                <adec:decorative xmlns:adec="http://schemas.microsoft.com/office/drawing/2017/decorative" val="1"/>
-              </a:ext>
-            </a:extLst>
-          </p:cNvPr>
-          <p:cNvSpPr>
-            <a:spLocks noGrp="1" noRot="1" noChangeAspect="1" noMove="1" noResize="1" noEditPoints="1" noAdjustHandles="1" noChangeArrowheads="1" noChangeShapeType="1" noTextEdit="1"/>
-          </p:cNvSpPr>
-          <p:nvPr>
-            <p:extLst>
-              <p:ext uri="{386F3935-93C4-4BCD-93E2-E3B085C9AB24}">
-                <p16:designElem xmlns:p16="http://schemas.microsoft.com/office/powerpoint/2015/main" val="1"/>
-              </p:ext>
-            </p:extLst>
-          </p:nvPr>
-        </p:nvSpPr>
-        <p:spPr>
-          <a:xfrm rot="5400000">
-            <a:off x="-501760" y="5103257"/>
-            <a:ext cx="2017580" cy="1014060"/>
-          </a:xfrm>
-          <a:prstGeom prst="triangle">
-            <a:avLst>
-              <a:gd name="adj" fmla="val 50000"/>
-            </a:avLst>
-          </a:prstGeom>
-          <a:solidFill>
-            <a:schemeClr val="accent1">
-              <a:alpha val="30000"/>
-            </a:schemeClr>
-          </a:solidFill>
-          <a:ln>
-            <a:noFill/>
-          </a:ln>
-        </p:spPr>
-        <p:style>
-          <a:lnRef idx="2">
-            <a:schemeClr val="accent1">
-              <a:shade val="50000"/>
-            </a:schemeClr>
-          </a:lnRef>
-          <a:fillRef idx="1">
-            <a:schemeClr val="accent1"/>
-          </a:fillRef>
-          <a:effectRef idx="0">
-            <a:schemeClr val="accent1"/>
-          </a:effectRef>
-          <a:fontRef idx="minor">
-            <a:schemeClr val="lt1"/>
-          </a:fontRef>
-        </p:style>
-        <p:txBody>
-          <a:bodyPr wrap="square" rtlCol="0" anchor="ctr">
-            <a:noAutofit/>
-          </a:bodyPr>
-          <a:lstStyle/>
-          <a:p>
-            <a:pPr algn="ctr"/>
-            <a:endParaRPr lang="en-US"/>
-          </a:p>
-        </p:txBody>
-      </p:sp>
-      <p:sp>
-        <p:nvSpPr>
-          <p:cNvPr id="16" name="Rectangle 15">
-            <a:extLst>
-              <a:ext uri="{FF2B5EF4-FFF2-40B4-BE49-F238E27FC236}">
-                <a16:creationId xmlns:a16="http://schemas.microsoft.com/office/drawing/2014/main" id="{1E547BA6-BAE0-43BB-A7CA-60F69CE252F0}"/>
-              </a:ext>
-              <a:ext uri="{C183D7F6-B498-43B3-948B-1728B52AA6E4}">
-                <adec:decorative xmlns:adec="http://schemas.microsoft.com/office/drawing/2017/decorative" val="1"/>
-              </a:ext>
-            </a:extLst>
-          </p:cNvPr>
-          <p:cNvSpPr>
-            <a:spLocks noGrp="1" noRot="1" noChangeAspect="1" noMove="1" noResize="1" noEditPoints="1" noAdjustHandles="1" noChangeArrowheads="1" noChangeShapeType="1" noTextEdit="1"/>
-          </p:cNvSpPr>
-          <p:nvPr>
-            <p:extLst>
-              <p:ext uri="{386F3935-93C4-4BCD-93E2-E3B085C9AB24}">
-                <p16:designElem xmlns:p16="http://schemas.microsoft.com/office/powerpoint/2015/main" val="1"/>
-              </p:ext>
-            </p:extLst>
-          </p:nvPr>
-        </p:nvSpPr>
-        <p:spPr>
-          <a:xfrm rot="2700000">
-            <a:off x="427916" y="5728708"/>
-            <a:ext cx="485578" cy="485578"/>
-          </a:xfrm>
-          <a:prstGeom prst="rect">
-            <a:avLst/>
-          </a:prstGeom>
-          <a:solidFill>
-            <a:schemeClr val="accent1">
-              <a:alpha val="30000"/>
-            </a:schemeClr>
-          </a:solidFill>
-          <a:ln>
-            <a:noFill/>
-          </a:ln>
-        </p:spPr>
-        <p:style>
-          <a:lnRef idx="2">
-            <a:schemeClr val="accent1">
-              <a:shade val="50000"/>
-            </a:schemeClr>
-          </a:lnRef>
-          <a:fillRef idx="1">
-            <a:schemeClr val="accent1"/>
-          </a:fillRef>
-          <a:effectRef idx="0">
-            <a:schemeClr val="accent1"/>
-          </a:effectRef>
-          <a:fontRef idx="minor">
-            <a:schemeClr val="lt1"/>
-          </a:fontRef>
-        </p:style>
-        <p:txBody>
-          <a:bodyPr wrap="square" rtlCol="0" anchor="ctr">
-            <a:noAutofit/>
-          </a:bodyPr>
-          <a:lstStyle/>
-          <a:p>
-            <a:pPr algn="ctr"/>
-            <a:endParaRPr lang="en-US"/>
           </a:p>
         </p:txBody>
       </p:sp>
@@ -8944,69 +6983,6 @@
       </p:grpSpPr>
       <p:sp>
         <p:nvSpPr>
-          <p:cNvPr id="8" name="Rectangle 7">
-            <a:extLst>
-              <a:ext uri="{FF2B5EF4-FFF2-40B4-BE49-F238E27FC236}">
-                <a16:creationId xmlns:a16="http://schemas.microsoft.com/office/drawing/2014/main" id="{2B566528-1B12-4246-9431-5C2D7D081168}"/>
-              </a:ext>
-              <a:ext uri="{C183D7F6-B498-43B3-948B-1728B52AA6E4}">
-                <adec:decorative xmlns:adec="http://schemas.microsoft.com/office/drawing/2017/decorative" val="1"/>
-              </a:ext>
-            </a:extLst>
-          </p:cNvPr>
-          <p:cNvSpPr>
-            <a:spLocks noGrp="1" noRot="1" noChangeAspect="1" noMove="1" noResize="1" noEditPoints="1" noAdjustHandles="1" noChangeArrowheads="1" noChangeShapeType="1" noTextEdit="1"/>
-          </p:cNvSpPr>
-          <p:nvPr>
-            <p:extLst>
-              <p:ext uri="{386F3935-93C4-4BCD-93E2-E3B085C9AB24}">
-                <p16:designElem xmlns:p16="http://schemas.microsoft.com/office/powerpoint/2015/main" val="1"/>
-              </p:ext>
-            </p:extLst>
-          </p:nvPr>
-        </p:nvSpPr>
-        <p:spPr>
-          <a:xfrm>
-            <a:off x="0" y="0"/>
-            <a:ext cx="12192000" cy="6858000"/>
-          </a:xfrm>
-          <a:prstGeom prst="rect">
-            <a:avLst/>
-          </a:prstGeom>
-          <a:solidFill>
-            <a:schemeClr val="bg1"/>
-          </a:solidFill>
-          <a:ln>
-            <a:noFill/>
-          </a:ln>
-        </p:spPr>
-        <p:style>
-          <a:lnRef idx="2">
-            <a:schemeClr val="accent1">
-              <a:shade val="50000"/>
-            </a:schemeClr>
-          </a:lnRef>
-          <a:fillRef idx="1">
-            <a:schemeClr val="accent1"/>
-          </a:fillRef>
-          <a:effectRef idx="0">
-            <a:schemeClr val="accent1"/>
-          </a:effectRef>
-          <a:fontRef idx="minor">
-            <a:schemeClr val="lt1"/>
-          </a:fontRef>
-        </p:style>
-        <p:txBody>
-          <a:bodyPr rtlCol="0" anchor="ctr"/>
-          <a:lstStyle/>
-          <a:p>
-            <a:pPr algn="ctr"/>
-            <a:endParaRPr lang="en-US" dirty="0"/>
-          </a:p>
-        </p:txBody>
-      </p:sp>
-      <p:sp>
-        <p:nvSpPr>
           <p:cNvPr id="3" name="Content Placeholder 2">
             <a:extLst>
               <a:ext uri="{FF2B5EF4-FFF2-40B4-BE49-F238E27FC236}">
@@ -9023,8 +6999,8 @@
         </p:nvSpPr>
         <p:spPr>
           <a:xfrm>
-            <a:off x="606296" y="1039566"/>
-            <a:ext cx="10905066" cy="4393982"/>
+            <a:off x="643944" y="1039566"/>
+            <a:ext cx="10867418" cy="4393982"/>
           </a:xfrm>
         </p:spPr>
         <p:txBody>
@@ -9181,274 +7157,6 @@
               <a:latin typeface="Times New Roman"/>
               <a:cs typeface="Calibri" panose="020F0502020204030204"/>
             </a:endParaRPr>
-          </a:p>
-        </p:txBody>
-      </p:sp>
-      <p:sp>
-        <p:nvSpPr>
-          <p:cNvPr id="10" name="Rectangle 9">
-            <a:extLst>
-              <a:ext uri="{FF2B5EF4-FFF2-40B4-BE49-F238E27FC236}">
-                <a16:creationId xmlns:a16="http://schemas.microsoft.com/office/drawing/2014/main" id="{2E80C965-DB6D-4F81-9E9E-B027384D0BD6}"/>
-              </a:ext>
-              <a:ext uri="{C183D7F6-B498-43B3-948B-1728B52AA6E4}">
-                <adec:decorative xmlns:adec="http://schemas.microsoft.com/office/drawing/2017/decorative" val="1"/>
-              </a:ext>
-            </a:extLst>
-          </p:cNvPr>
-          <p:cNvSpPr>
-            <a:spLocks noGrp="1" noRot="1" noChangeAspect="1" noMove="1" noResize="1" noEditPoints="1" noAdjustHandles="1" noChangeArrowheads="1" noChangeShapeType="1" noTextEdit="1"/>
-          </p:cNvSpPr>
-          <p:nvPr>
-            <p:extLst>
-              <p:ext uri="{386F3935-93C4-4BCD-93E2-E3B085C9AB24}">
-                <p16:designElem xmlns:p16="http://schemas.microsoft.com/office/powerpoint/2015/main" val="1"/>
-              </p:ext>
-            </p:extLst>
-          </p:nvPr>
-        </p:nvSpPr>
-        <p:spPr>
-          <a:xfrm rot="2700000">
-            <a:off x="11052629" y="2120024"/>
-            <a:ext cx="645368" cy="645368"/>
-          </a:xfrm>
-          <a:prstGeom prst="rect">
-            <a:avLst/>
-          </a:prstGeom>
-          <a:solidFill>
-            <a:schemeClr val="accent4">
-              <a:alpha val="30000"/>
-            </a:schemeClr>
-          </a:solidFill>
-          <a:ln>
-            <a:noFill/>
-          </a:ln>
-        </p:spPr>
-        <p:style>
-          <a:lnRef idx="2">
-            <a:schemeClr val="accent1">
-              <a:shade val="50000"/>
-            </a:schemeClr>
-          </a:lnRef>
-          <a:fillRef idx="1">
-            <a:schemeClr val="accent1"/>
-          </a:fillRef>
-          <a:effectRef idx="0">
-            <a:schemeClr val="accent1"/>
-          </a:effectRef>
-          <a:fontRef idx="minor">
-            <a:schemeClr val="lt1"/>
-          </a:fontRef>
-        </p:style>
-        <p:txBody>
-          <a:bodyPr rtlCol="0" anchor="ctr"/>
-          <a:lstStyle/>
-          <a:p>
-            <a:pPr algn="ctr"/>
-            <a:endParaRPr lang="en-US"/>
-          </a:p>
-        </p:txBody>
-      </p:sp>
-      <p:sp>
-        <p:nvSpPr>
-          <p:cNvPr id="12" name="Isosceles Triangle 11">
-            <a:extLst>
-              <a:ext uri="{FF2B5EF4-FFF2-40B4-BE49-F238E27FC236}">
-                <a16:creationId xmlns:a16="http://schemas.microsoft.com/office/drawing/2014/main" id="{A580F890-B085-4E95-96AA-55AEBEC5CE6E}"/>
-              </a:ext>
-              <a:ext uri="{C183D7F6-B498-43B3-948B-1728B52AA6E4}">
-                <adec:decorative xmlns:adec="http://schemas.microsoft.com/office/drawing/2017/decorative" val="1"/>
-              </a:ext>
-            </a:extLst>
-          </p:cNvPr>
-          <p:cNvSpPr>
-            <a:spLocks noGrp="1" noRot="1" noChangeAspect="1" noMove="1" noResize="1" noEditPoints="1" noAdjustHandles="1" noChangeArrowheads="1" noChangeShapeType="1" noTextEdit="1"/>
-          </p:cNvSpPr>
-          <p:nvPr>
-            <p:extLst>
-              <p:ext uri="{386F3935-93C4-4BCD-93E2-E3B085C9AB24}">
-                <p16:designElem xmlns:p16="http://schemas.microsoft.com/office/powerpoint/2015/main" val="1"/>
-              </p:ext>
-            </p:extLst>
-          </p:nvPr>
-        </p:nvSpPr>
-        <p:spPr>
-          <a:xfrm rot="16200000">
-            <a:off x="10289068" y="1343027"/>
-            <a:ext cx="2532832" cy="1273032"/>
-          </a:xfrm>
-          <a:prstGeom prst="triangle">
-            <a:avLst>
-              <a:gd name="adj" fmla="val 50000"/>
-            </a:avLst>
-          </a:prstGeom>
-          <a:solidFill>
-            <a:schemeClr val="accent4">
-              <a:alpha val="30000"/>
-            </a:schemeClr>
-          </a:solidFill>
-          <a:ln>
-            <a:noFill/>
-          </a:ln>
-        </p:spPr>
-        <p:style>
-          <a:lnRef idx="2">
-            <a:schemeClr val="accent1">
-              <a:shade val="50000"/>
-            </a:schemeClr>
-          </a:lnRef>
-          <a:fillRef idx="1">
-            <a:schemeClr val="accent1"/>
-          </a:fillRef>
-          <a:effectRef idx="0">
-            <a:schemeClr val="accent1"/>
-          </a:effectRef>
-          <a:fontRef idx="minor">
-            <a:schemeClr val="lt1"/>
-          </a:fontRef>
-        </p:style>
-        <p:txBody>
-          <a:bodyPr rtlCol="0" anchor="ctr"/>
-          <a:lstStyle/>
-          <a:p>
-            <a:pPr algn="ctr"/>
-            <a:endParaRPr lang="en-US"/>
-          </a:p>
-        </p:txBody>
-      </p:sp>
-      <p:sp>
-        <p:nvSpPr>
-          <p:cNvPr id="14" name="Isosceles Triangle 13">
-            <a:extLst>
-              <a:ext uri="{FF2B5EF4-FFF2-40B4-BE49-F238E27FC236}">
-                <a16:creationId xmlns:a16="http://schemas.microsoft.com/office/drawing/2014/main" id="{D3F51FEB-38FB-4F6C-9F7B-2F2AFAB65463}"/>
-              </a:ext>
-              <a:ext uri="{C183D7F6-B498-43B3-948B-1728B52AA6E4}">
-                <adec:decorative xmlns:adec="http://schemas.microsoft.com/office/drawing/2017/decorative" val="1"/>
-              </a:ext>
-            </a:extLst>
-          </p:cNvPr>
-          <p:cNvSpPr>
-            <a:spLocks noGrp="1" noRot="1" noChangeAspect="1" noMove="1" noResize="1" noEditPoints="1" noAdjustHandles="1" noChangeArrowheads="1" noChangeShapeType="1" noTextEdit="1"/>
-          </p:cNvSpPr>
-          <p:nvPr>
-            <p:extLst>
-              <p:ext uri="{386F3935-93C4-4BCD-93E2-E3B085C9AB24}">
-                <p16:designElem xmlns:p16="http://schemas.microsoft.com/office/powerpoint/2015/main" val="1"/>
-              </p:ext>
-            </p:extLst>
-          </p:nvPr>
-        </p:nvSpPr>
-        <p:spPr>
-          <a:xfrm rot="5400000">
-            <a:off x="-501760" y="5103257"/>
-            <a:ext cx="2017580" cy="1014060"/>
-          </a:xfrm>
-          <a:prstGeom prst="triangle">
-            <a:avLst>
-              <a:gd name="adj" fmla="val 50000"/>
-            </a:avLst>
-          </a:prstGeom>
-          <a:solidFill>
-            <a:schemeClr val="accent1">
-              <a:alpha val="30000"/>
-            </a:schemeClr>
-          </a:solidFill>
-          <a:ln>
-            <a:noFill/>
-          </a:ln>
-        </p:spPr>
-        <p:style>
-          <a:lnRef idx="2">
-            <a:schemeClr val="accent1">
-              <a:shade val="50000"/>
-            </a:schemeClr>
-          </a:lnRef>
-          <a:fillRef idx="1">
-            <a:schemeClr val="accent1"/>
-          </a:fillRef>
-          <a:effectRef idx="0">
-            <a:schemeClr val="accent1"/>
-          </a:effectRef>
-          <a:fontRef idx="minor">
-            <a:schemeClr val="lt1"/>
-          </a:fontRef>
-        </p:style>
-        <p:txBody>
-          <a:bodyPr wrap="square" rtlCol="0" anchor="ctr">
-            <a:noAutofit/>
-          </a:bodyPr>
-          <a:lstStyle/>
-          <a:p>
-            <a:pPr algn="ctr"/>
-            <a:endParaRPr lang="en-US"/>
-          </a:p>
-        </p:txBody>
-      </p:sp>
-      <p:sp>
-        <p:nvSpPr>
-          <p:cNvPr id="16" name="Rectangle 15">
-            <a:extLst>
-              <a:ext uri="{FF2B5EF4-FFF2-40B4-BE49-F238E27FC236}">
-                <a16:creationId xmlns:a16="http://schemas.microsoft.com/office/drawing/2014/main" id="{1E547BA6-BAE0-43BB-A7CA-60F69CE252F0}"/>
-              </a:ext>
-              <a:ext uri="{C183D7F6-B498-43B3-948B-1728B52AA6E4}">
-                <adec:decorative xmlns:adec="http://schemas.microsoft.com/office/drawing/2017/decorative" val="1"/>
-              </a:ext>
-            </a:extLst>
-          </p:cNvPr>
-          <p:cNvSpPr>
-            <a:spLocks noGrp="1" noRot="1" noChangeAspect="1" noMove="1" noResize="1" noEditPoints="1" noAdjustHandles="1" noChangeArrowheads="1" noChangeShapeType="1" noTextEdit="1"/>
-          </p:cNvSpPr>
-          <p:nvPr>
-            <p:extLst>
-              <p:ext uri="{386F3935-93C4-4BCD-93E2-E3B085C9AB24}">
-                <p16:designElem xmlns:p16="http://schemas.microsoft.com/office/powerpoint/2015/main" val="1"/>
-              </p:ext>
-            </p:extLst>
-          </p:nvPr>
-        </p:nvSpPr>
-        <p:spPr>
-          <a:xfrm rot="2700000">
-            <a:off x="427916" y="5728708"/>
-            <a:ext cx="485578" cy="485578"/>
-          </a:xfrm>
-          <a:prstGeom prst="rect">
-            <a:avLst/>
-          </a:prstGeom>
-          <a:solidFill>
-            <a:schemeClr val="accent1">
-              <a:alpha val="30000"/>
-            </a:schemeClr>
-          </a:solidFill>
-          <a:ln>
-            <a:noFill/>
-          </a:ln>
-        </p:spPr>
-        <p:style>
-          <a:lnRef idx="2">
-            <a:schemeClr val="accent1">
-              <a:shade val="50000"/>
-            </a:schemeClr>
-          </a:lnRef>
-          <a:fillRef idx="1">
-            <a:schemeClr val="accent1"/>
-          </a:fillRef>
-          <a:effectRef idx="0">
-            <a:schemeClr val="accent1"/>
-          </a:effectRef>
-          <a:fontRef idx="minor">
-            <a:schemeClr val="lt1"/>
-          </a:fontRef>
-        </p:style>
-        <p:txBody>
-          <a:bodyPr wrap="square" rtlCol="0" anchor="ctr">
-            <a:noAutofit/>
-          </a:bodyPr>
-          <a:lstStyle/>
-          <a:p>
-            <a:pPr algn="ctr"/>
-            <a:endParaRPr lang="en-US"/>
           </a:p>
         </p:txBody>
       </p:sp>
@@ -9492,69 +7200,6 @@
       </p:grpSpPr>
       <p:sp>
         <p:nvSpPr>
-          <p:cNvPr id="8" name="Rectangle 7">
-            <a:extLst>
-              <a:ext uri="{FF2B5EF4-FFF2-40B4-BE49-F238E27FC236}">
-                <a16:creationId xmlns:a16="http://schemas.microsoft.com/office/drawing/2014/main" id="{2B566528-1B12-4246-9431-5C2D7D081168}"/>
-              </a:ext>
-              <a:ext uri="{C183D7F6-B498-43B3-948B-1728B52AA6E4}">
-                <adec:decorative xmlns:adec="http://schemas.microsoft.com/office/drawing/2017/decorative" val="1"/>
-              </a:ext>
-            </a:extLst>
-          </p:cNvPr>
-          <p:cNvSpPr>
-            <a:spLocks noGrp="1" noRot="1" noChangeAspect="1" noMove="1" noResize="1" noEditPoints="1" noAdjustHandles="1" noChangeArrowheads="1" noChangeShapeType="1" noTextEdit="1"/>
-          </p:cNvSpPr>
-          <p:nvPr>
-            <p:extLst>
-              <p:ext uri="{386F3935-93C4-4BCD-93E2-E3B085C9AB24}">
-                <p16:designElem xmlns:p16="http://schemas.microsoft.com/office/powerpoint/2015/main" val="1"/>
-              </p:ext>
-            </p:extLst>
-          </p:nvPr>
-        </p:nvSpPr>
-        <p:spPr>
-          <a:xfrm>
-            <a:off x="0" y="0"/>
-            <a:ext cx="12192000" cy="6858000"/>
-          </a:xfrm>
-          <a:prstGeom prst="rect">
-            <a:avLst/>
-          </a:prstGeom>
-          <a:solidFill>
-            <a:schemeClr val="bg1"/>
-          </a:solidFill>
-          <a:ln>
-            <a:noFill/>
-          </a:ln>
-        </p:spPr>
-        <p:style>
-          <a:lnRef idx="2">
-            <a:schemeClr val="accent1">
-              <a:shade val="50000"/>
-            </a:schemeClr>
-          </a:lnRef>
-          <a:fillRef idx="1">
-            <a:schemeClr val="accent1"/>
-          </a:fillRef>
-          <a:effectRef idx="0">
-            <a:schemeClr val="accent1"/>
-          </a:effectRef>
-          <a:fontRef idx="minor">
-            <a:schemeClr val="lt1"/>
-          </a:fontRef>
-        </p:style>
-        <p:txBody>
-          <a:bodyPr rtlCol="0" anchor="ctr"/>
-          <a:lstStyle/>
-          <a:p>
-            <a:pPr algn="ctr"/>
-            <a:endParaRPr lang="en-US" dirty="0"/>
-          </a:p>
-        </p:txBody>
-      </p:sp>
-      <p:sp>
-        <p:nvSpPr>
           <p:cNvPr id="2" name="Title 1">
             <a:extLst>
               <a:ext uri="{FF2B5EF4-FFF2-40B4-BE49-F238E27FC236}">
@@ -9623,365 +7268,115 @@
           </a:bodyPr>
           <a:lstStyle/>
           <a:p>
-            <a:pPr marL="0" indent="0">
-              <a:buNone/>
-            </a:pPr>
-            <a:r>
-              <a:rPr lang="en-US" sz="2000" i="1" dirty="0">
+            <a:pPr>
+              <a:lnSpc>
+                <a:spcPct val="150000"/>
+              </a:lnSpc>
+              <a:spcBef>
+                <a:spcPts val="600"/>
+              </a:spcBef>
+              <a:spcAft>
+                <a:spcPts val="600"/>
+              </a:spcAft>
+            </a:pPr>
+            <a:r>
+              <a:rPr lang="en-US" dirty="0">
                 <a:latin typeface="Times New Roman"/>
-                <a:cs typeface="Calibri" panose="020F0502020204030204"/>
+                <a:cs typeface="Times New Roman"/>
               </a:rPr>
               <a:t>Technical Feasibility</a:t>
             </a:r>
-            <a:endParaRPr lang="en-US">
-              <a:latin typeface="Times New Roman"/>
-              <a:cs typeface="Times New Roman"/>
+            <a:br>
+              <a:rPr lang="en-US" dirty="0">
+                <a:latin typeface="Times New Roman" panose="02020603050405020304" pitchFamily="18" charset="0"/>
+                <a:cs typeface="Times New Roman" panose="02020603050405020304" pitchFamily="18" charset="0"/>
+              </a:rPr>
+            </a:br>
+            <a:r>
+              <a:rPr lang="en-US" sz="2400" dirty="0">
+                <a:latin typeface="Times New Roman"/>
+                <a:cs typeface="Times New Roman"/>
+              </a:rPr>
+              <a:t>- Hardware and software tools are within accessible boundaries.</a:t>
+            </a:r>
+            <a:endParaRPr lang="en-US" sz="2400" dirty="0">
+              <a:latin typeface="Times New Roman" panose="02020603050405020304" pitchFamily="18" charset="0"/>
+              <a:cs typeface="Times New Roman" panose="02020603050405020304" pitchFamily="18" charset="0"/>
             </a:endParaRPr>
           </a:p>
           <a:p>
-            <a:r>
-              <a:rPr lang="en-US" sz="1700" dirty="0">
+            <a:pPr>
+              <a:lnSpc>
+                <a:spcPct val="150000"/>
+              </a:lnSpc>
+              <a:spcBef>
+                <a:spcPts val="600"/>
+              </a:spcBef>
+              <a:spcAft>
+                <a:spcPts val="600"/>
+              </a:spcAft>
+            </a:pPr>
+            <a:r>
+              <a:rPr lang="en-US" dirty="0">
                 <a:latin typeface="Times New Roman"/>
-                <a:cs typeface="Calibri" panose="020F0502020204030204"/>
-              </a:rPr>
-              <a:t>Continue here</a:t>
-            </a:r>
-          </a:p>
-          <a:p>
-            <a:pPr marL="0" indent="0">
-              <a:buNone/>
-            </a:pPr>
-            <a:endParaRPr lang="en-US" sz="2000" dirty="0">
-              <a:latin typeface="Times New Roman"/>
-              <a:cs typeface="Calibri" panose="020F0502020204030204"/>
+                <a:cs typeface="Times New Roman"/>
+              </a:rPr>
+              <a:t>Operational Feasibility</a:t>
+            </a:r>
+            <a:br>
+              <a:rPr lang="en-US" dirty="0">
+                <a:latin typeface="Times New Roman" panose="02020603050405020304" pitchFamily="18" charset="0"/>
+                <a:cs typeface="Times New Roman" panose="02020603050405020304" pitchFamily="18" charset="0"/>
+              </a:rPr>
+            </a:br>
+            <a:r>
+              <a:rPr lang="en-US" sz="2400" dirty="0">
+                <a:latin typeface="Times New Roman"/>
+                <a:cs typeface="Times New Roman"/>
+              </a:rPr>
+              <a:t>- Simple and interactive interface and data drive.</a:t>
+            </a:r>
+            <a:endParaRPr lang="en-US" sz="2400" dirty="0">
+              <a:latin typeface="Times New Roman" panose="02020603050405020304" pitchFamily="18" charset="0"/>
+              <a:cs typeface="Times New Roman" panose="02020603050405020304" pitchFamily="18" charset="0"/>
             </a:endParaRPr>
           </a:p>
           <a:p>
-            <a:pPr marL="0" indent="0">
-              <a:buNone/>
-            </a:pPr>
-            <a:r>
-              <a:rPr lang="en-US" sz="2000" i="1" dirty="0">
-                <a:latin typeface="Times New Roman"/>
-                <a:cs typeface="Calibri" panose="020F0502020204030204"/>
-              </a:rPr>
-              <a:t>Operational Feasibility</a:t>
-            </a:r>
-            <a:endParaRPr lang="en-US">
-              <a:latin typeface="Times New Roman"/>
-              <a:cs typeface="Times New Roman"/>
+            <a:pPr>
+              <a:lnSpc>
+                <a:spcPct val="150000"/>
+              </a:lnSpc>
+              <a:spcBef>
+                <a:spcPts val="600"/>
+              </a:spcBef>
+              <a:spcAft>
+                <a:spcPts val="600"/>
+              </a:spcAft>
+            </a:pPr>
+            <a:r>
+              <a:rPr lang="en-US" dirty="0">
+                <a:latin typeface="Times New Roman" panose="02020603050405020304" pitchFamily="18" charset="0"/>
+                <a:cs typeface="Times New Roman" panose="02020603050405020304" pitchFamily="18" charset="0"/>
+              </a:rPr>
+              <a:t>Economic Feasibility</a:t>
+            </a:r>
+            <a:br>
+              <a:rPr lang="en-US" dirty="0">
+                <a:latin typeface="Times New Roman" panose="02020603050405020304" pitchFamily="18" charset="0"/>
+                <a:cs typeface="Times New Roman" panose="02020603050405020304" pitchFamily="18" charset="0"/>
+              </a:rPr>
+            </a:br>
+            <a:r>
+              <a:rPr lang="en-US" sz="2400" dirty="0">
+                <a:latin typeface="Times New Roman" panose="02020603050405020304" pitchFamily="18" charset="0"/>
+                <a:cs typeface="Times New Roman" panose="02020603050405020304" pitchFamily="18" charset="0"/>
+              </a:rPr>
+              <a:t>- Only a computer is required to access the web application</a:t>
+            </a:r>
+            <a:endParaRPr lang="en-US" dirty="0">
+              <a:latin typeface="Times New Roman" panose="02020603050405020304" pitchFamily="18" charset="0"/>
+              <a:cs typeface="Times New Roman" panose="02020603050405020304" pitchFamily="18" charset="0"/>
             </a:endParaRPr>
-          </a:p>
-          <a:p>
-            <a:r>
-              <a:rPr lang="en-US" sz="1700" dirty="0">
-                <a:latin typeface="Times New Roman"/>
-                <a:cs typeface="Calibri" panose="020F0502020204030204"/>
-              </a:rPr>
-              <a:t>Continue ….</a:t>
-            </a:r>
-          </a:p>
-          <a:p>
-            <a:pPr marL="0" indent="0">
-              <a:buNone/>
-            </a:pPr>
-            <a:endParaRPr lang="en-US" sz="2000" dirty="0">
-              <a:latin typeface="Times New Roman"/>
-              <a:cs typeface="Calibri" panose="020F0502020204030204"/>
-            </a:endParaRPr>
-          </a:p>
-          <a:p>
-            <a:pPr marL="0" indent="0">
-              <a:buNone/>
-            </a:pPr>
-            <a:r>
-              <a:rPr lang="en-US" sz="2000" i="1" dirty="0">
-                <a:latin typeface="Times New Roman"/>
-                <a:cs typeface="Calibri" panose="020F0502020204030204"/>
-              </a:rPr>
-              <a:t>Economic Feasibility</a:t>
-            </a:r>
-            <a:endParaRPr lang="en-US">
-              <a:latin typeface="Times New Roman"/>
-              <a:cs typeface="Times New Roman"/>
-            </a:endParaRPr>
-          </a:p>
-          <a:p>
-            <a:r>
-              <a:rPr lang="en-US" sz="1700" dirty="0">
-                <a:latin typeface="Times New Roman"/>
-                <a:cs typeface="Calibri" panose="020F0502020204030204"/>
-              </a:rPr>
-              <a:t>Continue...</a:t>
-            </a:r>
-          </a:p>
-        </p:txBody>
-      </p:sp>
-      <p:sp>
-        <p:nvSpPr>
-          <p:cNvPr id="10" name="Rectangle 9">
-            <a:extLst>
-              <a:ext uri="{FF2B5EF4-FFF2-40B4-BE49-F238E27FC236}">
-                <a16:creationId xmlns:a16="http://schemas.microsoft.com/office/drawing/2014/main" id="{2E80C965-DB6D-4F81-9E9E-B027384D0BD6}"/>
-              </a:ext>
-              <a:ext uri="{C183D7F6-B498-43B3-948B-1728B52AA6E4}">
-                <adec:decorative xmlns:adec="http://schemas.microsoft.com/office/drawing/2017/decorative" val="1"/>
-              </a:ext>
-            </a:extLst>
-          </p:cNvPr>
-          <p:cNvSpPr>
-            <a:spLocks noGrp="1" noRot="1" noChangeAspect="1" noMove="1" noResize="1" noEditPoints="1" noAdjustHandles="1" noChangeArrowheads="1" noChangeShapeType="1" noTextEdit="1"/>
-          </p:cNvSpPr>
-          <p:nvPr>
-            <p:extLst>
-              <p:ext uri="{386F3935-93C4-4BCD-93E2-E3B085C9AB24}">
-                <p16:designElem xmlns:p16="http://schemas.microsoft.com/office/powerpoint/2015/main" val="1"/>
-              </p:ext>
-            </p:extLst>
-          </p:nvPr>
-        </p:nvSpPr>
-        <p:spPr>
-          <a:xfrm rot="2700000">
-            <a:off x="11052629" y="2120024"/>
-            <a:ext cx="645368" cy="645368"/>
-          </a:xfrm>
-          <a:prstGeom prst="rect">
-            <a:avLst/>
-          </a:prstGeom>
-          <a:solidFill>
-            <a:schemeClr val="accent4">
-              <a:alpha val="30000"/>
-            </a:schemeClr>
-          </a:solidFill>
-          <a:ln>
-            <a:noFill/>
-          </a:ln>
-        </p:spPr>
-        <p:style>
-          <a:lnRef idx="2">
-            <a:schemeClr val="accent1">
-              <a:shade val="50000"/>
-            </a:schemeClr>
-          </a:lnRef>
-          <a:fillRef idx="1">
-            <a:schemeClr val="accent1"/>
-          </a:fillRef>
-          <a:effectRef idx="0">
-            <a:schemeClr val="accent1"/>
-          </a:effectRef>
-          <a:fontRef idx="minor">
-            <a:schemeClr val="lt1"/>
-          </a:fontRef>
-        </p:style>
-        <p:txBody>
-          <a:bodyPr rtlCol="0" anchor="ctr"/>
-          <a:lstStyle/>
-          <a:p>
-            <a:pPr algn="ctr"/>
-            <a:endParaRPr lang="en-US"/>
-          </a:p>
-        </p:txBody>
-      </p:sp>
-      <p:sp>
-        <p:nvSpPr>
-          <p:cNvPr id="12" name="Isosceles Triangle 11">
-            <a:extLst>
-              <a:ext uri="{FF2B5EF4-FFF2-40B4-BE49-F238E27FC236}">
-                <a16:creationId xmlns:a16="http://schemas.microsoft.com/office/drawing/2014/main" id="{A580F890-B085-4E95-96AA-55AEBEC5CE6E}"/>
-              </a:ext>
-              <a:ext uri="{C183D7F6-B498-43B3-948B-1728B52AA6E4}">
-                <adec:decorative xmlns:adec="http://schemas.microsoft.com/office/drawing/2017/decorative" val="1"/>
-              </a:ext>
-            </a:extLst>
-          </p:cNvPr>
-          <p:cNvSpPr>
-            <a:spLocks noGrp="1" noRot="1" noChangeAspect="1" noMove="1" noResize="1" noEditPoints="1" noAdjustHandles="1" noChangeArrowheads="1" noChangeShapeType="1" noTextEdit="1"/>
-          </p:cNvSpPr>
-          <p:nvPr>
-            <p:extLst>
-              <p:ext uri="{386F3935-93C4-4BCD-93E2-E3B085C9AB24}">
-                <p16:designElem xmlns:p16="http://schemas.microsoft.com/office/powerpoint/2015/main" val="1"/>
-              </p:ext>
-            </p:extLst>
-          </p:nvPr>
-        </p:nvSpPr>
-        <p:spPr>
-          <a:xfrm rot="16200000">
-            <a:off x="10289068" y="1343027"/>
-            <a:ext cx="2532832" cy="1273032"/>
-          </a:xfrm>
-          <a:prstGeom prst="triangle">
-            <a:avLst>
-              <a:gd name="adj" fmla="val 50000"/>
-            </a:avLst>
-          </a:prstGeom>
-          <a:solidFill>
-            <a:schemeClr val="accent4">
-              <a:alpha val="30000"/>
-            </a:schemeClr>
-          </a:solidFill>
-          <a:ln>
-            <a:noFill/>
-          </a:ln>
-        </p:spPr>
-        <p:style>
-          <a:lnRef idx="2">
-            <a:schemeClr val="accent1">
-              <a:shade val="50000"/>
-            </a:schemeClr>
-          </a:lnRef>
-          <a:fillRef idx="1">
-            <a:schemeClr val="accent1"/>
-          </a:fillRef>
-          <a:effectRef idx="0">
-            <a:schemeClr val="accent1"/>
-          </a:effectRef>
-          <a:fontRef idx="minor">
-            <a:schemeClr val="lt1"/>
-          </a:fontRef>
-        </p:style>
-        <p:txBody>
-          <a:bodyPr rtlCol="0" anchor="ctr"/>
-          <a:lstStyle/>
-          <a:p>
-            <a:pPr algn="ctr"/>
-            <a:endParaRPr lang="en-US"/>
-          </a:p>
-        </p:txBody>
-      </p:sp>
-      <p:sp>
-        <p:nvSpPr>
-          <p:cNvPr id="14" name="Isosceles Triangle 13">
-            <a:extLst>
-              <a:ext uri="{FF2B5EF4-FFF2-40B4-BE49-F238E27FC236}">
-                <a16:creationId xmlns:a16="http://schemas.microsoft.com/office/drawing/2014/main" id="{D3F51FEB-38FB-4F6C-9F7B-2F2AFAB65463}"/>
-              </a:ext>
-              <a:ext uri="{C183D7F6-B498-43B3-948B-1728B52AA6E4}">
-                <adec:decorative xmlns:adec="http://schemas.microsoft.com/office/drawing/2017/decorative" val="1"/>
-              </a:ext>
-            </a:extLst>
-          </p:cNvPr>
-          <p:cNvSpPr>
-            <a:spLocks noGrp="1" noRot="1" noChangeAspect="1" noMove="1" noResize="1" noEditPoints="1" noAdjustHandles="1" noChangeArrowheads="1" noChangeShapeType="1" noTextEdit="1"/>
-          </p:cNvSpPr>
-          <p:nvPr>
-            <p:extLst>
-              <p:ext uri="{386F3935-93C4-4BCD-93E2-E3B085C9AB24}">
-                <p16:designElem xmlns:p16="http://schemas.microsoft.com/office/powerpoint/2015/main" val="1"/>
-              </p:ext>
-            </p:extLst>
-          </p:nvPr>
-        </p:nvSpPr>
-        <p:spPr>
-          <a:xfrm rot="5400000">
-            <a:off x="-501760" y="5103257"/>
-            <a:ext cx="2017580" cy="1014060"/>
-          </a:xfrm>
-          <a:prstGeom prst="triangle">
-            <a:avLst>
-              <a:gd name="adj" fmla="val 50000"/>
-            </a:avLst>
-          </a:prstGeom>
-          <a:solidFill>
-            <a:schemeClr val="accent1">
-              <a:alpha val="30000"/>
-            </a:schemeClr>
-          </a:solidFill>
-          <a:ln>
-            <a:noFill/>
-          </a:ln>
-        </p:spPr>
-        <p:style>
-          <a:lnRef idx="2">
-            <a:schemeClr val="accent1">
-              <a:shade val="50000"/>
-            </a:schemeClr>
-          </a:lnRef>
-          <a:fillRef idx="1">
-            <a:schemeClr val="accent1"/>
-          </a:fillRef>
-          <a:effectRef idx="0">
-            <a:schemeClr val="accent1"/>
-          </a:effectRef>
-          <a:fontRef idx="minor">
-            <a:schemeClr val="lt1"/>
-          </a:fontRef>
-        </p:style>
-        <p:txBody>
-          <a:bodyPr wrap="square" rtlCol="0" anchor="ctr">
-            <a:noAutofit/>
-          </a:bodyPr>
-          <a:lstStyle/>
-          <a:p>
-            <a:pPr algn="ctr"/>
-            <a:endParaRPr lang="en-US"/>
-          </a:p>
-        </p:txBody>
-      </p:sp>
-      <p:sp>
-        <p:nvSpPr>
-          <p:cNvPr id="16" name="Rectangle 15">
-            <a:extLst>
-              <a:ext uri="{FF2B5EF4-FFF2-40B4-BE49-F238E27FC236}">
-                <a16:creationId xmlns:a16="http://schemas.microsoft.com/office/drawing/2014/main" id="{1E547BA6-BAE0-43BB-A7CA-60F69CE252F0}"/>
-              </a:ext>
-              <a:ext uri="{C183D7F6-B498-43B3-948B-1728B52AA6E4}">
-                <adec:decorative xmlns:adec="http://schemas.microsoft.com/office/drawing/2017/decorative" val="1"/>
-              </a:ext>
-            </a:extLst>
-          </p:cNvPr>
-          <p:cNvSpPr>
-            <a:spLocks noGrp="1" noRot="1" noChangeAspect="1" noMove="1" noResize="1" noEditPoints="1" noAdjustHandles="1" noChangeArrowheads="1" noChangeShapeType="1" noTextEdit="1"/>
-          </p:cNvSpPr>
-          <p:nvPr>
-            <p:extLst>
-              <p:ext uri="{386F3935-93C4-4BCD-93E2-E3B085C9AB24}">
-                <p16:designElem xmlns:p16="http://schemas.microsoft.com/office/powerpoint/2015/main" val="1"/>
-              </p:ext>
-            </p:extLst>
-          </p:nvPr>
-        </p:nvSpPr>
-        <p:spPr>
-          <a:xfrm rot="2700000">
-            <a:off x="427916" y="5728708"/>
-            <a:ext cx="485578" cy="485578"/>
-          </a:xfrm>
-          <a:prstGeom prst="rect">
-            <a:avLst/>
-          </a:prstGeom>
-          <a:solidFill>
-            <a:schemeClr val="accent1">
-              <a:alpha val="30000"/>
-            </a:schemeClr>
-          </a:solidFill>
-          <a:ln>
-            <a:noFill/>
-          </a:ln>
-        </p:spPr>
-        <p:style>
-          <a:lnRef idx="2">
-            <a:schemeClr val="accent1">
-              <a:shade val="50000"/>
-            </a:schemeClr>
-          </a:lnRef>
-          <a:fillRef idx="1">
-            <a:schemeClr val="accent1"/>
-          </a:fillRef>
-          <a:effectRef idx="0">
-            <a:schemeClr val="accent1"/>
-          </a:effectRef>
-          <a:fontRef idx="minor">
-            <a:schemeClr val="lt1"/>
-          </a:fontRef>
-        </p:style>
-        <p:txBody>
-          <a:bodyPr wrap="square" rtlCol="0" anchor="ctr">
-            <a:noAutofit/>
-          </a:bodyPr>
-          <a:lstStyle/>
-          <a:p>
-            <a:pPr algn="ctr"/>
-            <a:endParaRPr lang="en-US"/>
           </a:p>
         </p:txBody>
       </p:sp>
@@ -10025,69 +7420,6 @@
       </p:grpSpPr>
       <p:sp>
         <p:nvSpPr>
-          <p:cNvPr id="8" name="Rectangle 7">
-            <a:extLst>
-              <a:ext uri="{FF2B5EF4-FFF2-40B4-BE49-F238E27FC236}">
-                <a16:creationId xmlns:a16="http://schemas.microsoft.com/office/drawing/2014/main" id="{2B566528-1B12-4246-9431-5C2D7D081168}"/>
-              </a:ext>
-              <a:ext uri="{C183D7F6-B498-43B3-948B-1728B52AA6E4}">
-                <adec:decorative xmlns:adec="http://schemas.microsoft.com/office/drawing/2017/decorative" val="1"/>
-              </a:ext>
-            </a:extLst>
-          </p:cNvPr>
-          <p:cNvSpPr>
-            <a:spLocks noGrp="1" noRot="1" noChangeAspect="1" noMove="1" noResize="1" noEditPoints="1" noAdjustHandles="1" noChangeArrowheads="1" noChangeShapeType="1" noTextEdit="1"/>
-          </p:cNvSpPr>
-          <p:nvPr>
-            <p:extLst>
-              <p:ext uri="{386F3935-93C4-4BCD-93E2-E3B085C9AB24}">
-                <p16:designElem xmlns:p16="http://schemas.microsoft.com/office/powerpoint/2015/main" val="1"/>
-              </p:ext>
-            </p:extLst>
-          </p:nvPr>
-        </p:nvSpPr>
-        <p:spPr>
-          <a:xfrm>
-            <a:off x="0" y="0"/>
-            <a:ext cx="12192000" cy="6858000"/>
-          </a:xfrm>
-          <a:prstGeom prst="rect">
-            <a:avLst/>
-          </a:prstGeom>
-          <a:solidFill>
-            <a:schemeClr val="bg1"/>
-          </a:solidFill>
-          <a:ln>
-            <a:noFill/>
-          </a:ln>
-        </p:spPr>
-        <p:style>
-          <a:lnRef idx="2">
-            <a:schemeClr val="accent1">
-              <a:shade val="50000"/>
-            </a:schemeClr>
-          </a:lnRef>
-          <a:fillRef idx="1">
-            <a:schemeClr val="accent1"/>
-          </a:fillRef>
-          <a:effectRef idx="0">
-            <a:schemeClr val="accent1"/>
-          </a:effectRef>
-          <a:fontRef idx="minor">
-            <a:schemeClr val="lt1"/>
-          </a:fontRef>
-        </p:style>
-        <p:txBody>
-          <a:bodyPr rtlCol="0" anchor="ctr"/>
-          <a:lstStyle/>
-          <a:p>
-            <a:pPr algn="ctr"/>
-            <a:endParaRPr lang="en-US" dirty="0"/>
-          </a:p>
-        </p:txBody>
-      </p:sp>
-      <p:sp>
-        <p:nvSpPr>
           <p:cNvPr id="2" name="Title 1">
             <a:extLst>
               <a:ext uri="{FF2B5EF4-FFF2-40B4-BE49-F238E27FC236}">
@@ -10177,274 +7509,48 @@
           </a:p>
         </p:txBody>
       </p:sp>
-      <p:sp>
-        <p:nvSpPr>
-          <p:cNvPr id="10" name="Rectangle 9">
+      <p:pic>
+        <p:nvPicPr>
+          <p:cNvPr id="9" name="Picture 8">
             <a:extLst>
               <a:ext uri="{FF2B5EF4-FFF2-40B4-BE49-F238E27FC236}">
-                <a16:creationId xmlns:a16="http://schemas.microsoft.com/office/drawing/2014/main" id="{2E80C965-DB6D-4F81-9E9E-B027384D0BD6}"/>
-              </a:ext>
-              <a:ext uri="{C183D7F6-B498-43B3-948B-1728B52AA6E4}">
-                <adec:decorative xmlns:adec="http://schemas.microsoft.com/office/drawing/2017/decorative" val="1"/>
+                <a16:creationId xmlns:a16="http://schemas.microsoft.com/office/drawing/2014/main" id="{F3242E1D-42F1-41A7-A725-8BFD97893B5E}"/>
               </a:ext>
             </a:extLst>
           </p:cNvPr>
-          <p:cNvSpPr>
-            <a:spLocks noGrp="1" noRot="1" noChangeAspect="1" noMove="1" noResize="1" noEditPoints="1" noAdjustHandles="1" noChangeArrowheads="1" noChangeShapeType="1" noTextEdit="1"/>
-          </p:cNvSpPr>
-          <p:nvPr>
-            <p:extLst>
-              <p:ext uri="{386F3935-93C4-4BCD-93E2-E3B085C9AB24}">
-                <p16:designElem xmlns:p16="http://schemas.microsoft.com/office/powerpoint/2015/main" val="1"/>
-              </p:ext>
-            </p:extLst>
-          </p:nvPr>
-        </p:nvSpPr>
-        <p:spPr>
-          <a:xfrm rot="2700000">
-            <a:off x="11052629" y="2120024"/>
-            <a:ext cx="645368" cy="645368"/>
+          <p:cNvPicPr/>
+          <p:nvPr/>
+        </p:nvPicPr>
+        <p:blipFill rotWithShape="1">
+          <a:blip r:embed="rId2">
+            <a:extLst>
+              <a:ext uri="{28A0092B-C50C-407E-A947-70E740481C1C}">
+                <a14:useLocalDpi xmlns:a14="http://schemas.microsoft.com/office/drawing/2010/main" val="0"/>
+              </a:ext>
+            </a:extLst>
+          </a:blip>
+          <a:srcRect l="15334" t="1197" r="19258" b="17553"/>
+          <a:stretch/>
+        </p:blipFill>
+        <p:spPr bwMode="auto">
+          <a:xfrm>
+            <a:off x="3232597" y="1236372"/>
+            <a:ext cx="7686371" cy="5621628"/>
           </a:xfrm>
           <a:prstGeom prst="rect">
             <a:avLst/>
           </a:prstGeom>
-          <a:solidFill>
-            <a:schemeClr val="accent4">
-              <a:alpha val="30000"/>
-            </a:schemeClr>
-          </a:solidFill>
+          <a:noFill/>
           <a:ln>
             <a:noFill/>
           </a:ln>
+          <a:extLst>
+            <a:ext uri="{53640926-AAD7-44D8-BBD7-CCE9431645EC}">
+              <a14:shadowObscured xmlns:a14="http://schemas.microsoft.com/office/drawing/2010/main"/>
+            </a:ext>
+          </a:extLst>
         </p:spPr>
-        <p:style>
-          <a:lnRef idx="2">
-            <a:schemeClr val="accent1">
-              <a:shade val="50000"/>
-            </a:schemeClr>
-          </a:lnRef>
-          <a:fillRef idx="1">
-            <a:schemeClr val="accent1"/>
-          </a:fillRef>
-          <a:effectRef idx="0">
-            <a:schemeClr val="accent1"/>
-          </a:effectRef>
-          <a:fontRef idx="minor">
-            <a:schemeClr val="lt1"/>
-          </a:fontRef>
-        </p:style>
-        <p:txBody>
-          <a:bodyPr rtlCol="0" anchor="ctr"/>
-          <a:lstStyle/>
-          <a:p>
-            <a:pPr algn="ctr"/>
-            <a:endParaRPr lang="en-US"/>
-          </a:p>
-        </p:txBody>
-      </p:sp>
-      <p:sp>
-        <p:nvSpPr>
-          <p:cNvPr id="12" name="Isosceles Triangle 11">
-            <a:extLst>
-              <a:ext uri="{FF2B5EF4-FFF2-40B4-BE49-F238E27FC236}">
-                <a16:creationId xmlns:a16="http://schemas.microsoft.com/office/drawing/2014/main" id="{A580F890-B085-4E95-96AA-55AEBEC5CE6E}"/>
-              </a:ext>
-              <a:ext uri="{C183D7F6-B498-43B3-948B-1728B52AA6E4}">
-                <adec:decorative xmlns:adec="http://schemas.microsoft.com/office/drawing/2017/decorative" val="1"/>
-              </a:ext>
-            </a:extLst>
-          </p:cNvPr>
-          <p:cNvSpPr>
-            <a:spLocks noGrp="1" noRot="1" noChangeAspect="1" noMove="1" noResize="1" noEditPoints="1" noAdjustHandles="1" noChangeArrowheads="1" noChangeShapeType="1" noTextEdit="1"/>
-          </p:cNvSpPr>
-          <p:nvPr>
-            <p:extLst>
-              <p:ext uri="{386F3935-93C4-4BCD-93E2-E3B085C9AB24}">
-                <p16:designElem xmlns:p16="http://schemas.microsoft.com/office/powerpoint/2015/main" val="1"/>
-              </p:ext>
-            </p:extLst>
-          </p:nvPr>
-        </p:nvSpPr>
-        <p:spPr>
-          <a:xfrm rot="16200000">
-            <a:off x="10289068" y="1343027"/>
-            <a:ext cx="2532832" cy="1273032"/>
-          </a:xfrm>
-          <a:prstGeom prst="triangle">
-            <a:avLst>
-              <a:gd name="adj" fmla="val 50000"/>
-            </a:avLst>
-          </a:prstGeom>
-          <a:solidFill>
-            <a:schemeClr val="accent4">
-              <a:alpha val="30000"/>
-            </a:schemeClr>
-          </a:solidFill>
-          <a:ln>
-            <a:noFill/>
-          </a:ln>
-        </p:spPr>
-        <p:style>
-          <a:lnRef idx="2">
-            <a:schemeClr val="accent1">
-              <a:shade val="50000"/>
-            </a:schemeClr>
-          </a:lnRef>
-          <a:fillRef idx="1">
-            <a:schemeClr val="accent1"/>
-          </a:fillRef>
-          <a:effectRef idx="0">
-            <a:schemeClr val="accent1"/>
-          </a:effectRef>
-          <a:fontRef idx="minor">
-            <a:schemeClr val="lt1"/>
-          </a:fontRef>
-        </p:style>
-        <p:txBody>
-          <a:bodyPr rtlCol="0" anchor="ctr"/>
-          <a:lstStyle/>
-          <a:p>
-            <a:pPr algn="ctr"/>
-            <a:endParaRPr lang="en-US"/>
-          </a:p>
-        </p:txBody>
-      </p:sp>
-      <p:sp>
-        <p:nvSpPr>
-          <p:cNvPr id="14" name="Isosceles Triangle 13">
-            <a:extLst>
-              <a:ext uri="{FF2B5EF4-FFF2-40B4-BE49-F238E27FC236}">
-                <a16:creationId xmlns:a16="http://schemas.microsoft.com/office/drawing/2014/main" id="{D3F51FEB-38FB-4F6C-9F7B-2F2AFAB65463}"/>
-              </a:ext>
-              <a:ext uri="{C183D7F6-B498-43B3-948B-1728B52AA6E4}">
-                <adec:decorative xmlns:adec="http://schemas.microsoft.com/office/drawing/2017/decorative" val="1"/>
-              </a:ext>
-            </a:extLst>
-          </p:cNvPr>
-          <p:cNvSpPr>
-            <a:spLocks noGrp="1" noRot="1" noChangeAspect="1" noMove="1" noResize="1" noEditPoints="1" noAdjustHandles="1" noChangeArrowheads="1" noChangeShapeType="1" noTextEdit="1"/>
-          </p:cNvSpPr>
-          <p:nvPr>
-            <p:extLst>
-              <p:ext uri="{386F3935-93C4-4BCD-93E2-E3B085C9AB24}">
-                <p16:designElem xmlns:p16="http://schemas.microsoft.com/office/powerpoint/2015/main" val="1"/>
-              </p:ext>
-            </p:extLst>
-          </p:nvPr>
-        </p:nvSpPr>
-        <p:spPr>
-          <a:xfrm rot="5400000">
-            <a:off x="-501760" y="5103257"/>
-            <a:ext cx="2017580" cy="1014060"/>
-          </a:xfrm>
-          <a:prstGeom prst="triangle">
-            <a:avLst>
-              <a:gd name="adj" fmla="val 50000"/>
-            </a:avLst>
-          </a:prstGeom>
-          <a:solidFill>
-            <a:schemeClr val="accent1">
-              <a:alpha val="30000"/>
-            </a:schemeClr>
-          </a:solidFill>
-          <a:ln>
-            <a:noFill/>
-          </a:ln>
-        </p:spPr>
-        <p:style>
-          <a:lnRef idx="2">
-            <a:schemeClr val="accent1">
-              <a:shade val="50000"/>
-            </a:schemeClr>
-          </a:lnRef>
-          <a:fillRef idx="1">
-            <a:schemeClr val="accent1"/>
-          </a:fillRef>
-          <a:effectRef idx="0">
-            <a:schemeClr val="accent1"/>
-          </a:effectRef>
-          <a:fontRef idx="minor">
-            <a:schemeClr val="lt1"/>
-          </a:fontRef>
-        </p:style>
-        <p:txBody>
-          <a:bodyPr wrap="square" rtlCol="0" anchor="ctr">
-            <a:noAutofit/>
-          </a:bodyPr>
-          <a:lstStyle/>
-          <a:p>
-            <a:pPr algn="ctr"/>
-            <a:endParaRPr lang="en-US"/>
-          </a:p>
-        </p:txBody>
-      </p:sp>
-      <p:sp>
-        <p:nvSpPr>
-          <p:cNvPr id="16" name="Rectangle 15">
-            <a:extLst>
-              <a:ext uri="{FF2B5EF4-FFF2-40B4-BE49-F238E27FC236}">
-                <a16:creationId xmlns:a16="http://schemas.microsoft.com/office/drawing/2014/main" id="{1E547BA6-BAE0-43BB-A7CA-60F69CE252F0}"/>
-              </a:ext>
-              <a:ext uri="{C183D7F6-B498-43B3-948B-1728B52AA6E4}">
-                <adec:decorative xmlns:adec="http://schemas.microsoft.com/office/drawing/2017/decorative" val="1"/>
-              </a:ext>
-            </a:extLst>
-          </p:cNvPr>
-          <p:cNvSpPr>
-            <a:spLocks noGrp="1" noRot="1" noChangeAspect="1" noMove="1" noResize="1" noEditPoints="1" noAdjustHandles="1" noChangeArrowheads="1" noChangeShapeType="1" noTextEdit="1"/>
-          </p:cNvSpPr>
-          <p:nvPr>
-            <p:extLst>
-              <p:ext uri="{386F3935-93C4-4BCD-93E2-E3B085C9AB24}">
-                <p16:designElem xmlns:p16="http://schemas.microsoft.com/office/powerpoint/2015/main" val="1"/>
-              </p:ext>
-            </p:extLst>
-          </p:nvPr>
-        </p:nvSpPr>
-        <p:spPr>
-          <a:xfrm rot="2700000">
-            <a:off x="427916" y="5728708"/>
-            <a:ext cx="485578" cy="485578"/>
-          </a:xfrm>
-          <a:prstGeom prst="rect">
-            <a:avLst/>
-          </a:prstGeom>
-          <a:solidFill>
-            <a:schemeClr val="accent1">
-              <a:alpha val="30000"/>
-            </a:schemeClr>
-          </a:solidFill>
-          <a:ln>
-            <a:noFill/>
-          </a:ln>
-        </p:spPr>
-        <p:style>
-          <a:lnRef idx="2">
-            <a:schemeClr val="accent1">
-              <a:shade val="50000"/>
-            </a:schemeClr>
-          </a:lnRef>
-          <a:fillRef idx="1">
-            <a:schemeClr val="accent1"/>
-          </a:fillRef>
-          <a:effectRef idx="0">
-            <a:schemeClr val="accent1"/>
-          </a:effectRef>
-          <a:fontRef idx="minor">
-            <a:schemeClr val="lt1"/>
-          </a:fontRef>
-        </p:style>
-        <p:txBody>
-          <a:bodyPr wrap="square" rtlCol="0" anchor="ctr">
-            <a:noAutofit/>
-          </a:bodyPr>
-          <a:lstStyle/>
-          <a:p>
-            <a:pPr algn="ctr"/>
-            <a:endParaRPr lang="en-US"/>
-          </a:p>
-        </p:txBody>
-      </p:sp>
+      </p:pic>
     </p:spTree>
     <p:extLst>
       <p:ext uri="{BB962C8B-B14F-4D97-AF65-F5344CB8AC3E}">
